--- a/Lecture Slides/VideoLectureSlides/12.2 vector.pptx
+++ b/Lecture Slides/VideoLectureSlides/12.2 vector.pptx
@@ -5,7 +5,7 @@
     <p:sldMasterId id="2147483660" r:id="rId4"/>
   </p:sldMasterIdLst>
   <p:notesMasterIdLst>
-    <p:notesMasterId r:id="rId21"/>
+    <p:notesMasterId r:id="rId26"/>
   </p:notesMasterIdLst>
   <p:sldIdLst>
     <p:sldId id="256" r:id="rId5"/>
@@ -23,7 +23,12 @@
     <p:sldId id="287" r:id="rId17"/>
     <p:sldId id="267" r:id="rId18"/>
     <p:sldId id="271" r:id="rId19"/>
-    <p:sldId id="290" r:id="rId20"/>
+    <p:sldId id="292" r:id="rId20"/>
+    <p:sldId id="293" r:id="rId21"/>
+    <p:sldId id="295" r:id="rId22"/>
+    <p:sldId id="296" r:id="rId23"/>
+    <p:sldId id="290" r:id="rId24"/>
+    <p:sldId id="291" r:id="rId25"/>
   </p:sldIdLst>
   <p:sldSz cx="9144000" cy="6858000" type="screen4x3"/>
   <p:notesSz cx="6858000" cy="9144000"/>
@@ -11487,6 +11492,3940 @@
           <a:chExt cx="0" cy="0"/>
         </a:xfrm>
       </p:grpSpPr>
+      <p:pic>
+        <p:nvPicPr>
+          <p:cNvPr id="5" name="Picture 4" descr="computer writing technology equipment memory product flash electronics digital memories usb connection accessory portable open hard drive data transfer storage hardware tray and visible playhead external hard drive external hard disk drive hard disk drive electronic device data storage device">
+            <a:extLst>
+              <a:ext uri="{FF2B5EF4-FFF2-40B4-BE49-F238E27FC236}">
+                <a16:creationId xmlns:a16="http://schemas.microsoft.com/office/drawing/2014/main" id="{5ABEDBCF-4D81-EB44-891E-748598C06569}"/>
+              </a:ext>
+            </a:extLst>
+          </p:cNvPr>
+          <p:cNvPicPr>
+            <a:picLocks noChangeAspect="1" noChangeArrowheads="1"/>
+          </p:cNvPicPr>
+          <p:nvPr/>
+        </p:nvPicPr>
+        <p:blipFill>
+          <a:blip r:embed="rId2" cstate="print">
+            <a:extLst>
+              <a:ext uri="{28A0092B-C50C-407E-A947-70E740481C1C}">
+                <a14:useLocalDpi xmlns:a14="http://schemas.microsoft.com/office/drawing/2010/main" val="0"/>
+              </a:ext>
+            </a:extLst>
+          </a:blip>
+          <a:srcRect/>
+          <a:stretch>
+            <a:fillRect/>
+          </a:stretch>
+        </p:blipFill>
+        <p:spPr bwMode="auto">
+          <a:xfrm>
+            <a:off x="1676400" y="609600"/>
+            <a:ext cx="6930256" cy="6034814"/>
+          </a:xfrm>
+          <a:prstGeom prst="rect">
+            <a:avLst/>
+          </a:prstGeom>
+          <a:noFill/>
+          <a:extLst>
+            <a:ext uri="{909E8E84-426E-40DD-AFC4-6F175D3DCCD1}">
+              <a14:hiddenFill xmlns:a14="http://schemas.microsoft.com/office/drawing/2010/main">
+                <a:solidFill>
+                  <a:srgbClr val="FFFFFF"/>
+                </a:solidFill>
+              </a14:hiddenFill>
+            </a:ext>
+          </a:extLst>
+        </p:spPr>
+      </p:pic>
+      <p:cxnSp>
+        <p:nvCxnSpPr>
+          <p:cNvPr id="7" name="Straight Arrow Connector 6">
+            <a:extLst>
+              <a:ext uri="{FF2B5EF4-FFF2-40B4-BE49-F238E27FC236}">
+                <a16:creationId xmlns:a16="http://schemas.microsoft.com/office/drawing/2014/main" id="{46D1BCFD-6E62-AF40-A2C9-ADF28D202622}"/>
+              </a:ext>
+            </a:extLst>
+          </p:cNvPr>
+          <p:cNvCxnSpPr>
+            <a:cxnSpLocks/>
+          </p:cNvCxnSpPr>
+          <p:nvPr/>
+        </p:nvCxnSpPr>
+        <p:spPr>
+          <a:xfrm flipH="1" flipV="1">
+            <a:off x="1066800" y="914400"/>
+            <a:ext cx="609600" cy="762000"/>
+          </a:xfrm>
+          <a:prstGeom prst="straightConnector1">
+            <a:avLst/>
+          </a:prstGeom>
+          <a:ln>
+            <a:tailEnd type="triangle"/>
+          </a:ln>
+        </p:spPr>
+        <p:style>
+          <a:lnRef idx="1">
+            <a:schemeClr val="dk1"/>
+          </a:lnRef>
+          <a:fillRef idx="0">
+            <a:schemeClr val="dk1"/>
+          </a:fillRef>
+          <a:effectRef idx="0">
+            <a:schemeClr val="dk1"/>
+          </a:effectRef>
+          <a:fontRef idx="minor">
+            <a:schemeClr val="tx1"/>
+          </a:fontRef>
+        </p:style>
+      </p:cxnSp>
+      <p:cxnSp>
+        <p:nvCxnSpPr>
+          <p:cNvPr id="8" name="Straight Arrow Connector 7">
+            <a:extLst>
+              <a:ext uri="{FF2B5EF4-FFF2-40B4-BE49-F238E27FC236}">
+                <a16:creationId xmlns:a16="http://schemas.microsoft.com/office/drawing/2014/main" id="{0C862357-F049-DA49-AD4C-F908703BFD3B}"/>
+              </a:ext>
+            </a:extLst>
+          </p:cNvPr>
+          <p:cNvCxnSpPr>
+            <a:cxnSpLocks/>
+          </p:cNvCxnSpPr>
+          <p:nvPr/>
+        </p:nvCxnSpPr>
+        <p:spPr>
+          <a:xfrm flipV="1">
+            <a:off x="1676400" y="1295400"/>
+            <a:ext cx="990600" cy="381000"/>
+          </a:xfrm>
+          <a:prstGeom prst="straightConnector1">
+            <a:avLst/>
+          </a:prstGeom>
+          <a:ln>
+            <a:tailEnd type="triangle"/>
+          </a:ln>
+        </p:spPr>
+        <p:style>
+          <a:lnRef idx="1">
+            <a:schemeClr val="dk1"/>
+          </a:lnRef>
+          <a:fillRef idx="0">
+            <a:schemeClr val="dk1"/>
+          </a:fillRef>
+          <a:effectRef idx="0">
+            <a:schemeClr val="dk1"/>
+          </a:effectRef>
+          <a:fontRef idx="minor">
+            <a:schemeClr val="tx1"/>
+          </a:fontRef>
+        </p:style>
+      </p:cxnSp>
+      <mc:AlternateContent xmlns:mc="http://schemas.openxmlformats.org/markup-compatibility/2006">
+        <mc:Choice xmlns:a14="http://schemas.microsoft.com/office/drawing/2010/main" Requires="a14">
+          <p:sp>
+            <p:nvSpPr>
+              <p:cNvPr id="11" name="TextBox 10">
+                <a:extLst>
+                  <a:ext uri="{FF2B5EF4-FFF2-40B4-BE49-F238E27FC236}">
+                    <a16:creationId xmlns:a16="http://schemas.microsoft.com/office/drawing/2014/main" id="{52EBD7E0-A508-CA48-B9AB-66973DDACB34}"/>
+                  </a:ext>
+                </a:extLst>
+              </p:cNvPr>
+              <p:cNvSpPr txBox="1"/>
+              <p:nvPr/>
+            </p:nvSpPr>
+            <p:spPr>
+              <a:xfrm>
+                <a:off x="2642716" y="914400"/>
+                <a:ext cx="426399" cy="461665"/>
+              </a:xfrm>
+              <a:prstGeom prst="rect">
+                <a:avLst/>
+              </a:prstGeom>
+              <a:noFill/>
+            </p:spPr>
+            <p:txBody>
+              <a:bodyPr wrap="none" rtlCol="0">
+                <a:spAutoFit/>
+              </a:bodyPr>
+              <a:lstStyle/>
+              <a:p>
+                <a14:m>
+                  <m:oMathPara xmlns:m="http://schemas.openxmlformats.org/officeDocument/2006/math">
+                    <m:oMathParaPr>
+                      <m:jc m:val="centerGroup"/>
+                    </m:oMathParaPr>
+                    <m:oMath xmlns:m="http://schemas.openxmlformats.org/officeDocument/2006/math">
+                      <m:r>
+                        <a:rPr lang="en-CA" sz="2400" b="0" i="1" smtClean="0">
+                          <a:latin typeface="Cambria Math" panose="02040503050406030204" pitchFamily="18" charset="0"/>
+                        </a:rPr>
+                        <m:t>𝑥</m:t>
+                      </m:r>
+                    </m:oMath>
+                  </m:oMathPara>
+                </a14:m>
+                <a:endParaRPr lang="en-US" sz="2400" dirty="0"/>
+              </a:p>
+            </p:txBody>
+          </p:sp>
+        </mc:Choice>
+        <mc:Fallback>
+          <p:sp>
+            <p:nvSpPr>
+              <p:cNvPr id="11" name="TextBox 10">
+                <a:extLst>
+                  <a:ext uri="{FF2B5EF4-FFF2-40B4-BE49-F238E27FC236}">
+                    <a16:creationId xmlns:a16="http://schemas.microsoft.com/office/drawing/2014/main" id="{52EBD7E0-A508-CA48-B9AB-66973DDACB34}"/>
+                  </a:ext>
+                </a:extLst>
+              </p:cNvPr>
+              <p:cNvSpPr txBox="1">
+                <a:spLocks noRot="1" noChangeAspect="1" noMove="1" noResize="1" noEditPoints="1" noAdjustHandles="1" noChangeArrowheads="1" noChangeShapeType="1" noTextEdit="1"/>
+              </p:cNvSpPr>
+              <p:nvPr/>
+            </p:nvSpPr>
+            <p:spPr>
+              <a:xfrm>
+                <a:off x="2642716" y="914400"/>
+                <a:ext cx="426399" cy="461665"/>
+              </a:xfrm>
+              <a:prstGeom prst="rect">
+                <a:avLst/>
+              </a:prstGeom>
+              <a:blipFill>
+                <a:blip r:embed="rId3"/>
+                <a:stretch>
+                  <a:fillRect/>
+                </a:stretch>
+              </a:blipFill>
+            </p:spPr>
+            <p:txBody>
+              <a:bodyPr/>
+              <a:lstStyle/>
+              <a:p>
+                <a:r>
+                  <a:rPr lang="en-US">
+                    <a:noFill/>
+                  </a:rPr>
+                  <a:t> </a:t>
+                </a:r>
+              </a:p>
+            </p:txBody>
+          </p:sp>
+        </mc:Fallback>
+      </mc:AlternateContent>
+      <mc:AlternateContent xmlns:mc="http://schemas.openxmlformats.org/markup-compatibility/2006">
+        <mc:Choice xmlns:a14="http://schemas.microsoft.com/office/drawing/2010/main" Requires="a14">
+          <p:sp>
+            <p:nvSpPr>
+              <p:cNvPr id="12" name="TextBox 11">
+                <a:extLst>
+                  <a:ext uri="{FF2B5EF4-FFF2-40B4-BE49-F238E27FC236}">
+                    <a16:creationId xmlns:a16="http://schemas.microsoft.com/office/drawing/2014/main" id="{B8BCAD6F-17C2-8640-BAB2-79188DF99151}"/>
+                  </a:ext>
+                </a:extLst>
+              </p:cNvPr>
+              <p:cNvSpPr txBox="1"/>
+              <p:nvPr/>
+            </p:nvSpPr>
+            <p:spPr>
+              <a:xfrm>
+                <a:off x="744027" y="539822"/>
+                <a:ext cx="430374" cy="461665"/>
+              </a:xfrm>
+              <a:prstGeom prst="rect">
+                <a:avLst/>
+              </a:prstGeom>
+              <a:noFill/>
+            </p:spPr>
+            <p:txBody>
+              <a:bodyPr wrap="none" rtlCol="0">
+                <a:spAutoFit/>
+              </a:bodyPr>
+              <a:lstStyle/>
+              <a:p>
+                <a14:m>
+                  <m:oMathPara xmlns:m="http://schemas.openxmlformats.org/officeDocument/2006/math">
+                    <m:oMathParaPr>
+                      <m:jc m:val="centerGroup"/>
+                    </m:oMathParaPr>
+                    <m:oMath xmlns:m="http://schemas.openxmlformats.org/officeDocument/2006/math">
+                      <m:r>
+                        <a:rPr lang="en-CA" sz="2400" b="0" i="1" smtClean="0">
+                          <a:latin typeface="Cambria Math" panose="02040503050406030204" pitchFamily="18" charset="0"/>
+                        </a:rPr>
+                        <m:t>𝑦</m:t>
+                      </m:r>
+                    </m:oMath>
+                  </m:oMathPara>
+                </a14:m>
+                <a:endParaRPr lang="en-US" sz="2400" dirty="0"/>
+              </a:p>
+            </p:txBody>
+          </p:sp>
+        </mc:Choice>
+        <mc:Fallback>
+          <p:sp>
+            <p:nvSpPr>
+              <p:cNvPr id="12" name="TextBox 11">
+                <a:extLst>
+                  <a:ext uri="{FF2B5EF4-FFF2-40B4-BE49-F238E27FC236}">
+                    <a16:creationId xmlns:a16="http://schemas.microsoft.com/office/drawing/2014/main" id="{B8BCAD6F-17C2-8640-BAB2-79188DF99151}"/>
+                  </a:ext>
+                </a:extLst>
+              </p:cNvPr>
+              <p:cNvSpPr txBox="1">
+                <a:spLocks noRot="1" noChangeAspect="1" noMove="1" noResize="1" noEditPoints="1" noAdjustHandles="1" noChangeArrowheads="1" noChangeShapeType="1" noTextEdit="1"/>
+              </p:cNvSpPr>
+              <p:nvPr/>
+            </p:nvSpPr>
+            <p:spPr>
+              <a:xfrm>
+                <a:off x="744027" y="539822"/>
+                <a:ext cx="430374" cy="461665"/>
+              </a:xfrm>
+              <a:prstGeom prst="rect">
+                <a:avLst/>
+              </a:prstGeom>
+              <a:blipFill>
+                <a:blip r:embed="rId4"/>
+                <a:stretch>
+                  <a:fillRect b="-10811"/>
+                </a:stretch>
+              </a:blipFill>
+            </p:spPr>
+            <p:txBody>
+              <a:bodyPr/>
+              <a:lstStyle/>
+              <a:p>
+                <a:r>
+                  <a:rPr lang="en-US">
+                    <a:noFill/>
+                  </a:rPr>
+                  <a:t> </a:t>
+                </a:r>
+              </a:p>
+            </p:txBody>
+          </p:sp>
+        </mc:Fallback>
+      </mc:AlternateContent>
+      <p:sp>
+        <p:nvSpPr>
+          <p:cNvPr id="13" name="Oval 12">
+            <a:extLst>
+              <a:ext uri="{FF2B5EF4-FFF2-40B4-BE49-F238E27FC236}">
+                <a16:creationId xmlns:a16="http://schemas.microsoft.com/office/drawing/2014/main" id="{0220CDED-7157-1743-A55F-C1D615503BB9}"/>
+              </a:ext>
+            </a:extLst>
+          </p:cNvPr>
+          <p:cNvSpPr/>
+          <p:nvPr/>
+        </p:nvSpPr>
+        <p:spPr>
+          <a:xfrm>
+            <a:off x="4343400" y="2133600"/>
+            <a:ext cx="152400" cy="76200"/>
+          </a:xfrm>
+          <a:prstGeom prst="ellipse">
+            <a:avLst/>
+          </a:prstGeom>
+        </p:spPr>
+        <p:style>
+          <a:lnRef idx="2">
+            <a:schemeClr val="dk1">
+              <a:shade val="50000"/>
+            </a:schemeClr>
+          </a:lnRef>
+          <a:fillRef idx="1">
+            <a:schemeClr val="dk1"/>
+          </a:fillRef>
+          <a:effectRef idx="0">
+            <a:schemeClr val="dk1"/>
+          </a:effectRef>
+          <a:fontRef idx="minor">
+            <a:schemeClr val="lt1"/>
+          </a:fontRef>
+        </p:style>
+        <p:txBody>
+          <a:bodyPr rtlCol="0" anchor="ctr"/>
+          <a:lstStyle/>
+          <a:p>
+            <a:pPr algn="ctr"/>
+            <a:endParaRPr lang="en-US"/>
+          </a:p>
+        </p:txBody>
+      </p:sp>
+      <p:sp>
+        <p:nvSpPr>
+          <p:cNvPr id="14" name="Oval 13">
+            <a:extLst>
+              <a:ext uri="{FF2B5EF4-FFF2-40B4-BE49-F238E27FC236}">
+                <a16:creationId xmlns:a16="http://schemas.microsoft.com/office/drawing/2014/main" id="{16D78F2F-EC32-4D48-8A6B-654900C81F79}"/>
+              </a:ext>
+            </a:extLst>
+          </p:cNvPr>
+          <p:cNvSpPr/>
+          <p:nvPr/>
+        </p:nvSpPr>
+        <p:spPr>
+          <a:xfrm>
+            <a:off x="5943600" y="1524000"/>
+            <a:ext cx="152400" cy="76200"/>
+          </a:xfrm>
+          <a:prstGeom prst="ellipse">
+            <a:avLst/>
+          </a:prstGeom>
+        </p:spPr>
+        <p:style>
+          <a:lnRef idx="2">
+            <a:schemeClr val="dk1">
+              <a:shade val="50000"/>
+            </a:schemeClr>
+          </a:lnRef>
+          <a:fillRef idx="1">
+            <a:schemeClr val="dk1"/>
+          </a:fillRef>
+          <a:effectRef idx="0">
+            <a:schemeClr val="dk1"/>
+          </a:effectRef>
+          <a:fontRef idx="minor">
+            <a:schemeClr val="lt1"/>
+          </a:fontRef>
+        </p:style>
+        <p:txBody>
+          <a:bodyPr rtlCol="0" anchor="ctr"/>
+          <a:lstStyle/>
+          <a:p>
+            <a:pPr algn="ctr"/>
+            <a:endParaRPr lang="en-US"/>
+          </a:p>
+        </p:txBody>
+      </p:sp>
+      <mc:AlternateContent xmlns:mc="http://schemas.openxmlformats.org/markup-compatibility/2006">
+        <mc:Choice xmlns:a14="http://schemas.microsoft.com/office/drawing/2010/main" Requires="a14">
+          <p:sp>
+            <p:nvSpPr>
+              <p:cNvPr id="15" name="TextBox 14">
+                <a:extLst>
+                  <a:ext uri="{FF2B5EF4-FFF2-40B4-BE49-F238E27FC236}">
+                    <a16:creationId xmlns:a16="http://schemas.microsoft.com/office/drawing/2014/main" id="{E6BE4F7E-1A00-2140-AF8D-674CA49BC581}"/>
+                  </a:ext>
+                </a:extLst>
+              </p:cNvPr>
+              <p:cNvSpPr txBox="1"/>
+              <p:nvPr/>
+            </p:nvSpPr>
+            <p:spPr>
+              <a:xfrm>
+                <a:off x="6074887" y="1325264"/>
+                <a:ext cx="451854" cy="461665"/>
+              </a:xfrm>
+              <a:prstGeom prst="rect">
+                <a:avLst/>
+              </a:prstGeom>
+              <a:noFill/>
+            </p:spPr>
+            <p:txBody>
+              <a:bodyPr wrap="none" rtlCol="0">
+                <a:spAutoFit/>
+              </a:bodyPr>
+              <a:lstStyle/>
+              <a:p>
+                <a14:m>
+                  <m:oMathPara xmlns:m="http://schemas.openxmlformats.org/officeDocument/2006/math">
+                    <m:oMathParaPr>
+                      <m:jc m:val="centerGroup"/>
+                    </m:oMathParaPr>
+                    <m:oMath xmlns:m="http://schemas.openxmlformats.org/officeDocument/2006/math">
+                      <m:r>
+                        <a:rPr lang="en-CA" sz="2400" b="0" i="1" smtClean="0">
+                          <a:latin typeface="Cambria Math" panose="02040503050406030204" pitchFamily="18" charset="0"/>
+                        </a:rPr>
+                        <m:t>𝑃</m:t>
+                      </m:r>
+                    </m:oMath>
+                  </m:oMathPara>
+                </a14:m>
+                <a:endParaRPr lang="en-US" sz="2400" dirty="0"/>
+              </a:p>
+            </p:txBody>
+          </p:sp>
+        </mc:Choice>
+        <mc:Fallback>
+          <p:sp>
+            <p:nvSpPr>
+              <p:cNvPr id="15" name="TextBox 14">
+                <a:extLst>
+                  <a:ext uri="{FF2B5EF4-FFF2-40B4-BE49-F238E27FC236}">
+                    <a16:creationId xmlns:a16="http://schemas.microsoft.com/office/drawing/2014/main" id="{E6BE4F7E-1A00-2140-AF8D-674CA49BC581}"/>
+                  </a:ext>
+                </a:extLst>
+              </p:cNvPr>
+              <p:cNvSpPr txBox="1">
+                <a:spLocks noRot="1" noChangeAspect="1" noMove="1" noResize="1" noEditPoints="1" noAdjustHandles="1" noChangeArrowheads="1" noChangeShapeType="1" noTextEdit="1"/>
+              </p:cNvSpPr>
+              <p:nvPr/>
+            </p:nvSpPr>
+            <p:spPr>
+              <a:xfrm>
+                <a:off x="6074887" y="1325264"/>
+                <a:ext cx="451854" cy="461665"/>
+              </a:xfrm>
+              <a:prstGeom prst="rect">
+                <a:avLst/>
+              </a:prstGeom>
+              <a:blipFill>
+                <a:blip r:embed="rId5"/>
+                <a:stretch>
+                  <a:fillRect/>
+                </a:stretch>
+              </a:blipFill>
+            </p:spPr>
+            <p:txBody>
+              <a:bodyPr/>
+              <a:lstStyle/>
+              <a:p>
+                <a:r>
+                  <a:rPr lang="en-US">
+                    <a:noFill/>
+                  </a:rPr>
+                  <a:t> </a:t>
+                </a:r>
+              </a:p>
+            </p:txBody>
+          </p:sp>
+        </mc:Fallback>
+      </mc:AlternateContent>
+      <mc:AlternateContent xmlns:mc="http://schemas.openxmlformats.org/markup-compatibility/2006">
+        <mc:Choice xmlns:a14="http://schemas.microsoft.com/office/drawing/2010/main" Requires="a14">
+          <p:sp>
+            <p:nvSpPr>
+              <p:cNvPr id="16" name="TextBox 15">
+                <a:extLst>
+                  <a:ext uri="{FF2B5EF4-FFF2-40B4-BE49-F238E27FC236}">
+                    <a16:creationId xmlns:a16="http://schemas.microsoft.com/office/drawing/2014/main" id="{C7EAEDE3-3389-9A49-80B2-ED3A9ED6B929}"/>
+                  </a:ext>
+                </a:extLst>
+              </p:cNvPr>
+              <p:cNvSpPr txBox="1"/>
+              <p:nvPr/>
+            </p:nvSpPr>
+            <p:spPr>
+              <a:xfrm>
+                <a:off x="4376404" y="2112666"/>
+                <a:ext cx="469487" cy="461665"/>
+              </a:xfrm>
+              <a:prstGeom prst="rect">
+                <a:avLst/>
+              </a:prstGeom>
+              <a:noFill/>
+            </p:spPr>
+            <p:txBody>
+              <a:bodyPr wrap="none" rtlCol="0">
+                <a:spAutoFit/>
+              </a:bodyPr>
+              <a:lstStyle/>
+              <a:p>
+                <a14:m>
+                  <m:oMathPara xmlns:m="http://schemas.openxmlformats.org/officeDocument/2006/math">
+                    <m:oMathParaPr>
+                      <m:jc m:val="centerGroup"/>
+                    </m:oMathParaPr>
+                    <m:oMath xmlns:m="http://schemas.openxmlformats.org/officeDocument/2006/math">
+                      <m:r>
+                        <a:rPr lang="en-CA" sz="2400" b="0" i="1" smtClean="0">
+                          <a:latin typeface="Cambria Math" panose="02040503050406030204" pitchFamily="18" charset="0"/>
+                        </a:rPr>
+                        <m:t>𝑂</m:t>
+                      </m:r>
+                    </m:oMath>
+                  </m:oMathPara>
+                </a14:m>
+                <a:endParaRPr lang="en-US" sz="2400" dirty="0"/>
+              </a:p>
+            </p:txBody>
+          </p:sp>
+        </mc:Choice>
+        <mc:Fallback>
+          <p:sp>
+            <p:nvSpPr>
+              <p:cNvPr id="16" name="TextBox 15">
+                <a:extLst>
+                  <a:ext uri="{FF2B5EF4-FFF2-40B4-BE49-F238E27FC236}">
+                    <a16:creationId xmlns:a16="http://schemas.microsoft.com/office/drawing/2014/main" id="{C7EAEDE3-3389-9A49-80B2-ED3A9ED6B929}"/>
+                  </a:ext>
+                </a:extLst>
+              </p:cNvPr>
+              <p:cNvSpPr txBox="1">
+                <a:spLocks noRot="1" noChangeAspect="1" noMove="1" noResize="1" noEditPoints="1" noAdjustHandles="1" noChangeArrowheads="1" noChangeShapeType="1" noTextEdit="1"/>
+              </p:cNvSpPr>
+              <p:nvPr/>
+            </p:nvSpPr>
+            <p:spPr>
+              <a:xfrm>
+                <a:off x="4376404" y="2112666"/>
+                <a:ext cx="469487" cy="461665"/>
+              </a:xfrm>
+              <a:prstGeom prst="rect">
+                <a:avLst/>
+              </a:prstGeom>
+              <a:blipFill>
+                <a:blip r:embed="rId6"/>
+                <a:stretch>
+                  <a:fillRect/>
+                </a:stretch>
+              </a:blipFill>
+            </p:spPr>
+            <p:txBody>
+              <a:bodyPr/>
+              <a:lstStyle/>
+              <a:p>
+                <a:r>
+                  <a:rPr lang="en-US">
+                    <a:noFill/>
+                  </a:rPr>
+                  <a:t> </a:t>
+                </a:r>
+              </a:p>
+            </p:txBody>
+          </p:sp>
+        </mc:Fallback>
+      </mc:AlternateContent>
+    </p:spTree>
+    <p:extLst>
+      <p:ext uri="{BB962C8B-B14F-4D97-AF65-F5344CB8AC3E}">
+        <p14:creationId xmlns:p14="http://schemas.microsoft.com/office/powerpoint/2010/main" val="3780897983"/>
+      </p:ext>
+    </p:extLst>
+  </p:cSld>
+  <p:clrMapOvr>
+    <a:masterClrMapping/>
+  </p:clrMapOvr>
+</p:sld>
+</file>
+
+<file path=ppt/slides/slide17.xml><?xml version="1.0" encoding="utf-8"?>
+<p:sld xmlns:a="http://schemas.openxmlformats.org/drawingml/2006/main" xmlns:r="http://schemas.openxmlformats.org/officeDocument/2006/relationships" xmlns:p="http://schemas.openxmlformats.org/presentationml/2006/main">
+  <p:cSld>
+    <p:spTree>
+      <p:nvGrpSpPr>
+        <p:cNvPr id="1" name=""/>
+        <p:cNvGrpSpPr/>
+        <p:nvPr/>
+      </p:nvGrpSpPr>
+      <p:grpSpPr>
+        <a:xfrm>
+          <a:off x="0" y="0"/>
+          <a:ext cx="0" cy="0"/>
+          <a:chOff x="0" y="0"/>
+          <a:chExt cx="0" cy="0"/>
+        </a:xfrm>
+      </p:grpSpPr>
+      <p:pic>
+        <p:nvPicPr>
+          <p:cNvPr id="5" name="Picture 4" descr="computer writing technology equipment memory product flash electronics digital memories usb connection accessory portable open hard drive data transfer storage hardware tray and visible playhead external hard drive external hard disk drive hard disk drive electronic device data storage device">
+            <a:extLst>
+              <a:ext uri="{FF2B5EF4-FFF2-40B4-BE49-F238E27FC236}">
+                <a16:creationId xmlns:a16="http://schemas.microsoft.com/office/drawing/2014/main" id="{5ABEDBCF-4D81-EB44-891E-748598C06569}"/>
+              </a:ext>
+            </a:extLst>
+          </p:cNvPr>
+          <p:cNvPicPr>
+            <a:picLocks noChangeAspect="1" noChangeArrowheads="1"/>
+          </p:cNvPicPr>
+          <p:nvPr/>
+        </p:nvPicPr>
+        <p:blipFill>
+          <a:blip r:embed="rId2" cstate="print">
+            <a:extLst>
+              <a:ext uri="{28A0092B-C50C-407E-A947-70E740481C1C}">
+                <a14:useLocalDpi xmlns:a14="http://schemas.microsoft.com/office/drawing/2010/main" val="0"/>
+              </a:ext>
+            </a:extLst>
+          </a:blip>
+          <a:srcRect/>
+          <a:stretch>
+            <a:fillRect/>
+          </a:stretch>
+        </p:blipFill>
+        <p:spPr bwMode="auto">
+          <a:xfrm>
+            <a:off x="1676400" y="609600"/>
+            <a:ext cx="6930256" cy="6034814"/>
+          </a:xfrm>
+          <a:prstGeom prst="rect">
+            <a:avLst/>
+          </a:prstGeom>
+          <a:noFill/>
+          <a:extLst>
+            <a:ext uri="{909E8E84-426E-40DD-AFC4-6F175D3DCCD1}">
+              <a14:hiddenFill xmlns:a14="http://schemas.microsoft.com/office/drawing/2010/main">
+                <a:solidFill>
+                  <a:srgbClr val="FFFFFF"/>
+                </a:solidFill>
+              </a14:hiddenFill>
+            </a:ext>
+          </a:extLst>
+        </p:spPr>
+      </p:pic>
+      <p:cxnSp>
+        <p:nvCxnSpPr>
+          <p:cNvPr id="7" name="Straight Arrow Connector 6">
+            <a:extLst>
+              <a:ext uri="{FF2B5EF4-FFF2-40B4-BE49-F238E27FC236}">
+                <a16:creationId xmlns:a16="http://schemas.microsoft.com/office/drawing/2014/main" id="{46D1BCFD-6E62-AF40-A2C9-ADF28D202622}"/>
+              </a:ext>
+            </a:extLst>
+          </p:cNvPr>
+          <p:cNvCxnSpPr>
+            <a:cxnSpLocks/>
+          </p:cNvCxnSpPr>
+          <p:nvPr/>
+        </p:nvCxnSpPr>
+        <p:spPr>
+          <a:xfrm flipH="1" flipV="1">
+            <a:off x="1066800" y="914400"/>
+            <a:ext cx="609600" cy="762000"/>
+          </a:xfrm>
+          <a:prstGeom prst="straightConnector1">
+            <a:avLst/>
+          </a:prstGeom>
+          <a:ln>
+            <a:tailEnd type="triangle"/>
+          </a:ln>
+        </p:spPr>
+        <p:style>
+          <a:lnRef idx="1">
+            <a:schemeClr val="dk1"/>
+          </a:lnRef>
+          <a:fillRef idx="0">
+            <a:schemeClr val="dk1"/>
+          </a:fillRef>
+          <a:effectRef idx="0">
+            <a:schemeClr val="dk1"/>
+          </a:effectRef>
+          <a:fontRef idx="minor">
+            <a:schemeClr val="tx1"/>
+          </a:fontRef>
+        </p:style>
+      </p:cxnSp>
+      <p:cxnSp>
+        <p:nvCxnSpPr>
+          <p:cNvPr id="8" name="Straight Arrow Connector 7">
+            <a:extLst>
+              <a:ext uri="{FF2B5EF4-FFF2-40B4-BE49-F238E27FC236}">
+                <a16:creationId xmlns:a16="http://schemas.microsoft.com/office/drawing/2014/main" id="{0C862357-F049-DA49-AD4C-F908703BFD3B}"/>
+              </a:ext>
+            </a:extLst>
+          </p:cNvPr>
+          <p:cNvCxnSpPr>
+            <a:cxnSpLocks/>
+          </p:cNvCxnSpPr>
+          <p:nvPr/>
+        </p:nvCxnSpPr>
+        <p:spPr>
+          <a:xfrm flipV="1">
+            <a:off x="1676400" y="1295400"/>
+            <a:ext cx="990600" cy="381000"/>
+          </a:xfrm>
+          <a:prstGeom prst="straightConnector1">
+            <a:avLst/>
+          </a:prstGeom>
+          <a:ln>
+            <a:tailEnd type="triangle"/>
+          </a:ln>
+        </p:spPr>
+        <p:style>
+          <a:lnRef idx="1">
+            <a:schemeClr val="dk1"/>
+          </a:lnRef>
+          <a:fillRef idx="0">
+            <a:schemeClr val="dk1"/>
+          </a:fillRef>
+          <a:effectRef idx="0">
+            <a:schemeClr val="dk1"/>
+          </a:effectRef>
+          <a:fontRef idx="minor">
+            <a:schemeClr val="tx1"/>
+          </a:fontRef>
+        </p:style>
+      </p:cxnSp>
+      <mc:AlternateContent xmlns:mc="http://schemas.openxmlformats.org/markup-compatibility/2006">
+        <mc:Choice xmlns:a14="http://schemas.microsoft.com/office/drawing/2010/main" Requires="a14">
+          <p:sp>
+            <p:nvSpPr>
+              <p:cNvPr id="11" name="TextBox 10">
+                <a:extLst>
+                  <a:ext uri="{FF2B5EF4-FFF2-40B4-BE49-F238E27FC236}">
+                    <a16:creationId xmlns:a16="http://schemas.microsoft.com/office/drawing/2014/main" id="{52EBD7E0-A508-CA48-B9AB-66973DDACB34}"/>
+                  </a:ext>
+                </a:extLst>
+              </p:cNvPr>
+              <p:cNvSpPr txBox="1"/>
+              <p:nvPr/>
+            </p:nvSpPr>
+            <p:spPr>
+              <a:xfrm>
+                <a:off x="2642716" y="914400"/>
+                <a:ext cx="426399" cy="461665"/>
+              </a:xfrm>
+              <a:prstGeom prst="rect">
+                <a:avLst/>
+              </a:prstGeom>
+              <a:noFill/>
+            </p:spPr>
+            <p:txBody>
+              <a:bodyPr wrap="none" rtlCol="0">
+                <a:spAutoFit/>
+              </a:bodyPr>
+              <a:lstStyle/>
+              <a:p>
+                <a14:m>
+                  <m:oMathPara xmlns:m="http://schemas.openxmlformats.org/officeDocument/2006/math">
+                    <m:oMathParaPr>
+                      <m:jc m:val="centerGroup"/>
+                    </m:oMathParaPr>
+                    <m:oMath xmlns:m="http://schemas.openxmlformats.org/officeDocument/2006/math">
+                      <m:r>
+                        <a:rPr lang="en-CA" sz="2400" b="0" i="1" smtClean="0">
+                          <a:latin typeface="Cambria Math" panose="02040503050406030204" pitchFamily="18" charset="0"/>
+                        </a:rPr>
+                        <m:t>𝑥</m:t>
+                      </m:r>
+                    </m:oMath>
+                  </m:oMathPara>
+                </a14:m>
+                <a:endParaRPr lang="en-US" sz="2400" dirty="0"/>
+              </a:p>
+            </p:txBody>
+          </p:sp>
+        </mc:Choice>
+        <mc:Fallback>
+          <p:sp>
+            <p:nvSpPr>
+              <p:cNvPr id="11" name="TextBox 10">
+                <a:extLst>
+                  <a:ext uri="{FF2B5EF4-FFF2-40B4-BE49-F238E27FC236}">
+                    <a16:creationId xmlns:a16="http://schemas.microsoft.com/office/drawing/2014/main" id="{52EBD7E0-A508-CA48-B9AB-66973DDACB34}"/>
+                  </a:ext>
+                </a:extLst>
+              </p:cNvPr>
+              <p:cNvSpPr txBox="1">
+                <a:spLocks noRot="1" noChangeAspect="1" noMove="1" noResize="1" noEditPoints="1" noAdjustHandles="1" noChangeArrowheads="1" noChangeShapeType="1" noTextEdit="1"/>
+              </p:cNvSpPr>
+              <p:nvPr/>
+            </p:nvSpPr>
+            <p:spPr>
+              <a:xfrm>
+                <a:off x="2642716" y="914400"/>
+                <a:ext cx="426399" cy="461665"/>
+              </a:xfrm>
+              <a:prstGeom prst="rect">
+                <a:avLst/>
+              </a:prstGeom>
+              <a:blipFill>
+                <a:blip r:embed="rId3"/>
+                <a:stretch>
+                  <a:fillRect/>
+                </a:stretch>
+              </a:blipFill>
+            </p:spPr>
+            <p:txBody>
+              <a:bodyPr/>
+              <a:lstStyle/>
+              <a:p>
+                <a:r>
+                  <a:rPr lang="en-US">
+                    <a:noFill/>
+                  </a:rPr>
+                  <a:t> </a:t>
+                </a:r>
+              </a:p>
+            </p:txBody>
+          </p:sp>
+        </mc:Fallback>
+      </mc:AlternateContent>
+      <mc:AlternateContent xmlns:mc="http://schemas.openxmlformats.org/markup-compatibility/2006">
+        <mc:Choice xmlns:a14="http://schemas.microsoft.com/office/drawing/2010/main" Requires="a14">
+          <p:sp>
+            <p:nvSpPr>
+              <p:cNvPr id="12" name="TextBox 11">
+                <a:extLst>
+                  <a:ext uri="{FF2B5EF4-FFF2-40B4-BE49-F238E27FC236}">
+                    <a16:creationId xmlns:a16="http://schemas.microsoft.com/office/drawing/2014/main" id="{B8BCAD6F-17C2-8640-BAB2-79188DF99151}"/>
+                  </a:ext>
+                </a:extLst>
+              </p:cNvPr>
+              <p:cNvSpPr txBox="1"/>
+              <p:nvPr/>
+            </p:nvSpPr>
+            <p:spPr>
+              <a:xfrm>
+                <a:off x="744027" y="539822"/>
+                <a:ext cx="430374" cy="461665"/>
+              </a:xfrm>
+              <a:prstGeom prst="rect">
+                <a:avLst/>
+              </a:prstGeom>
+              <a:noFill/>
+            </p:spPr>
+            <p:txBody>
+              <a:bodyPr wrap="none" rtlCol="0">
+                <a:spAutoFit/>
+              </a:bodyPr>
+              <a:lstStyle/>
+              <a:p>
+                <a14:m>
+                  <m:oMathPara xmlns:m="http://schemas.openxmlformats.org/officeDocument/2006/math">
+                    <m:oMathParaPr>
+                      <m:jc m:val="centerGroup"/>
+                    </m:oMathParaPr>
+                    <m:oMath xmlns:m="http://schemas.openxmlformats.org/officeDocument/2006/math">
+                      <m:r>
+                        <a:rPr lang="en-CA" sz="2400" b="0" i="1" smtClean="0">
+                          <a:latin typeface="Cambria Math" panose="02040503050406030204" pitchFamily="18" charset="0"/>
+                        </a:rPr>
+                        <m:t>𝑦</m:t>
+                      </m:r>
+                    </m:oMath>
+                  </m:oMathPara>
+                </a14:m>
+                <a:endParaRPr lang="en-US" sz="2400" dirty="0"/>
+              </a:p>
+            </p:txBody>
+          </p:sp>
+        </mc:Choice>
+        <mc:Fallback>
+          <p:sp>
+            <p:nvSpPr>
+              <p:cNvPr id="12" name="TextBox 11">
+                <a:extLst>
+                  <a:ext uri="{FF2B5EF4-FFF2-40B4-BE49-F238E27FC236}">
+                    <a16:creationId xmlns:a16="http://schemas.microsoft.com/office/drawing/2014/main" id="{B8BCAD6F-17C2-8640-BAB2-79188DF99151}"/>
+                  </a:ext>
+                </a:extLst>
+              </p:cNvPr>
+              <p:cNvSpPr txBox="1">
+                <a:spLocks noRot="1" noChangeAspect="1" noMove="1" noResize="1" noEditPoints="1" noAdjustHandles="1" noChangeArrowheads="1" noChangeShapeType="1" noTextEdit="1"/>
+              </p:cNvSpPr>
+              <p:nvPr/>
+            </p:nvSpPr>
+            <p:spPr>
+              <a:xfrm>
+                <a:off x="744027" y="539822"/>
+                <a:ext cx="430374" cy="461665"/>
+              </a:xfrm>
+              <a:prstGeom prst="rect">
+                <a:avLst/>
+              </a:prstGeom>
+              <a:blipFill>
+                <a:blip r:embed="rId4"/>
+                <a:stretch>
+                  <a:fillRect b="-10811"/>
+                </a:stretch>
+              </a:blipFill>
+            </p:spPr>
+            <p:txBody>
+              <a:bodyPr/>
+              <a:lstStyle/>
+              <a:p>
+                <a:r>
+                  <a:rPr lang="en-US">
+                    <a:noFill/>
+                  </a:rPr>
+                  <a:t> </a:t>
+                </a:r>
+              </a:p>
+            </p:txBody>
+          </p:sp>
+        </mc:Fallback>
+      </mc:AlternateContent>
+      <p:sp>
+        <p:nvSpPr>
+          <p:cNvPr id="13" name="Oval 12">
+            <a:extLst>
+              <a:ext uri="{FF2B5EF4-FFF2-40B4-BE49-F238E27FC236}">
+                <a16:creationId xmlns:a16="http://schemas.microsoft.com/office/drawing/2014/main" id="{0220CDED-7157-1743-A55F-C1D615503BB9}"/>
+              </a:ext>
+            </a:extLst>
+          </p:cNvPr>
+          <p:cNvSpPr/>
+          <p:nvPr/>
+        </p:nvSpPr>
+        <p:spPr>
+          <a:xfrm>
+            <a:off x="4343400" y="2133600"/>
+            <a:ext cx="152400" cy="76200"/>
+          </a:xfrm>
+          <a:prstGeom prst="ellipse">
+            <a:avLst/>
+          </a:prstGeom>
+        </p:spPr>
+        <p:style>
+          <a:lnRef idx="2">
+            <a:schemeClr val="dk1">
+              <a:shade val="50000"/>
+            </a:schemeClr>
+          </a:lnRef>
+          <a:fillRef idx="1">
+            <a:schemeClr val="dk1"/>
+          </a:fillRef>
+          <a:effectRef idx="0">
+            <a:schemeClr val="dk1"/>
+          </a:effectRef>
+          <a:fontRef idx="minor">
+            <a:schemeClr val="lt1"/>
+          </a:fontRef>
+        </p:style>
+        <p:txBody>
+          <a:bodyPr rtlCol="0" anchor="ctr"/>
+          <a:lstStyle/>
+          <a:p>
+            <a:pPr algn="ctr"/>
+            <a:endParaRPr lang="en-US"/>
+          </a:p>
+        </p:txBody>
+      </p:sp>
+      <mc:AlternateContent xmlns:mc="http://schemas.openxmlformats.org/markup-compatibility/2006">
+        <mc:Choice xmlns:a14="http://schemas.microsoft.com/office/drawing/2010/main" Requires="a14">
+          <p:sp>
+            <p:nvSpPr>
+              <p:cNvPr id="15" name="TextBox 14">
+                <a:extLst>
+                  <a:ext uri="{FF2B5EF4-FFF2-40B4-BE49-F238E27FC236}">
+                    <a16:creationId xmlns:a16="http://schemas.microsoft.com/office/drawing/2014/main" id="{E6BE4F7E-1A00-2140-AF8D-674CA49BC581}"/>
+                  </a:ext>
+                </a:extLst>
+              </p:cNvPr>
+              <p:cNvSpPr txBox="1"/>
+              <p:nvPr/>
+            </p:nvSpPr>
+            <p:spPr>
+              <a:xfrm>
+                <a:off x="5181600" y="2381319"/>
+                <a:ext cx="451854" cy="461665"/>
+              </a:xfrm>
+              <a:prstGeom prst="rect">
+                <a:avLst/>
+              </a:prstGeom>
+              <a:noFill/>
+            </p:spPr>
+            <p:txBody>
+              <a:bodyPr wrap="none" rtlCol="0">
+                <a:spAutoFit/>
+              </a:bodyPr>
+              <a:lstStyle/>
+              <a:p>
+                <a14:m>
+                  <m:oMathPara xmlns:m="http://schemas.openxmlformats.org/officeDocument/2006/math">
+                    <m:oMathParaPr>
+                      <m:jc m:val="centerGroup"/>
+                    </m:oMathParaPr>
+                    <m:oMath xmlns:m="http://schemas.openxmlformats.org/officeDocument/2006/math">
+                      <m:r>
+                        <a:rPr lang="en-CA" sz="2400" b="0" i="1" smtClean="0">
+                          <a:latin typeface="Cambria Math" panose="02040503050406030204" pitchFamily="18" charset="0"/>
+                        </a:rPr>
+                        <m:t>𝑃</m:t>
+                      </m:r>
+                    </m:oMath>
+                  </m:oMathPara>
+                </a14:m>
+                <a:endParaRPr lang="en-US" sz="2400" dirty="0"/>
+              </a:p>
+            </p:txBody>
+          </p:sp>
+        </mc:Choice>
+        <mc:Fallback>
+          <p:sp>
+            <p:nvSpPr>
+              <p:cNvPr id="15" name="TextBox 14">
+                <a:extLst>
+                  <a:ext uri="{FF2B5EF4-FFF2-40B4-BE49-F238E27FC236}">
+                    <a16:creationId xmlns:a16="http://schemas.microsoft.com/office/drawing/2014/main" id="{E6BE4F7E-1A00-2140-AF8D-674CA49BC581}"/>
+                  </a:ext>
+                </a:extLst>
+              </p:cNvPr>
+              <p:cNvSpPr txBox="1">
+                <a:spLocks noRot="1" noChangeAspect="1" noMove="1" noResize="1" noEditPoints="1" noAdjustHandles="1" noChangeArrowheads="1" noChangeShapeType="1" noTextEdit="1"/>
+              </p:cNvSpPr>
+              <p:nvPr/>
+            </p:nvSpPr>
+            <p:spPr>
+              <a:xfrm>
+                <a:off x="5181600" y="2381319"/>
+                <a:ext cx="451854" cy="461665"/>
+              </a:xfrm>
+              <a:prstGeom prst="rect">
+                <a:avLst/>
+              </a:prstGeom>
+              <a:blipFill>
+                <a:blip r:embed="rId5"/>
+                <a:stretch>
+                  <a:fillRect/>
+                </a:stretch>
+              </a:blipFill>
+            </p:spPr>
+            <p:txBody>
+              <a:bodyPr/>
+              <a:lstStyle/>
+              <a:p>
+                <a:r>
+                  <a:rPr lang="en-US">
+                    <a:noFill/>
+                  </a:rPr>
+                  <a:t> </a:t>
+                </a:r>
+              </a:p>
+            </p:txBody>
+          </p:sp>
+        </mc:Fallback>
+      </mc:AlternateContent>
+      <mc:AlternateContent xmlns:mc="http://schemas.openxmlformats.org/markup-compatibility/2006">
+        <mc:Choice xmlns:a14="http://schemas.microsoft.com/office/drawing/2010/main" Requires="a14">
+          <p:sp>
+            <p:nvSpPr>
+              <p:cNvPr id="16" name="TextBox 15">
+                <a:extLst>
+                  <a:ext uri="{FF2B5EF4-FFF2-40B4-BE49-F238E27FC236}">
+                    <a16:creationId xmlns:a16="http://schemas.microsoft.com/office/drawing/2014/main" id="{C7EAEDE3-3389-9A49-80B2-ED3A9ED6B929}"/>
+                  </a:ext>
+                </a:extLst>
+              </p:cNvPr>
+              <p:cNvSpPr txBox="1"/>
+              <p:nvPr/>
+            </p:nvSpPr>
+            <p:spPr>
+              <a:xfrm>
+                <a:off x="4343400" y="2133600"/>
+                <a:ext cx="469487" cy="461665"/>
+              </a:xfrm>
+              <a:prstGeom prst="rect">
+                <a:avLst/>
+              </a:prstGeom>
+              <a:noFill/>
+            </p:spPr>
+            <p:txBody>
+              <a:bodyPr wrap="none" rtlCol="0">
+                <a:spAutoFit/>
+              </a:bodyPr>
+              <a:lstStyle/>
+              <a:p>
+                <a14:m>
+                  <m:oMathPara xmlns:m="http://schemas.openxmlformats.org/officeDocument/2006/math">
+                    <m:oMathParaPr>
+                      <m:jc m:val="centerGroup"/>
+                    </m:oMathParaPr>
+                    <m:oMath xmlns:m="http://schemas.openxmlformats.org/officeDocument/2006/math">
+                      <m:r>
+                        <a:rPr lang="en-CA" sz="2400" b="0" i="1" smtClean="0">
+                          <a:latin typeface="Cambria Math" panose="02040503050406030204" pitchFamily="18" charset="0"/>
+                        </a:rPr>
+                        <m:t>𝑂</m:t>
+                      </m:r>
+                    </m:oMath>
+                  </m:oMathPara>
+                </a14:m>
+                <a:endParaRPr lang="en-US" sz="2400" dirty="0"/>
+              </a:p>
+            </p:txBody>
+          </p:sp>
+        </mc:Choice>
+        <mc:Fallback>
+          <p:sp>
+            <p:nvSpPr>
+              <p:cNvPr id="16" name="TextBox 15">
+                <a:extLst>
+                  <a:ext uri="{FF2B5EF4-FFF2-40B4-BE49-F238E27FC236}">
+                    <a16:creationId xmlns:a16="http://schemas.microsoft.com/office/drawing/2014/main" id="{C7EAEDE3-3389-9A49-80B2-ED3A9ED6B929}"/>
+                  </a:ext>
+                </a:extLst>
+              </p:cNvPr>
+              <p:cNvSpPr txBox="1">
+                <a:spLocks noRot="1" noChangeAspect="1" noMove="1" noResize="1" noEditPoints="1" noAdjustHandles="1" noChangeArrowheads="1" noChangeShapeType="1" noTextEdit="1"/>
+              </p:cNvSpPr>
+              <p:nvPr/>
+            </p:nvSpPr>
+            <p:spPr>
+              <a:xfrm>
+                <a:off x="4343400" y="2133600"/>
+                <a:ext cx="469487" cy="461665"/>
+              </a:xfrm>
+              <a:prstGeom prst="rect">
+                <a:avLst/>
+              </a:prstGeom>
+              <a:blipFill>
+                <a:blip r:embed="rId6"/>
+                <a:stretch>
+                  <a:fillRect/>
+                </a:stretch>
+              </a:blipFill>
+            </p:spPr>
+            <p:txBody>
+              <a:bodyPr/>
+              <a:lstStyle/>
+              <a:p>
+                <a:r>
+                  <a:rPr lang="en-US">
+                    <a:noFill/>
+                  </a:rPr>
+                  <a:t> </a:t>
+                </a:r>
+              </a:p>
+            </p:txBody>
+          </p:sp>
+        </mc:Fallback>
+      </mc:AlternateContent>
+      <p:sp>
+        <p:nvSpPr>
+          <p:cNvPr id="18" name="Oval 17">
+            <a:extLst>
+              <a:ext uri="{FF2B5EF4-FFF2-40B4-BE49-F238E27FC236}">
+                <a16:creationId xmlns:a16="http://schemas.microsoft.com/office/drawing/2014/main" id="{BDC14B2A-9C2A-BD4E-B276-78342F527021}"/>
+              </a:ext>
+            </a:extLst>
+          </p:cNvPr>
+          <p:cNvSpPr/>
+          <p:nvPr/>
+        </p:nvSpPr>
+        <p:spPr>
+          <a:xfrm>
+            <a:off x="5105400" y="2332612"/>
+            <a:ext cx="152400" cy="76200"/>
+          </a:xfrm>
+          <a:prstGeom prst="ellipse">
+            <a:avLst/>
+          </a:prstGeom>
+        </p:spPr>
+        <p:style>
+          <a:lnRef idx="2">
+            <a:schemeClr val="dk1">
+              <a:shade val="50000"/>
+            </a:schemeClr>
+          </a:lnRef>
+          <a:fillRef idx="1">
+            <a:schemeClr val="dk1"/>
+          </a:fillRef>
+          <a:effectRef idx="0">
+            <a:schemeClr val="dk1"/>
+          </a:effectRef>
+          <a:fontRef idx="minor">
+            <a:schemeClr val="lt1"/>
+          </a:fontRef>
+        </p:style>
+        <p:txBody>
+          <a:bodyPr rtlCol="0" anchor="ctr"/>
+          <a:lstStyle/>
+          <a:p>
+            <a:pPr algn="ctr"/>
+            <a:endParaRPr lang="en-US"/>
+          </a:p>
+        </p:txBody>
+      </p:sp>
+      <p:sp>
+        <p:nvSpPr>
+          <p:cNvPr id="19" name="Arc 18">
+            <a:extLst>
+              <a:ext uri="{FF2B5EF4-FFF2-40B4-BE49-F238E27FC236}">
+                <a16:creationId xmlns:a16="http://schemas.microsoft.com/office/drawing/2014/main" id="{6A1FF0ED-FEAC-3A4D-904A-9B8DA8B6B87D}"/>
+              </a:ext>
+            </a:extLst>
+          </p:cNvPr>
+          <p:cNvSpPr>
+            <a:spLocks noChangeAspect="1"/>
+          </p:cNvSpPr>
+          <p:nvPr/>
+        </p:nvSpPr>
+        <p:spPr>
+          <a:xfrm rot="840759">
+            <a:off x="4138086" y="1390046"/>
+            <a:ext cx="1563307" cy="1563307"/>
+          </a:xfrm>
+          <a:prstGeom prst="arc">
+            <a:avLst>
+              <a:gd name="adj1" fmla="val 18448533"/>
+              <a:gd name="adj2" fmla="val 536910"/>
+            </a:avLst>
+          </a:prstGeom>
+          <a:ln>
+            <a:solidFill>
+              <a:schemeClr val="tx1"/>
+            </a:solidFill>
+          </a:ln>
+        </p:spPr>
+        <p:style>
+          <a:lnRef idx="1">
+            <a:schemeClr val="accent1"/>
+          </a:lnRef>
+          <a:fillRef idx="0">
+            <a:schemeClr val="accent1"/>
+          </a:fillRef>
+          <a:effectRef idx="0">
+            <a:schemeClr val="accent1"/>
+          </a:effectRef>
+          <a:fontRef idx="minor">
+            <a:schemeClr val="tx1"/>
+          </a:fontRef>
+        </p:style>
+        <p:txBody>
+          <a:bodyPr rtlCol="0" anchor="ctr"/>
+          <a:lstStyle/>
+          <a:p>
+            <a:pPr algn="ctr"/>
+            <a:endParaRPr lang="en-US"/>
+          </a:p>
+        </p:txBody>
+      </p:sp>
+      <mc:AlternateContent xmlns:mc="http://schemas.openxmlformats.org/markup-compatibility/2006">
+        <mc:Choice xmlns:a14="http://schemas.microsoft.com/office/drawing/2010/main" Requires="a14">
+          <p:sp>
+            <p:nvSpPr>
+              <p:cNvPr id="20" name="TextBox 19">
+                <a:extLst>
+                  <a:ext uri="{FF2B5EF4-FFF2-40B4-BE49-F238E27FC236}">
+                    <a16:creationId xmlns:a16="http://schemas.microsoft.com/office/drawing/2014/main" id="{326F303E-BE8C-F541-8FFD-30DA13607E5C}"/>
+                  </a:ext>
+                </a:extLst>
+              </p:cNvPr>
+              <p:cNvSpPr txBox="1"/>
+              <p:nvPr/>
+            </p:nvSpPr>
+            <p:spPr>
+              <a:xfrm>
+                <a:off x="5619342" y="1871576"/>
+                <a:ext cx="457200" cy="461665"/>
+              </a:xfrm>
+              <a:prstGeom prst="rect">
+                <a:avLst/>
+              </a:prstGeom>
+              <a:noFill/>
+            </p:spPr>
+            <p:txBody>
+              <a:bodyPr wrap="square" rtlCol="0">
+                <a:spAutoFit/>
+              </a:bodyPr>
+              <a:lstStyle/>
+              <a:p>
+                <a:pPr/>
+                <a14:m>
+                  <m:oMathPara xmlns:m="http://schemas.openxmlformats.org/officeDocument/2006/math">
+                    <m:oMathParaPr>
+                      <m:jc m:val="centerGroup"/>
+                    </m:oMathParaPr>
+                    <m:oMath xmlns:m="http://schemas.openxmlformats.org/officeDocument/2006/math">
+                      <m:r>
+                        <a:rPr lang="en-CA" sz="2400" b="0" i="1" smtClean="0">
+                          <a:latin typeface="Cambria Math" panose="02040503050406030204" pitchFamily="18" charset="0"/>
+                        </a:rPr>
+                        <m:t>𝜃</m:t>
+                      </m:r>
+                    </m:oMath>
+                  </m:oMathPara>
+                </a14:m>
+                <a:endParaRPr lang="en-US" sz="2400" dirty="0"/>
+              </a:p>
+            </p:txBody>
+          </p:sp>
+        </mc:Choice>
+        <mc:Fallback>
+          <p:sp>
+            <p:nvSpPr>
+              <p:cNvPr id="20" name="TextBox 19">
+                <a:extLst>
+                  <a:ext uri="{FF2B5EF4-FFF2-40B4-BE49-F238E27FC236}">
+                    <a16:creationId xmlns:a16="http://schemas.microsoft.com/office/drawing/2014/main" id="{326F303E-BE8C-F541-8FFD-30DA13607E5C}"/>
+                  </a:ext>
+                </a:extLst>
+              </p:cNvPr>
+              <p:cNvSpPr txBox="1">
+                <a:spLocks noRot="1" noChangeAspect="1" noMove="1" noResize="1" noEditPoints="1" noAdjustHandles="1" noChangeArrowheads="1" noChangeShapeType="1" noTextEdit="1"/>
+              </p:cNvSpPr>
+              <p:nvPr/>
+            </p:nvSpPr>
+            <p:spPr>
+              <a:xfrm>
+                <a:off x="5619342" y="1871576"/>
+                <a:ext cx="457200" cy="461665"/>
+              </a:xfrm>
+              <a:prstGeom prst="rect">
+                <a:avLst/>
+              </a:prstGeom>
+              <a:blipFill>
+                <a:blip r:embed="rId7"/>
+                <a:stretch>
+                  <a:fillRect/>
+                </a:stretch>
+              </a:blipFill>
+            </p:spPr>
+            <p:txBody>
+              <a:bodyPr/>
+              <a:lstStyle/>
+              <a:p>
+                <a:r>
+                  <a:rPr lang="en-US">
+                    <a:noFill/>
+                  </a:rPr>
+                  <a:t> </a:t>
+                </a:r>
+              </a:p>
+            </p:txBody>
+          </p:sp>
+        </mc:Fallback>
+      </mc:AlternateContent>
+      <p:cxnSp>
+        <p:nvCxnSpPr>
+          <p:cNvPr id="3" name="Straight Connector 2">
+            <a:extLst>
+              <a:ext uri="{FF2B5EF4-FFF2-40B4-BE49-F238E27FC236}">
+                <a16:creationId xmlns:a16="http://schemas.microsoft.com/office/drawing/2014/main" id="{DFC7B8D1-D764-BF41-BD8B-CC63D33F22C1}"/>
+              </a:ext>
+            </a:extLst>
+          </p:cNvPr>
+          <p:cNvCxnSpPr>
+            <a:cxnSpLocks/>
+          </p:cNvCxnSpPr>
+          <p:nvPr/>
+        </p:nvCxnSpPr>
+        <p:spPr>
+          <a:xfrm>
+            <a:off x="4417628" y="2171700"/>
+            <a:ext cx="1915181" cy="483317"/>
+          </a:xfrm>
+          <a:prstGeom prst="line">
+            <a:avLst/>
+          </a:prstGeom>
+        </p:spPr>
+        <p:style>
+          <a:lnRef idx="1">
+            <a:schemeClr val="dk1"/>
+          </a:lnRef>
+          <a:fillRef idx="0">
+            <a:schemeClr val="dk1"/>
+          </a:fillRef>
+          <a:effectRef idx="0">
+            <a:schemeClr val="dk1"/>
+          </a:effectRef>
+          <a:fontRef idx="minor">
+            <a:schemeClr val="tx1"/>
+          </a:fontRef>
+        </p:style>
+      </p:cxnSp>
+      <p:cxnSp>
+        <p:nvCxnSpPr>
+          <p:cNvPr id="21" name="Straight Connector 20">
+            <a:extLst>
+              <a:ext uri="{FF2B5EF4-FFF2-40B4-BE49-F238E27FC236}">
+                <a16:creationId xmlns:a16="http://schemas.microsoft.com/office/drawing/2014/main" id="{33F9E829-E24D-3042-9A4E-B0F334A9560F}"/>
+              </a:ext>
+            </a:extLst>
+          </p:cNvPr>
+          <p:cNvCxnSpPr>
+            <a:cxnSpLocks/>
+          </p:cNvCxnSpPr>
+          <p:nvPr/>
+        </p:nvCxnSpPr>
+        <p:spPr>
+          <a:xfrm flipV="1">
+            <a:off x="4417628" y="1485900"/>
+            <a:ext cx="1563308" cy="685800"/>
+          </a:xfrm>
+          <a:prstGeom prst="line">
+            <a:avLst/>
+          </a:prstGeom>
+        </p:spPr>
+        <p:style>
+          <a:lnRef idx="1">
+            <a:schemeClr val="dk1"/>
+          </a:lnRef>
+          <a:fillRef idx="0">
+            <a:schemeClr val="dk1"/>
+          </a:fillRef>
+          <a:effectRef idx="0">
+            <a:schemeClr val="dk1"/>
+          </a:effectRef>
+          <a:fontRef idx="minor">
+            <a:schemeClr val="tx1"/>
+          </a:fontRef>
+        </p:style>
+      </p:cxnSp>
+    </p:spTree>
+    <p:extLst>
+      <p:ext uri="{BB962C8B-B14F-4D97-AF65-F5344CB8AC3E}">
+        <p14:creationId xmlns:p14="http://schemas.microsoft.com/office/powerpoint/2010/main" val="292375336"/>
+      </p:ext>
+    </p:extLst>
+  </p:cSld>
+  <p:clrMapOvr>
+    <a:masterClrMapping/>
+  </p:clrMapOvr>
+</p:sld>
+</file>
+
+<file path=ppt/slides/slide18.xml><?xml version="1.0" encoding="utf-8"?>
+<p:sld xmlns:a="http://schemas.openxmlformats.org/drawingml/2006/main" xmlns:r="http://schemas.openxmlformats.org/officeDocument/2006/relationships" xmlns:p="http://schemas.openxmlformats.org/presentationml/2006/main">
+  <p:cSld>
+    <p:spTree>
+      <p:nvGrpSpPr>
+        <p:cNvPr id="1" name=""/>
+        <p:cNvGrpSpPr/>
+        <p:nvPr/>
+      </p:nvGrpSpPr>
+      <p:grpSpPr>
+        <a:xfrm>
+          <a:off x="0" y="0"/>
+          <a:ext cx="0" cy="0"/>
+          <a:chOff x="0" y="0"/>
+          <a:chExt cx="0" cy="0"/>
+        </a:xfrm>
+      </p:grpSpPr>
+      <p:pic>
+        <p:nvPicPr>
+          <p:cNvPr id="5" name="Picture 4" descr="computer writing technology equipment memory product flash electronics digital memories usb connection accessory portable open hard drive data transfer storage hardware tray and visible playhead external hard drive external hard disk drive hard disk drive electronic device data storage device">
+            <a:extLst>
+              <a:ext uri="{FF2B5EF4-FFF2-40B4-BE49-F238E27FC236}">
+                <a16:creationId xmlns:a16="http://schemas.microsoft.com/office/drawing/2014/main" id="{5ABEDBCF-4D81-EB44-891E-748598C06569}"/>
+              </a:ext>
+            </a:extLst>
+          </p:cNvPr>
+          <p:cNvPicPr>
+            <a:picLocks noChangeAspect="1" noChangeArrowheads="1"/>
+          </p:cNvPicPr>
+          <p:nvPr/>
+        </p:nvPicPr>
+        <p:blipFill>
+          <a:blip r:embed="rId2" cstate="print">
+            <a:extLst>
+              <a:ext uri="{28A0092B-C50C-407E-A947-70E740481C1C}">
+                <a14:useLocalDpi xmlns:a14="http://schemas.microsoft.com/office/drawing/2010/main" val="0"/>
+              </a:ext>
+            </a:extLst>
+          </a:blip>
+          <a:srcRect/>
+          <a:stretch>
+            <a:fillRect/>
+          </a:stretch>
+        </p:blipFill>
+        <p:spPr bwMode="auto">
+          <a:xfrm>
+            <a:off x="1676400" y="609600"/>
+            <a:ext cx="6930256" cy="6034814"/>
+          </a:xfrm>
+          <a:prstGeom prst="rect">
+            <a:avLst/>
+          </a:prstGeom>
+          <a:noFill/>
+          <a:extLst>
+            <a:ext uri="{909E8E84-426E-40DD-AFC4-6F175D3DCCD1}">
+              <a14:hiddenFill xmlns:a14="http://schemas.microsoft.com/office/drawing/2010/main">
+                <a:solidFill>
+                  <a:srgbClr val="FFFFFF"/>
+                </a:solidFill>
+              </a14:hiddenFill>
+            </a:ext>
+          </a:extLst>
+        </p:spPr>
+      </p:pic>
+      <p:cxnSp>
+        <p:nvCxnSpPr>
+          <p:cNvPr id="7" name="Straight Arrow Connector 6">
+            <a:extLst>
+              <a:ext uri="{FF2B5EF4-FFF2-40B4-BE49-F238E27FC236}">
+                <a16:creationId xmlns:a16="http://schemas.microsoft.com/office/drawing/2014/main" id="{46D1BCFD-6E62-AF40-A2C9-ADF28D202622}"/>
+              </a:ext>
+            </a:extLst>
+          </p:cNvPr>
+          <p:cNvCxnSpPr>
+            <a:cxnSpLocks/>
+          </p:cNvCxnSpPr>
+          <p:nvPr/>
+        </p:nvCxnSpPr>
+        <p:spPr>
+          <a:xfrm flipH="1" flipV="1">
+            <a:off x="1066800" y="914400"/>
+            <a:ext cx="609600" cy="762000"/>
+          </a:xfrm>
+          <a:prstGeom prst="straightConnector1">
+            <a:avLst/>
+          </a:prstGeom>
+          <a:ln>
+            <a:tailEnd type="triangle"/>
+          </a:ln>
+        </p:spPr>
+        <p:style>
+          <a:lnRef idx="1">
+            <a:schemeClr val="dk1"/>
+          </a:lnRef>
+          <a:fillRef idx="0">
+            <a:schemeClr val="dk1"/>
+          </a:fillRef>
+          <a:effectRef idx="0">
+            <a:schemeClr val="dk1"/>
+          </a:effectRef>
+          <a:fontRef idx="minor">
+            <a:schemeClr val="tx1"/>
+          </a:fontRef>
+        </p:style>
+      </p:cxnSp>
+      <p:cxnSp>
+        <p:nvCxnSpPr>
+          <p:cNvPr id="8" name="Straight Arrow Connector 7">
+            <a:extLst>
+              <a:ext uri="{FF2B5EF4-FFF2-40B4-BE49-F238E27FC236}">
+                <a16:creationId xmlns:a16="http://schemas.microsoft.com/office/drawing/2014/main" id="{0C862357-F049-DA49-AD4C-F908703BFD3B}"/>
+              </a:ext>
+            </a:extLst>
+          </p:cNvPr>
+          <p:cNvCxnSpPr>
+            <a:cxnSpLocks/>
+          </p:cNvCxnSpPr>
+          <p:nvPr/>
+        </p:nvCxnSpPr>
+        <p:spPr>
+          <a:xfrm flipV="1">
+            <a:off x="1676400" y="1295400"/>
+            <a:ext cx="990600" cy="381000"/>
+          </a:xfrm>
+          <a:prstGeom prst="straightConnector1">
+            <a:avLst/>
+          </a:prstGeom>
+          <a:ln>
+            <a:tailEnd type="triangle"/>
+          </a:ln>
+        </p:spPr>
+        <p:style>
+          <a:lnRef idx="1">
+            <a:schemeClr val="dk1"/>
+          </a:lnRef>
+          <a:fillRef idx="0">
+            <a:schemeClr val="dk1"/>
+          </a:fillRef>
+          <a:effectRef idx="0">
+            <a:schemeClr val="dk1"/>
+          </a:effectRef>
+          <a:fontRef idx="minor">
+            <a:schemeClr val="tx1"/>
+          </a:fontRef>
+        </p:style>
+      </p:cxnSp>
+      <mc:AlternateContent xmlns:mc="http://schemas.openxmlformats.org/markup-compatibility/2006">
+        <mc:Choice xmlns:a14="http://schemas.microsoft.com/office/drawing/2010/main" Requires="a14">
+          <p:sp>
+            <p:nvSpPr>
+              <p:cNvPr id="11" name="TextBox 10">
+                <a:extLst>
+                  <a:ext uri="{FF2B5EF4-FFF2-40B4-BE49-F238E27FC236}">
+                    <a16:creationId xmlns:a16="http://schemas.microsoft.com/office/drawing/2014/main" id="{52EBD7E0-A508-CA48-B9AB-66973DDACB34}"/>
+                  </a:ext>
+                </a:extLst>
+              </p:cNvPr>
+              <p:cNvSpPr txBox="1"/>
+              <p:nvPr/>
+            </p:nvSpPr>
+            <p:spPr>
+              <a:xfrm>
+                <a:off x="2642716" y="914400"/>
+                <a:ext cx="426399" cy="461665"/>
+              </a:xfrm>
+              <a:prstGeom prst="rect">
+                <a:avLst/>
+              </a:prstGeom>
+              <a:noFill/>
+            </p:spPr>
+            <p:txBody>
+              <a:bodyPr wrap="none" rtlCol="0">
+                <a:spAutoFit/>
+              </a:bodyPr>
+              <a:lstStyle/>
+              <a:p>
+                <a14:m>
+                  <m:oMathPara xmlns:m="http://schemas.openxmlformats.org/officeDocument/2006/math">
+                    <m:oMathParaPr>
+                      <m:jc m:val="centerGroup"/>
+                    </m:oMathParaPr>
+                    <m:oMath xmlns:m="http://schemas.openxmlformats.org/officeDocument/2006/math">
+                      <m:r>
+                        <a:rPr lang="en-CA" sz="2400" b="0" i="1" smtClean="0">
+                          <a:latin typeface="Cambria Math" panose="02040503050406030204" pitchFamily="18" charset="0"/>
+                        </a:rPr>
+                        <m:t>𝑥</m:t>
+                      </m:r>
+                    </m:oMath>
+                  </m:oMathPara>
+                </a14:m>
+                <a:endParaRPr lang="en-US" sz="2400" dirty="0"/>
+              </a:p>
+            </p:txBody>
+          </p:sp>
+        </mc:Choice>
+        <mc:Fallback>
+          <p:sp>
+            <p:nvSpPr>
+              <p:cNvPr id="11" name="TextBox 10">
+                <a:extLst>
+                  <a:ext uri="{FF2B5EF4-FFF2-40B4-BE49-F238E27FC236}">
+                    <a16:creationId xmlns:a16="http://schemas.microsoft.com/office/drawing/2014/main" id="{52EBD7E0-A508-CA48-B9AB-66973DDACB34}"/>
+                  </a:ext>
+                </a:extLst>
+              </p:cNvPr>
+              <p:cNvSpPr txBox="1">
+                <a:spLocks noRot="1" noChangeAspect="1" noMove="1" noResize="1" noEditPoints="1" noAdjustHandles="1" noChangeArrowheads="1" noChangeShapeType="1" noTextEdit="1"/>
+              </p:cNvSpPr>
+              <p:nvPr/>
+            </p:nvSpPr>
+            <p:spPr>
+              <a:xfrm>
+                <a:off x="2642716" y="914400"/>
+                <a:ext cx="426399" cy="461665"/>
+              </a:xfrm>
+              <a:prstGeom prst="rect">
+                <a:avLst/>
+              </a:prstGeom>
+              <a:blipFill>
+                <a:blip r:embed="rId3"/>
+                <a:stretch>
+                  <a:fillRect/>
+                </a:stretch>
+              </a:blipFill>
+            </p:spPr>
+            <p:txBody>
+              <a:bodyPr/>
+              <a:lstStyle/>
+              <a:p>
+                <a:r>
+                  <a:rPr lang="en-US">
+                    <a:noFill/>
+                  </a:rPr>
+                  <a:t> </a:t>
+                </a:r>
+              </a:p>
+            </p:txBody>
+          </p:sp>
+        </mc:Fallback>
+      </mc:AlternateContent>
+      <mc:AlternateContent xmlns:mc="http://schemas.openxmlformats.org/markup-compatibility/2006">
+        <mc:Choice xmlns:a14="http://schemas.microsoft.com/office/drawing/2010/main" Requires="a14">
+          <p:sp>
+            <p:nvSpPr>
+              <p:cNvPr id="12" name="TextBox 11">
+                <a:extLst>
+                  <a:ext uri="{FF2B5EF4-FFF2-40B4-BE49-F238E27FC236}">
+                    <a16:creationId xmlns:a16="http://schemas.microsoft.com/office/drawing/2014/main" id="{B8BCAD6F-17C2-8640-BAB2-79188DF99151}"/>
+                  </a:ext>
+                </a:extLst>
+              </p:cNvPr>
+              <p:cNvSpPr txBox="1"/>
+              <p:nvPr/>
+            </p:nvSpPr>
+            <p:spPr>
+              <a:xfrm>
+                <a:off x="744027" y="539822"/>
+                <a:ext cx="430374" cy="461665"/>
+              </a:xfrm>
+              <a:prstGeom prst="rect">
+                <a:avLst/>
+              </a:prstGeom>
+              <a:noFill/>
+            </p:spPr>
+            <p:txBody>
+              <a:bodyPr wrap="none" rtlCol="0">
+                <a:spAutoFit/>
+              </a:bodyPr>
+              <a:lstStyle/>
+              <a:p>
+                <a14:m>
+                  <m:oMathPara xmlns:m="http://schemas.openxmlformats.org/officeDocument/2006/math">
+                    <m:oMathParaPr>
+                      <m:jc m:val="centerGroup"/>
+                    </m:oMathParaPr>
+                    <m:oMath xmlns:m="http://schemas.openxmlformats.org/officeDocument/2006/math">
+                      <m:r>
+                        <a:rPr lang="en-CA" sz="2400" b="0" i="1" smtClean="0">
+                          <a:latin typeface="Cambria Math" panose="02040503050406030204" pitchFamily="18" charset="0"/>
+                        </a:rPr>
+                        <m:t>𝑦</m:t>
+                      </m:r>
+                    </m:oMath>
+                  </m:oMathPara>
+                </a14:m>
+                <a:endParaRPr lang="en-US" sz="2400" dirty="0"/>
+              </a:p>
+            </p:txBody>
+          </p:sp>
+        </mc:Choice>
+        <mc:Fallback>
+          <p:sp>
+            <p:nvSpPr>
+              <p:cNvPr id="12" name="TextBox 11">
+                <a:extLst>
+                  <a:ext uri="{FF2B5EF4-FFF2-40B4-BE49-F238E27FC236}">
+                    <a16:creationId xmlns:a16="http://schemas.microsoft.com/office/drawing/2014/main" id="{B8BCAD6F-17C2-8640-BAB2-79188DF99151}"/>
+                  </a:ext>
+                </a:extLst>
+              </p:cNvPr>
+              <p:cNvSpPr txBox="1">
+                <a:spLocks noRot="1" noChangeAspect="1" noMove="1" noResize="1" noEditPoints="1" noAdjustHandles="1" noChangeArrowheads="1" noChangeShapeType="1" noTextEdit="1"/>
+              </p:cNvSpPr>
+              <p:nvPr/>
+            </p:nvSpPr>
+            <p:spPr>
+              <a:xfrm>
+                <a:off x="744027" y="539822"/>
+                <a:ext cx="430374" cy="461665"/>
+              </a:xfrm>
+              <a:prstGeom prst="rect">
+                <a:avLst/>
+              </a:prstGeom>
+              <a:blipFill>
+                <a:blip r:embed="rId4"/>
+                <a:stretch>
+                  <a:fillRect b="-10811"/>
+                </a:stretch>
+              </a:blipFill>
+            </p:spPr>
+            <p:txBody>
+              <a:bodyPr/>
+              <a:lstStyle/>
+              <a:p>
+                <a:r>
+                  <a:rPr lang="en-US">
+                    <a:noFill/>
+                  </a:rPr>
+                  <a:t> </a:t>
+                </a:r>
+              </a:p>
+            </p:txBody>
+          </p:sp>
+        </mc:Fallback>
+      </mc:AlternateContent>
+      <p:sp>
+        <p:nvSpPr>
+          <p:cNvPr id="13" name="Oval 12">
+            <a:extLst>
+              <a:ext uri="{FF2B5EF4-FFF2-40B4-BE49-F238E27FC236}">
+                <a16:creationId xmlns:a16="http://schemas.microsoft.com/office/drawing/2014/main" id="{0220CDED-7157-1743-A55F-C1D615503BB9}"/>
+              </a:ext>
+            </a:extLst>
+          </p:cNvPr>
+          <p:cNvSpPr/>
+          <p:nvPr/>
+        </p:nvSpPr>
+        <p:spPr>
+          <a:xfrm>
+            <a:off x="4343400" y="2133600"/>
+            <a:ext cx="152400" cy="76200"/>
+          </a:xfrm>
+          <a:prstGeom prst="ellipse">
+            <a:avLst/>
+          </a:prstGeom>
+        </p:spPr>
+        <p:style>
+          <a:lnRef idx="2">
+            <a:schemeClr val="dk1">
+              <a:shade val="50000"/>
+            </a:schemeClr>
+          </a:lnRef>
+          <a:fillRef idx="1">
+            <a:schemeClr val="dk1"/>
+          </a:fillRef>
+          <a:effectRef idx="0">
+            <a:schemeClr val="dk1"/>
+          </a:effectRef>
+          <a:fontRef idx="minor">
+            <a:schemeClr val="lt1"/>
+          </a:fontRef>
+        </p:style>
+        <p:txBody>
+          <a:bodyPr rtlCol="0" anchor="ctr"/>
+          <a:lstStyle/>
+          <a:p>
+            <a:pPr algn="ctr"/>
+            <a:endParaRPr lang="en-US"/>
+          </a:p>
+        </p:txBody>
+      </p:sp>
+      <mc:AlternateContent xmlns:mc="http://schemas.openxmlformats.org/markup-compatibility/2006">
+        <mc:Choice xmlns:a14="http://schemas.microsoft.com/office/drawing/2010/main" Requires="a14">
+          <p:sp>
+            <p:nvSpPr>
+              <p:cNvPr id="15" name="TextBox 14">
+                <a:extLst>
+                  <a:ext uri="{FF2B5EF4-FFF2-40B4-BE49-F238E27FC236}">
+                    <a16:creationId xmlns:a16="http://schemas.microsoft.com/office/drawing/2014/main" id="{E6BE4F7E-1A00-2140-AF8D-674CA49BC581}"/>
+                  </a:ext>
+                </a:extLst>
+              </p:cNvPr>
+              <p:cNvSpPr txBox="1"/>
+              <p:nvPr/>
+            </p:nvSpPr>
+            <p:spPr>
+              <a:xfrm>
+                <a:off x="5181600" y="2381319"/>
+                <a:ext cx="451854" cy="461665"/>
+              </a:xfrm>
+              <a:prstGeom prst="rect">
+                <a:avLst/>
+              </a:prstGeom>
+              <a:noFill/>
+            </p:spPr>
+            <p:txBody>
+              <a:bodyPr wrap="none" rtlCol="0">
+                <a:spAutoFit/>
+              </a:bodyPr>
+              <a:lstStyle/>
+              <a:p>
+                <a14:m>
+                  <m:oMathPara xmlns:m="http://schemas.openxmlformats.org/officeDocument/2006/math">
+                    <m:oMathParaPr>
+                      <m:jc m:val="centerGroup"/>
+                    </m:oMathParaPr>
+                    <m:oMath xmlns:m="http://schemas.openxmlformats.org/officeDocument/2006/math">
+                      <m:r>
+                        <a:rPr lang="en-CA" sz="2400" b="0" i="1" smtClean="0">
+                          <a:latin typeface="Cambria Math" panose="02040503050406030204" pitchFamily="18" charset="0"/>
+                        </a:rPr>
+                        <m:t>𝑃</m:t>
+                      </m:r>
+                    </m:oMath>
+                  </m:oMathPara>
+                </a14:m>
+                <a:endParaRPr lang="en-US" sz="2400" dirty="0"/>
+              </a:p>
+            </p:txBody>
+          </p:sp>
+        </mc:Choice>
+        <mc:Fallback>
+          <p:sp>
+            <p:nvSpPr>
+              <p:cNvPr id="15" name="TextBox 14">
+                <a:extLst>
+                  <a:ext uri="{FF2B5EF4-FFF2-40B4-BE49-F238E27FC236}">
+                    <a16:creationId xmlns:a16="http://schemas.microsoft.com/office/drawing/2014/main" id="{E6BE4F7E-1A00-2140-AF8D-674CA49BC581}"/>
+                  </a:ext>
+                </a:extLst>
+              </p:cNvPr>
+              <p:cNvSpPr txBox="1">
+                <a:spLocks noRot="1" noChangeAspect="1" noMove="1" noResize="1" noEditPoints="1" noAdjustHandles="1" noChangeArrowheads="1" noChangeShapeType="1" noTextEdit="1"/>
+              </p:cNvSpPr>
+              <p:nvPr/>
+            </p:nvSpPr>
+            <p:spPr>
+              <a:xfrm>
+                <a:off x="5181600" y="2381319"/>
+                <a:ext cx="451854" cy="461665"/>
+              </a:xfrm>
+              <a:prstGeom prst="rect">
+                <a:avLst/>
+              </a:prstGeom>
+              <a:blipFill>
+                <a:blip r:embed="rId5"/>
+                <a:stretch>
+                  <a:fillRect/>
+                </a:stretch>
+              </a:blipFill>
+            </p:spPr>
+            <p:txBody>
+              <a:bodyPr/>
+              <a:lstStyle/>
+              <a:p>
+                <a:r>
+                  <a:rPr lang="en-US">
+                    <a:noFill/>
+                  </a:rPr>
+                  <a:t> </a:t>
+                </a:r>
+              </a:p>
+            </p:txBody>
+          </p:sp>
+        </mc:Fallback>
+      </mc:AlternateContent>
+      <mc:AlternateContent xmlns:mc="http://schemas.openxmlformats.org/markup-compatibility/2006">
+        <mc:Choice xmlns:a14="http://schemas.microsoft.com/office/drawing/2010/main" Requires="a14">
+          <p:sp>
+            <p:nvSpPr>
+              <p:cNvPr id="16" name="TextBox 15">
+                <a:extLst>
+                  <a:ext uri="{FF2B5EF4-FFF2-40B4-BE49-F238E27FC236}">
+                    <a16:creationId xmlns:a16="http://schemas.microsoft.com/office/drawing/2014/main" id="{C7EAEDE3-3389-9A49-80B2-ED3A9ED6B929}"/>
+                  </a:ext>
+                </a:extLst>
+              </p:cNvPr>
+              <p:cNvSpPr txBox="1"/>
+              <p:nvPr/>
+            </p:nvSpPr>
+            <p:spPr>
+              <a:xfrm>
+                <a:off x="4343400" y="2133600"/>
+                <a:ext cx="469487" cy="461665"/>
+              </a:xfrm>
+              <a:prstGeom prst="rect">
+                <a:avLst/>
+              </a:prstGeom>
+              <a:noFill/>
+            </p:spPr>
+            <p:txBody>
+              <a:bodyPr wrap="none" rtlCol="0">
+                <a:spAutoFit/>
+              </a:bodyPr>
+              <a:lstStyle/>
+              <a:p>
+                <a14:m>
+                  <m:oMathPara xmlns:m="http://schemas.openxmlformats.org/officeDocument/2006/math">
+                    <m:oMathParaPr>
+                      <m:jc m:val="centerGroup"/>
+                    </m:oMathParaPr>
+                    <m:oMath xmlns:m="http://schemas.openxmlformats.org/officeDocument/2006/math">
+                      <m:r>
+                        <a:rPr lang="en-CA" sz="2400" b="0" i="1" smtClean="0">
+                          <a:latin typeface="Cambria Math" panose="02040503050406030204" pitchFamily="18" charset="0"/>
+                        </a:rPr>
+                        <m:t>𝑂</m:t>
+                      </m:r>
+                    </m:oMath>
+                  </m:oMathPara>
+                </a14:m>
+                <a:endParaRPr lang="en-US" sz="2400" dirty="0"/>
+              </a:p>
+            </p:txBody>
+          </p:sp>
+        </mc:Choice>
+        <mc:Fallback>
+          <p:sp>
+            <p:nvSpPr>
+              <p:cNvPr id="16" name="TextBox 15">
+                <a:extLst>
+                  <a:ext uri="{FF2B5EF4-FFF2-40B4-BE49-F238E27FC236}">
+                    <a16:creationId xmlns:a16="http://schemas.microsoft.com/office/drawing/2014/main" id="{C7EAEDE3-3389-9A49-80B2-ED3A9ED6B929}"/>
+                  </a:ext>
+                </a:extLst>
+              </p:cNvPr>
+              <p:cNvSpPr txBox="1">
+                <a:spLocks noRot="1" noChangeAspect="1" noMove="1" noResize="1" noEditPoints="1" noAdjustHandles="1" noChangeArrowheads="1" noChangeShapeType="1" noTextEdit="1"/>
+              </p:cNvSpPr>
+              <p:nvPr/>
+            </p:nvSpPr>
+            <p:spPr>
+              <a:xfrm>
+                <a:off x="4343400" y="2133600"/>
+                <a:ext cx="469487" cy="461665"/>
+              </a:xfrm>
+              <a:prstGeom prst="rect">
+                <a:avLst/>
+              </a:prstGeom>
+              <a:blipFill>
+                <a:blip r:embed="rId6"/>
+                <a:stretch>
+                  <a:fillRect/>
+                </a:stretch>
+              </a:blipFill>
+            </p:spPr>
+            <p:txBody>
+              <a:bodyPr/>
+              <a:lstStyle/>
+              <a:p>
+                <a:r>
+                  <a:rPr lang="en-US">
+                    <a:noFill/>
+                  </a:rPr>
+                  <a:t> </a:t>
+                </a:r>
+              </a:p>
+            </p:txBody>
+          </p:sp>
+        </mc:Fallback>
+      </mc:AlternateContent>
+      <p:sp>
+        <p:nvSpPr>
+          <p:cNvPr id="18" name="Oval 17">
+            <a:extLst>
+              <a:ext uri="{FF2B5EF4-FFF2-40B4-BE49-F238E27FC236}">
+                <a16:creationId xmlns:a16="http://schemas.microsoft.com/office/drawing/2014/main" id="{BDC14B2A-9C2A-BD4E-B276-78342F527021}"/>
+              </a:ext>
+            </a:extLst>
+          </p:cNvPr>
+          <p:cNvSpPr/>
+          <p:nvPr/>
+        </p:nvSpPr>
+        <p:spPr>
+          <a:xfrm>
+            <a:off x="5105400" y="2332612"/>
+            <a:ext cx="152400" cy="76200"/>
+          </a:xfrm>
+          <a:prstGeom prst="ellipse">
+            <a:avLst/>
+          </a:prstGeom>
+        </p:spPr>
+        <p:style>
+          <a:lnRef idx="2">
+            <a:schemeClr val="dk1">
+              <a:shade val="50000"/>
+            </a:schemeClr>
+          </a:lnRef>
+          <a:fillRef idx="1">
+            <a:schemeClr val="dk1"/>
+          </a:fillRef>
+          <a:effectRef idx="0">
+            <a:schemeClr val="dk1"/>
+          </a:effectRef>
+          <a:fontRef idx="minor">
+            <a:schemeClr val="lt1"/>
+          </a:fontRef>
+        </p:style>
+        <p:txBody>
+          <a:bodyPr rtlCol="0" anchor="ctr"/>
+          <a:lstStyle/>
+          <a:p>
+            <a:pPr algn="ctr"/>
+            <a:endParaRPr lang="en-US"/>
+          </a:p>
+        </p:txBody>
+      </p:sp>
+      <p:sp>
+        <p:nvSpPr>
+          <p:cNvPr id="19" name="Arc 18">
+            <a:extLst>
+              <a:ext uri="{FF2B5EF4-FFF2-40B4-BE49-F238E27FC236}">
+                <a16:creationId xmlns:a16="http://schemas.microsoft.com/office/drawing/2014/main" id="{6A1FF0ED-FEAC-3A4D-904A-9B8DA8B6B87D}"/>
+              </a:ext>
+            </a:extLst>
+          </p:cNvPr>
+          <p:cNvSpPr>
+            <a:spLocks noChangeAspect="1"/>
+          </p:cNvSpPr>
+          <p:nvPr/>
+        </p:nvSpPr>
+        <p:spPr>
+          <a:xfrm rot="19382250">
+            <a:off x="4476147" y="3063903"/>
+            <a:ext cx="1563307" cy="1563307"/>
+          </a:xfrm>
+          <a:prstGeom prst="arc">
+            <a:avLst>
+              <a:gd name="adj1" fmla="val 18448533"/>
+              <a:gd name="adj2" fmla="val 536910"/>
+            </a:avLst>
+          </a:prstGeom>
+          <a:ln/>
+        </p:spPr>
+        <p:style>
+          <a:lnRef idx="1">
+            <a:schemeClr val="dk1"/>
+          </a:lnRef>
+          <a:fillRef idx="0">
+            <a:schemeClr val="dk1"/>
+          </a:fillRef>
+          <a:effectRef idx="0">
+            <a:schemeClr val="dk1"/>
+          </a:effectRef>
+          <a:fontRef idx="minor">
+            <a:schemeClr val="tx1"/>
+          </a:fontRef>
+        </p:style>
+        <p:txBody>
+          <a:bodyPr rtlCol="0" anchor="ctr"/>
+          <a:lstStyle/>
+          <a:p>
+            <a:pPr algn="ctr"/>
+            <a:endParaRPr lang="en-US"/>
+          </a:p>
+        </p:txBody>
+      </p:sp>
+      <mc:AlternateContent xmlns:mc="http://schemas.openxmlformats.org/markup-compatibility/2006">
+        <mc:Choice xmlns:a14="http://schemas.microsoft.com/office/drawing/2010/main" Requires="a14">
+          <p:sp>
+            <p:nvSpPr>
+              <p:cNvPr id="20" name="TextBox 19">
+                <a:extLst>
+                  <a:ext uri="{FF2B5EF4-FFF2-40B4-BE49-F238E27FC236}">
+                    <a16:creationId xmlns:a16="http://schemas.microsoft.com/office/drawing/2014/main" id="{326F303E-BE8C-F541-8FFD-30DA13607E5C}"/>
+                  </a:ext>
+                </a:extLst>
+              </p:cNvPr>
+              <p:cNvSpPr txBox="1"/>
+              <p:nvPr/>
+            </p:nvSpPr>
+            <p:spPr>
+              <a:xfrm>
+                <a:off x="5624826" y="2842984"/>
+                <a:ext cx="457200" cy="461665"/>
+              </a:xfrm>
+              <a:prstGeom prst="rect">
+                <a:avLst/>
+              </a:prstGeom>
+              <a:noFill/>
+            </p:spPr>
+            <p:txBody>
+              <a:bodyPr wrap="square" rtlCol="0">
+                <a:spAutoFit/>
+              </a:bodyPr>
+              <a:lstStyle/>
+              <a:p>
+                <a:pPr/>
+                <a14:m>
+                  <m:oMathPara xmlns:m="http://schemas.openxmlformats.org/officeDocument/2006/math">
+                    <m:oMathParaPr>
+                      <m:jc m:val="centerGroup"/>
+                    </m:oMathParaPr>
+                    <m:oMath xmlns:m="http://schemas.openxmlformats.org/officeDocument/2006/math">
+                      <m:r>
+                        <a:rPr lang="en-CA" sz="2400" b="0" i="1" smtClean="0">
+                          <a:latin typeface="Cambria Math" panose="02040503050406030204" pitchFamily="18" charset="0"/>
+                        </a:rPr>
+                        <m:t>𝜃</m:t>
+                      </m:r>
+                    </m:oMath>
+                  </m:oMathPara>
+                </a14:m>
+                <a:endParaRPr lang="en-US" sz="2400" dirty="0"/>
+              </a:p>
+            </p:txBody>
+          </p:sp>
+        </mc:Choice>
+        <mc:Fallback>
+          <p:sp>
+            <p:nvSpPr>
+              <p:cNvPr id="20" name="TextBox 19">
+                <a:extLst>
+                  <a:ext uri="{FF2B5EF4-FFF2-40B4-BE49-F238E27FC236}">
+                    <a16:creationId xmlns:a16="http://schemas.microsoft.com/office/drawing/2014/main" id="{326F303E-BE8C-F541-8FFD-30DA13607E5C}"/>
+                  </a:ext>
+                </a:extLst>
+              </p:cNvPr>
+              <p:cNvSpPr txBox="1">
+                <a:spLocks noRot="1" noChangeAspect="1" noMove="1" noResize="1" noEditPoints="1" noAdjustHandles="1" noChangeArrowheads="1" noChangeShapeType="1" noTextEdit="1"/>
+              </p:cNvSpPr>
+              <p:nvPr/>
+            </p:nvSpPr>
+            <p:spPr>
+              <a:xfrm>
+                <a:off x="5624826" y="2842984"/>
+                <a:ext cx="457200" cy="461665"/>
+              </a:xfrm>
+              <a:prstGeom prst="rect">
+                <a:avLst/>
+              </a:prstGeom>
+              <a:blipFill>
+                <a:blip r:embed="rId7"/>
+                <a:stretch>
+                  <a:fillRect/>
+                </a:stretch>
+              </a:blipFill>
+            </p:spPr>
+            <p:txBody>
+              <a:bodyPr/>
+              <a:lstStyle/>
+              <a:p>
+                <a:r>
+                  <a:rPr lang="en-US">
+                    <a:noFill/>
+                  </a:rPr>
+                  <a:t> </a:t>
+                </a:r>
+              </a:p>
+            </p:txBody>
+          </p:sp>
+        </mc:Fallback>
+      </mc:AlternateContent>
+      <p:cxnSp>
+        <p:nvCxnSpPr>
+          <p:cNvPr id="3" name="Straight Connector 2">
+            <a:extLst>
+              <a:ext uri="{FF2B5EF4-FFF2-40B4-BE49-F238E27FC236}">
+                <a16:creationId xmlns:a16="http://schemas.microsoft.com/office/drawing/2014/main" id="{DFC7B8D1-D764-BF41-BD8B-CC63D33F22C1}"/>
+              </a:ext>
+            </a:extLst>
+          </p:cNvPr>
+          <p:cNvCxnSpPr>
+            <a:cxnSpLocks/>
+          </p:cNvCxnSpPr>
+          <p:nvPr/>
+        </p:nvCxnSpPr>
+        <p:spPr>
+          <a:xfrm flipV="1">
+            <a:off x="5278822" y="3119360"/>
+            <a:ext cx="1524000" cy="690641"/>
+          </a:xfrm>
+          <a:prstGeom prst="line">
+            <a:avLst/>
+          </a:prstGeom>
+          <a:ln>
+            <a:solidFill>
+              <a:schemeClr val="bg1"/>
+            </a:solidFill>
+          </a:ln>
+        </p:spPr>
+        <p:style>
+          <a:lnRef idx="1">
+            <a:schemeClr val="dk1"/>
+          </a:lnRef>
+          <a:fillRef idx="0">
+            <a:schemeClr val="dk1"/>
+          </a:fillRef>
+          <a:effectRef idx="0">
+            <a:schemeClr val="dk1"/>
+          </a:effectRef>
+          <a:fontRef idx="minor">
+            <a:schemeClr val="tx1"/>
+          </a:fontRef>
+        </p:style>
+      </p:cxnSp>
+      <p:cxnSp>
+        <p:nvCxnSpPr>
+          <p:cNvPr id="21" name="Straight Connector 20">
+            <a:extLst>
+              <a:ext uri="{FF2B5EF4-FFF2-40B4-BE49-F238E27FC236}">
+                <a16:creationId xmlns:a16="http://schemas.microsoft.com/office/drawing/2014/main" id="{33F9E829-E24D-3042-9A4E-B0F334A9560F}"/>
+              </a:ext>
+            </a:extLst>
+          </p:cNvPr>
+          <p:cNvCxnSpPr>
+            <a:cxnSpLocks/>
+            <a:endCxn id="18" idx="4"/>
+          </p:cNvCxnSpPr>
+          <p:nvPr/>
+        </p:nvCxnSpPr>
+        <p:spPr>
+          <a:xfrm flipH="1" flipV="1">
+            <a:off x="5181600" y="2408812"/>
+            <a:ext cx="76200" cy="1401189"/>
+          </a:xfrm>
+          <a:prstGeom prst="line">
+            <a:avLst/>
+          </a:prstGeom>
+        </p:spPr>
+        <p:style>
+          <a:lnRef idx="1">
+            <a:schemeClr val="dk1"/>
+          </a:lnRef>
+          <a:fillRef idx="0">
+            <a:schemeClr val="dk1"/>
+          </a:fillRef>
+          <a:effectRef idx="0">
+            <a:schemeClr val="dk1"/>
+          </a:effectRef>
+          <a:fontRef idx="minor">
+            <a:schemeClr val="tx1"/>
+          </a:fontRef>
+        </p:style>
+      </p:cxnSp>
+      <p:sp>
+        <p:nvSpPr>
+          <p:cNvPr id="22" name="Arc 21">
+            <a:extLst>
+              <a:ext uri="{FF2B5EF4-FFF2-40B4-BE49-F238E27FC236}">
+                <a16:creationId xmlns:a16="http://schemas.microsoft.com/office/drawing/2014/main" id="{97AF302F-BC05-DF47-8DE7-87D8B74CF19A}"/>
+              </a:ext>
+            </a:extLst>
+          </p:cNvPr>
+          <p:cNvSpPr>
+            <a:spLocks noChangeAspect="1"/>
+          </p:cNvSpPr>
+          <p:nvPr/>
+        </p:nvSpPr>
+        <p:spPr>
+          <a:xfrm rot="19382250">
+            <a:off x="4486658" y="3055841"/>
+            <a:ext cx="1563307" cy="1563307"/>
+          </a:xfrm>
+          <a:prstGeom prst="arc">
+            <a:avLst>
+              <a:gd name="adj1" fmla="val 18448533"/>
+              <a:gd name="adj2" fmla="val 536910"/>
+            </a:avLst>
+          </a:prstGeom>
+          <a:ln>
+            <a:solidFill>
+              <a:schemeClr val="bg1"/>
+            </a:solidFill>
+          </a:ln>
+        </p:spPr>
+        <p:style>
+          <a:lnRef idx="1">
+            <a:schemeClr val="dk1"/>
+          </a:lnRef>
+          <a:fillRef idx="0">
+            <a:schemeClr val="dk1"/>
+          </a:fillRef>
+          <a:effectRef idx="0">
+            <a:schemeClr val="dk1"/>
+          </a:effectRef>
+          <a:fontRef idx="minor">
+            <a:schemeClr val="tx1"/>
+          </a:fontRef>
+        </p:style>
+        <p:txBody>
+          <a:bodyPr rtlCol="0" anchor="ctr"/>
+          <a:lstStyle/>
+          <a:p>
+            <a:pPr algn="ctr"/>
+            <a:endParaRPr lang="en-US"/>
+          </a:p>
+        </p:txBody>
+      </p:sp>
+    </p:spTree>
+    <p:extLst>
+      <p:ext uri="{BB962C8B-B14F-4D97-AF65-F5344CB8AC3E}">
+        <p14:creationId xmlns:p14="http://schemas.microsoft.com/office/powerpoint/2010/main" val="2722185387"/>
+      </p:ext>
+    </p:extLst>
+  </p:cSld>
+  <p:clrMapOvr>
+    <a:masterClrMapping/>
+  </p:clrMapOvr>
+</p:sld>
+</file>
+
+<file path=ppt/slides/slide19.xml><?xml version="1.0" encoding="utf-8"?>
+<p:sld xmlns:a="http://schemas.openxmlformats.org/drawingml/2006/main" xmlns:r="http://schemas.openxmlformats.org/officeDocument/2006/relationships" xmlns:p="http://schemas.openxmlformats.org/presentationml/2006/main">
+  <p:cSld>
+    <p:spTree>
+      <p:nvGrpSpPr>
+        <p:cNvPr id="1" name=""/>
+        <p:cNvGrpSpPr/>
+        <p:nvPr/>
+      </p:nvGrpSpPr>
+      <p:grpSpPr>
+        <a:xfrm>
+          <a:off x="0" y="0"/>
+          <a:ext cx="0" cy="0"/>
+          <a:chOff x="0" y="0"/>
+          <a:chExt cx="0" cy="0"/>
+        </a:xfrm>
+      </p:grpSpPr>
+      <p:pic>
+        <p:nvPicPr>
+          <p:cNvPr id="5" name="Picture 4" descr="computer writing technology equipment memory product flash electronics digital memories usb connection accessory portable open hard drive data transfer storage hardware tray and visible playhead external hard drive external hard disk drive hard disk drive electronic device data storage device">
+            <a:extLst>
+              <a:ext uri="{FF2B5EF4-FFF2-40B4-BE49-F238E27FC236}">
+                <a16:creationId xmlns:a16="http://schemas.microsoft.com/office/drawing/2014/main" id="{5ABEDBCF-4D81-EB44-891E-748598C06569}"/>
+              </a:ext>
+            </a:extLst>
+          </p:cNvPr>
+          <p:cNvPicPr>
+            <a:picLocks noChangeAspect="1" noChangeArrowheads="1"/>
+          </p:cNvPicPr>
+          <p:nvPr/>
+        </p:nvPicPr>
+        <p:blipFill>
+          <a:blip r:embed="rId2" cstate="print">
+            <a:extLst>
+              <a:ext uri="{28A0092B-C50C-407E-A947-70E740481C1C}">
+                <a14:useLocalDpi xmlns:a14="http://schemas.microsoft.com/office/drawing/2010/main" val="0"/>
+              </a:ext>
+            </a:extLst>
+          </a:blip>
+          <a:srcRect/>
+          <a:stretch>
+            <a:fillRect/>
+          </a:stretch>
+        </p:blipFill>
+        <p:spPr bwMode="auto">
+          <a:xfrm>
+            <a:off x="1676400" y="609600"/>
+            <a:ext cx="6930256" cy="6034814"/>
+          </a:xfrm>
+          <a:prstGeom prst="rect">
+            <a:avLst/>
+          </a:prstGeom>
+          <a:noFill/>
+          <a:extLst>
+            <a:ext uri="{909E8E84-426E-40DD-AFC4-6F175D3DCCD1}">
+              <a14:hiddenFill xmlns:a14="http://schemas.microsoft.com/office/drawing/2010/main">
+                <a:solidFill>
+                  <a:srgbClr val="FFFFFF"/>
+                </a:solidFill>
+              </a14:hiddenFill>
+            </a:ext>
+          </a:extLst>
+        </p:spPr>
+      </p:pic>
+      <p:cxnSp>
+        <p:nvCxnSpPr>
+          <p:cNvPr id="7" name="Straight Arrow Connector 6">
+            <a:extLst>
+              <a:ext uri="{FF2B5EF4-FFF2-40B4-BE49-F238E27FC236}">
+                <a16:creationId xmlns:a16="http://schemas.microsoft.com/office/drawing/2014/main" id="{46D1BCFD-6E62-AF40-A2C9-ADF28D202622}"/>
+              </a:ext>
+            </a:extLst>
+          </p:cNvPr>
+          <p:cNvCxnSpPr>
+            <a:cxnSpLocks/>
+          </p:cNvCxnSpPr>
+          <p:nvPr/>
+        </p:nvCxnSpPr>
+        <p:spPr>
+          <a:xfrm flipH="1" flipV="1">
+            <a:off x="1066800" y="914400"/>
+            <a:ext cx="609600" cy="762000"/>
+          </a:xfrm>
+          <a:prstGeom prst="straightConnector1">
+            <a:avLst/>
+          </a:prstGeom>
+          <a:ln>
+            <a:tailEnd type="triangle"/>
+          </a:ln>
+        </p:spPr>
+        <p:style>
+          <a:lnRef idx="1">
+            <a:schemeClr val="dk1"/>
+          </a:lnRef>
+          <a:fillRef idx="0">
+            <a:schemeClr val="dk1"/>
+          </a:fillRef>
+          <a:effectRef idx="0">
+            <a:schemeClr val="dk1"/>
+          </a:effectRef>
+          <a:fontRef idx="minor">
+            <a:schemeClr val="tx1"/>
+          </a:fontRef>
+        </p:style>
+      </p:cxnSp>
+      <p:cxnSp>
+        <p:nvCxnSpPr>
+          <p:cNvPr id="8" name="Straight Arrow Connector 7">
+            <a:extLst>
+              <a:ext uri="{FF2B5EF4-FFF2-40B4-BE49-F238E27FC236}">
+                <a16:creationId xmlns:a16="http://schemas.microsoft.com/office/drawing/2014/main" id="{0C862357-F049-DA49-AD4C-F908703BFD3B}"/>
+              </a:ext>
+            </a:extLst>
+          </p:cNvPr>
+          <p:cNvCxnSpPr>
+            <a:cxnSpLocks/>
+          </p:cNvCxnSpPr>
+          <p:nvPr/>
+        </p:nvCxnSpPr>
+        <p:spPr>
+          <a:xfrm flipV="1">
+            <a:off x="1676400" y="1295400"/>
+            <a:ext cx="990600" cy="381000"/>
+          </a:xfrm>
+          <a:prstGeom prst="straightConnector1">
+            <a:avLst/>
+          </a:prstGeom>
+          <a:ln>
+            <a:tailEnd type="triangle"/>
+          </a:ln>
+        </p:spPr>
+        <p:style>
+          <a:lnRef idx="1">
+            <a:schemeClr val="dk1"/>
+          </a:lnRef>
+          <a:fillRef idx="0">
+            <a:schemeClr val="dk1"/>
+          </a:fillRef>
+          <a:effectRef idx="0">
+            <a:schemeClr val="dk1"/>
+          </a:effectRef>
+          <a:fontRef idx="minor">
+            <a:schemeClr val="tx1"/>
+          </a:fontRef>
+        </p:style>
+      </p:cxnSp>
+      <mc:AlternateContent xmlns:mc="http://schemas.openxmlformats.org/markup-compatibility/2006">
+        <mc:Choice xmlns:a14="http://schemas.microsoft.com/office/drawing/2010/main" Requires="a14">
+          <p:sp>
+            <p:nvSpPr>
+              <p:cNvPr id="11" name="TextBox 10">
+                <a:extLst>
+                  <a:ext uri="{FF2B5EF4-FFF2-40B4-BE49-F238E27FC236}">
+                    <a16:creationId xmlns:a16="http://schemas.microsoft.com/office/drawing/2014/main" id="{52EBD7E0-A508-CA48-B9AB-66973DDACB34}"/>
+                  </a:ext>
+                </a:extLst>
+              </p:cNvPr>
+              <p:cNvSpPr txBox="1"/>
+              <p:nvPr/>
+            </p:nvSpPr>
+            <p:spPr>
+              <a:xfrm>
+                <a:off x="2642716" y="914400"/>
+                <a:ext cx="426399" cy="461665"/>
+              </a:xfrm>
+              <a:prstGeom prst="rect">
+                <a:avLst/>
+              </a:prstGeom>
+              <a:noFill/>
+            </p:spPr>
+            <p:txBody>
+              <a:bodyPr wrap="none" rtlCol="0">
+                <a:spAutoFit/>
+              </a:bodyPr>
+              <a:lstStyle/>
+              <a:p>
+                <a14:m>
+                  <m:oMathPara xmlns:m="http://schemas.openxmlformats.org/officeDocument/2006/math">
+                    <m:oMathParaPr>
+                      <m:jc m:val="centerGroup"/>
+                    </m:oMathParaPr>
+                    <m:oMath xmlns:m="http://schemas.openxmlformats.org/officeDocument/2006/math">
+                      <m:r>
+                        <a:rPr lang="en-CA" sz="2400" b="0" i="1" smtClean="0">
+                          <a:latin typeface="Cambria Math" panose="02040503050406030204" pitchFamily="18" charset="0"/>
+                        </a:rPr>
+                        <m:t>𝑥</m:t>
+                      </m:r>
+                    </m:oMath>
+                  </m:oMathPara>
+                </a14:m>
+                <a:endParaRPr lang="en-US" sz="2400" dirty="0"/>
+              </a:p>
+            </p:txBody>
+          </p:sp>
+        </mc:Choice>
+        <mc:Fallback>
+          <p:sp>
+            <p:nvSpPr>
+              <p:cNvPr id="11" name="TextBox 10">
+                <a:extLst>
+                  <a:ext uri="{FF2B5EF4-FFF2-40B4-BE49-F238E27FC236}">
+                    <a16:creationId xmlns:a16="http://schemas.microsoft.com/office/drawing/2014/main" id="{52EBD7E0-A508-CA48-B9AB-66973DDACB34}"/>
+                  </a:ext>
+                </a:extLst>
+              </p:cNvPr>
+              <p:cNvSpPr txBox="1">
+                <a:spLocks noRot="1" noChangeAspect="1" noMove="1" noResize="1" noEditPoints="1" noAdjustHandles="1" noChangeArrowheads="1" noChangeShapeType="1" noTextEdit="1"/>
+              </p:cNvSpPr>
+              <p:nvPr/>
+            </p:nvSpPr>
+            <p:spPr>
+              <a:xfrm>
+                <a:off x="2642716" y="914400"/>
+                <a:ext cx="426399" cy="461665"/>
+              </a:xfrm>
+              <a:prstGeom prst="rect">
+                <a:avLst/>
+              </a:prstGeom>
+              <a:blipFill>
+                <a:blip r:embed="rId3"/>
+                <a:stretch>
+                  <a:fillRect/>
+                </a:stretch>
+              </a:blipFill>
+            </p:spPr>
+            <p:txBody>
+              <a:bodyPr/>
+              <a:lstStyle/>
+              <a:p>
+                <a:r>
+                  <a:rPr lang="en-US">
+                    <a:noFill/>
+                  </a:rPr>
+                  <a:t> </a:t>
+                </a:r>
+              </a:p>
+            </p:txBody>
+          </p:sp>
+        </mc:Fallback>
+      </mc:AlternateContent>
+      <mc:AlternateContent xmlns:mc="http://schemas.openxmlformats.org/markup-compatibility/2006">
+        <mc:Choice xmlns:a14="http://schemas.microsoft.com/office/drawing/2010/main" Requires="a14">
+          <p:sp>
+            <p:nvSpPr>
+              <p:cNvPr id="12" name="TextBox 11">
+                <a:extLst>
+                  <a:ext uri="{FF2B5EF4-FFF2-40B4-BE49-F238E27FC236}">
+                    <a16:creationId xmlns:a16="http://schemas.microsoft.com/office/drawing/2014/main" id="{B8BCAD6F-17C2-8640-BAB2-79188DF99151}"/>
+                  </a:ext>
+                </a:extLst>
+              </p:cNvPr>
+              <p:cNvSpPr txBox="1"/>
+              <p:nvPr/>
+            </p:nvSpPr>
+            <p:spPr>
+              <a:xfrm>
+                <a:off x="744027" y="539822"/>
+                <a:ext cx="430374" cy="461665"/>
+              </a:xfrm>
+              <a:prstGeom prst="rect">
+                <a:avLst/>
+              </a:prstGeom>
+              <a:noFill/>
+            </p:spPr>
+            <p:txBody>
+              <a:bodyPr wrap="none" rtlCol="0">
+                <a:spAutoFit/>
+              </a:bodyPr>
+              <a:lstStyle/>
+              <a:p>
+                <a14:m>
+                  <m:oMathPara xmlns:m="http://schemas.openxmlformats.org/officeDocument/2006/math">
+                    <m:oMathParaPr>
+                      <m:jc m:val="centerGroup"/>
+                    </m:oMathParaPr>
+                    <m:oMath xmlns:m="http://schemas.openxmlformats.org/officeDocument/2006/math">
+                      <m:r>
+                        <a:rPr lang="en-CA" sz="2400" b="0" i="1" smtClean="0">
+                          <a:latin typeface="Cambria Math" panose="02040503050406030204" pitchFamily="18" charset="0"/>
+                        </a:rPr>
+                        <m:t>𝑦</m:t>
+                      </m:r>
+                    </m:oMath>
+                  </m:oMathPara>
+                </a14:m>
+                <a:endParaRPr lang="en-US" sz="2400" dirty="0"/>
+              </a:p>
+            </p:txBody>
+          </p:sp>
+        </mc:Choice>
+        <mc:Fallback>
+          <p:sp>
+            <p:nvSpPr>
+              <p:cNvPr id="12" name="TextBox 11">
+                <a:extLst>
+                  <a:ext uri="{FF2B5EF4-FFF2-40B4-BE49-F238E27FC236}">
+                    <a16:creationId xmlns:a16="http://schemas.microsoft.com/office/drawing/2014/main" id="{B8BCAD6F-17C2-8640-BAB2-79188DF99151}"/>
+                  </a:ext>
+                </a:extLst>
+              </p:cNvPr>
+              <p:cNvSpPr txBox="1">
+                <a:spLocks noRot="1" noChangeAspect="1" noMove="1" noResize="1" noEditPoints="1" noAdjustHandles="1" noChangeArrowheads="1" noChangeShapeType="1" noTextEdit="1"/>
+              </p:cNvSpPr>
+              <p:nvPr/>
+            </p:nvSpPr>
+            <p:spPr>
+              <a:xfrm>
+                <a:off x="744027" y="539822"/>
+                <a:ext cx="430374" cy="461665"/>
+              </a:xfrm>
+              <a:prstGeom prst="rect">
+                <a:avLst/>
+              </a:prstGeom>
+              <a:blipFill>
+                <a:blip r:embed="rId4"/>
+                <a:stretch>
+                  <a:fillRect b="-10811"/>
+                </a:stretch>
+              </a:blipFill>
+            </p:spPr>
+            <p:txBody>
+              <a:bodyPr/>
+              <a:lstStyle/>
+              <a:p>
+                <a:r>
+                  <a:rPr lang="en-US">
+                    <a:noFill/>
+                  </a:rPr>
+                  <a:t> </a:t>
+                </a:r>
+              </a:p>
+            </p:txBody>
+          </p:sp>
+        </mc:Fallback>
+      </mc:AlternateContent>
+      <p:sp>
+        <p:nvSpPr>
+          <p:cNvPr id="13" name="Oval 12">
+            <a:extLst>
+              <a:ext uri="{FF2B5EF4-FFF2-40B4-BE49-F238E27FC236}">
+                <a16:creationId xmlns:a16="http://schemas.microsoft.com/office/drawing/2014/main" id="{0220CDED-7157-1743-A55F-C1D615503BB9}"/>
+              </a:ext>
+            </a:extLst>
+          </p:cNvPr>
+          <p:cNvSpPr/>
+          <p:nvPr/>
+        </p:nvSpPr>
+        <p:spPr>
+          <a:xfrm>
+            <a:off x="4343400" y="2133600"/>
+            <a:ext cx="152400" cy="76200"/>
+          </a:xfrm>
+          <a:prstGeom prst="ellipse">
+            <a:avLst/>
+          </a:prstGeom>
+        </p:spPr>
+        <p:style>
+          <a:lnRef idx="2">
+            <a:schemeClr val="dk1">
+              <a:shade val="50000"/>
+            </a:schemeClr>
+          </a:lnRef>
+          <a:fillRef idx="1">
+            <a:schemeClr val="dk1"/>
+          </a:fillRef>
+          <a:effectRef idx="0">
+            <a:schemeClr val="dk1"/>
+          </a:effectRef>
+          <a:fontRef idx="minor">
+            <a:schemeClr val="lt1"/>
+          </a:fontRef>
+        </p:style>
+        <p:txBody>
+          <a:bodyPr rtlCol="0" anchor="ctr"/>
+          <a:lstStyle/>
+          <a:p>
+            <a:pPr algn="ctr"/>
+            <a:endParaRPr lang="en-US"/>
+          </a:p>
+        </p:txBody>
+      </p:sp>
+      <mc:AlternateContent xmlns:mc="http://schemas.openxmlformats.org/markup-compatibility/2006">
+        <mc:Choice xmlns:a14="http://schemas.microsoft.com/office/drawing/2010/main" Requires="a14">
+          <p:sp>
+            <p:nvSpPr>
+              <p:cNvPr id="15" name="TextBox 14">
+                <a:extLst>
+                  <a:ext uri="{FF2B5EF4-FFF2-40B4-BE49-F238E27FC236}">
+                    <a16:creationId xmlns:a16="http://schemas.microsoft.com/office/drawing/2014/main" id="{E6BE4F7E-1A00-2140-AF8D-674CA49BC581}"/>
+                  </a:ext>
+                </a:extLst>
+              </p:cNvPr>
+              <p:cNvSpPr txBox="1"/>
+              <p:nvPr/>
+            </p:nvSpPr>
+            <p:spPr>
+              <a:xfrm>
+                <a:off x="5181600" y="2381319"/>
+                <a:ext cx="451854" cy="461665"/>
+              </a:xfrm>
+              <a:prstGeom prst="rect">
+                <a:avLst/>
+              </a:prstGeom>
+              <a:noFill/>
+            </p:spPr>
+            <p:txBody>
+              <a:bodyPr wrap="none" rtlCol="0">
+                <a:spAutoFit/>
+              </a:bodyPr>
+              <a:lstStyle/>
+              <a:p>
+                <a14:m>
+                  <m:oMathPara xmlns:m="http://schemas.openxmlformats.org/officeDocument/2006/math">
+                    <m:oMathParaPr>
+                      <m:jc m:val="centerGroup"/>
+                    </m:oMathParaPr>
+                    <m:oMath xmlns:m="http://schemas.openxmlformats.org/officeDocument/2006/math">
+                      <m:r>
+                        <a:rPr lang="en-CA" sz="2400" b="0" i="1" smtClean="0">
+                          <a:latin typeface="Cambria Math" panose="02040503050406030204" pitchFamily="18" charset="0"/>
+                        </a:rPr>
+                        <m:t>𝑃</m:t>
+                      </m:r>
+                    </m:oMath>
+                  </m:oMathPara>
+                </a14:m>
+                <a:endParaRPr lang="en-US" sz="2400" dirty="0"/>
+              </a:p>
+            </p:txBody>
+          </p:sp>
+        </mc:Choice>
+        <mc:Fallback>
+          <p:sp>
+            <p:nvSpPr>
+              <p:cNvPr id="15" name="TextBox 14">
+                <a:extLst>
+                  <a:ext uri="{FF2B5EF4-FFF2-40B4-BE49-F238E27FC236}">
+                    <a16:creationId xmlns:a16="http://schemas.microsoft.com/office/drawing/2014/main" id="{E6BE4F7E-1A00-2140-AF8D-674CA49BC581}"/>
+                  </a:ext>
+                </a:extLst>
+              </p:cNvPr>
+              <p:cNvSpPr txBox="1">
+                <a:spLocks noRot="1" noChangeAspect="1" noMove="1" noResize="1" noEditPoints="1" noAdjustHandles="1" noChangeArrowheads="1" noChangeShapeType="1" noTextEdit="1"/>
+              </p:cNvSpPr>
+              <p:nvPr/>
+            </p:nvSpPr>
+            <p:spPr>
+              <a:xfrm>
+                <a:off x="5181600" y="2381319"/>
+                <a:ext cx="451854" cy="461665"/>
+              </a:xfrm>
+              <a:prstGeom prst="rect">
+                <a:avLst/>
+              </a:prstGeom>
+              <a:blipFill>
+                <a:blip r:embed="rId5"/>
+                <a:stretch>
+                  <a:fillRect/>
+                </a:stretch>
+              </a:blipFill>
+            </p:spPr>
+            <p:txBody>
+              <a:bodyPr/>
+              <a:lstStyle/>
+              <a:p>
+                <a:r>
+                  <a:rPr lang="en-US">
+                    <a:noFill/>
+                  </a:rPr>
+                  <a:t> </a:t>
+                </a:r>
+              </a:p>
+            </p:txBody>
+          </p:sp>
+        </mc:Fallback>
+      </mc:AlternateContent>
+      <mc:AlternateContent xmlns:mc="http://schemas.openxmlformats.org/markup-compatibility/2006">
+        <mc:Choice xmlns:a14="http://schemas.microsoft.com/office/drawing/2010/main" Requires="a14">
+          <p:sp>
+            <p:nvSpPr>
+              <p:cNvPr id="16" name="TextBox 15">
+                <a:extLst>
+                  <a:ext uri="{FF2B5EF4-FFF2-40B4-BE49-F238E27FC236}">
+                    <a16:creationId xmlns:a16="http://schemas.microsoft.com/office/drawing/2014/main" id="{C7EAEDE3-3389-9A49-80B2-ED3A9ED6B929}"/>
+                  </a:ext>
+                </a:extLst>
+              </p:cNvPr>
+              <p:cNvSpPr txBox="1"/>
+              <p:nvPr/>
+            </p:nvSpPr>
+            <p:spPr>
+              <a:xfrm>
+                <a:off x="4343400" y="2133600"/>
+                <a:ext cx="469487" cy="461665"/>
+              </a:xfrm>
+              <a:prstGeom prst="rect">
+                <a:avLst/>
+              </a:prstGeom>
+              <a:noFill/>
+            </p:spPr>
+            <p:txBody>
+              <a:bodyPr wrap="none" rtlCol="0">
+                <a:spAutoFit/>
+              </a:bodyPr>
+              <a:lstStyle/>
+              <a:p>
+                <a14:m>
+                  <m:oMathPara xmlns:m="http://schemas.openxmlformats.org/officeDocument/2006/math">
+                    <m:oMathParaPr>
+                      <m:jc m:val="centerGroup"/>
+                    </m:oMathParaPr>
+                    <m:oMath xmlns:m="http://schemas.openxmlformats.org/officeDocument/2006/math">
+                      <m:r>
+                        <a:rPr lang="en-CA" sz="2400" b="0" i="1" smtClean="0">
+                          <a:latin typeface="Cambria Math" panose="02040503050406030204" pitchFamily="18" charset="0"/>
+                        </a:rPr>
+                        <m:t>𝑂</m:t>
+                      </m:r>
+                    </m:oMath>
+                  </m:oMathPara>
+                </a14:m>
+                <a:endParaRPr lang="en-US" sz="2400" dirty="0"/>
+              </a:p>
+            </p:txBody>
+          </p:sp>
+        </mc:Choice>
+        <mc:Fallback>
+          <p:sp>
+            <p:nvSpPr>
+              <p:cNvPr id="16" name="TextBox 15">
+                <a:extLst>
+                  <a:ext uri="{FF2B5EF4-FFF2-40B4-BE49-F238E27FC236}">
+                    <a16:creationId xmlns:a16="http://schemas.microsoft.com/office/drawing/2014/main" id="{C7EAEDE3-3389-9A49-80B2-ED3A9ED6B929}"/>
+                  </a:ext>
+                </a:extLst>
+              </p:cNvPr>
+              <p:cNvSpPr txBox="1">
+                <a:spLocks noRot="1" noChangeAspect="1" noMove="1" noResize="1" noEditPoints="1" noAdjustHandles="1" noChangeArrowheads="1" noChangeShapeType="1" noTextEdit="1"/>
+              </p:cNvSpPr>
+              <p:nvPr/>
+            </p:nvSpPr>
+            <p:spPr>
+              <a:xfrm>
+                <a:off x="4343400" y="2133600"/>
+                <a:ext cx="469487" cy="461665"/>
+              </a:xfrm>
+              <a:prstGeom prst="rect">
+                <a:avLst/>
+              </a:prstGeom>
+              <a:blipFill>
+                <a:blip r:embed="rId6"/>
+                <a:stretch>
+                  <a:fillRect/>
+                </a:stretch>
+              </a:blipFill>
+            </p:spPr>
+            <p:txBody>
+              <a:bodyPr/>
+              <a:lstStyle/>
+              <a:p>
+                <a:r>
+                  <a:rPr lang="en-US">
+                    <a:noFill/>
+                  </a:rPr>
+                  <a:t> </a:t>
+                </a:r>
+              </a:p>
+            </p:txBody>
+          </p:sp>
+        </mc:Fallback>
+      </mc:AlternateContent>
+      <p:sp>
+        <p:nvSpPr>
+          <p:cNvPr id="18" name="Oval 17">
+            <a:extLst>
+              <a:ext uri="{FF2B5EF4-FFF2-40B4-BE49-F238E27FC236}">
+                <a16:creationId xmlns:a16="http://schemas.microsoft.com/office/drawing/2014/main" id="{BDC14B2A-9C2A-BD4E-B276-78342F527021}"/>
+              </a:ext>
+            </a:extLst>
+          </p:cNvPr>
+          <p:cNvSpPr/>
+          <p:nvPr/>
+        </p:nvSpPr>
+        <p:spPr>
+          <a:xfrm>
+            <a:off x="5105400" y="2332612"/>
+            <a:ext cx="152400" cy="76200"/>
+          </a:xfrm>
+          <a:prstGeom prst="ellipse">
+            <a:avLst/>
+          </a:prstGeom>
+        </p:spPr>
+        <p:style>
+          <a:lnRef idx="2">
+            <a:schemeClr val="dk1">
+              <a:shade val="50000"/>
+            </a:schemeClr>
+          </a:lnRef>
+          <a:fillRef idx="1">
+            <a:schemeClr val="dk1"/>
+          </a:fillRef>
+          <a:effectRef idx="0">
+            <a:schemeClr val="dk1"/>
+          </a:effectRef>
+          <a:fontRef idx="minor">
+            <a:schemeClr val="lt1"/>
+          </a:fontRef>
+        </p:style>
+        <p:txBody>
+          <a:bodyPr rtlCol="0" anchor="ctr"/>
+          <a:lstStyle/>
+          <a:p>
+            <a:pPr algn="ctr"/>
+            <a:endParaRPr lang="en-US"/>
+          </a:p>
+        </p:txBody>
+      </p:sp>
+      <p:sp>
+        <p:nvSpPr>
+          <p:cNvPr id="19" name="Arc 18">
+            <a:extLst>
+              <a:ext uri="{FF2B5EF4-FFF2-40B4-BE49-F238E27FC236}">
+                <a16:creationId xmlns:a16="http://schemas.microsoft.com/office/drawing/2014/main" id="{6A1FF0ED-FEAC-3A4D-904A-9B8DA8B6B87D}"/>
+              </a:ext>
+            </a:extLst>
+          </p:cNvPr>
+          <p:cNvSpPr>
+            <a:spLocks noChangeAspect="1"/>
+          </p:cNvSpPr>
+          <p:nvPr/>
+        </p:nvSpPr>
+        <p:spPr>
+          <a:xfrm rot="19382250">
+            <a:off x="4476147" y="3063903"/>
+            <a:ext cx="1563307" cy="1563307"/>
+          </a:xfrm>
+          <a:prstGeom prst="arc">
+            <a:avLst>
+              <a:gd name="adj1" fmla="val 18448533"/>
+              <a:gd name="adj2" fmla="val 536910"/>
+            </a:avLst>
+          </a:prstGeom>
+          <a:ln/>
+        </p:spPr>
+        <p:style>
+          <a:lnRef idx="1">
+            <a:schemeClr val="dk1"/>
+          </a:lnRef>
+          <a:fillRef idx="0">
+            <a:schemeClr val="dk1"/>
+          </a:fillRef>
+          <a:effectRef idx="0">
+            <a:schemeClr val="dk1"/>
+          </a:effectRef>
+          <a:fontRef idx="minor">
+            <a:schemeClr val="tx1"/>
+          </a:fontRef>
+        </p:style>
+        <p:txBody>
+          <a:bodyPr rtlCol="0" anchor="ctr"/>
+          <a:lstStyle/>
+          <a:p>
+            <a:pPr algn="ctr"/>
+            <a:endParaRPr lang="en-US"/>
+          </a:p>
+        </p:txBody>
+      </p:sp>
+      <mc:AlternateContent xmlns:mc="http://schemas.openxmlformats.org/markup-compatibility/2006">
+        <mc:Choice xmlns:a14="http://schemas.microsoft.com/office/drawing/2010/main" Requires="a14">
+          <p:sp>
+            <p:nvSpPr>
+              <p:cNvPr id="20" name="TextBox 19">
+                <a:extLst>
+                  <a:ext uri="{FF2B5EF4-FFF2-40B4-BE49-F238E27FC236}">
+                    <a16:creationId xmlns:a16="http://schemas.microsoft.com/office/drawing/2014/main" id="{326F303E-BE8C-F541-8FFD-30DA13607E5C}"/>
+                  </a:ext>
+                </a:extLst>
+              </p:cNvPr>
+              <p:cNvSpPr txBox="1"/>
+              <p:nvPr/>
+            </p:nvSpPr>
+            <p:spPr>
+              <a:xfrm>
+                <a:off x="5624826" y="2842984"/>
+                <a:ext cx="457200" cy="461665"/>
+              </a:xfrm>
+              <a:prstGeom prst="rect">
+                <a:avLst/>
+              </a:prstGeom>
+              <a:noFill/>
+            </p:spPr>
+            <p:txBody>
+              <a:bodyPr wrap="square" rtlCol="0">
+                <a:spAutoFit/>
+              </a:bodyPr>
+              <a:lstStyle/>
+              <a:p>
+                <a:pPr/>
+                <a14:m>
+                  <m:oMathPara xmlns:m="http://schemas.openxmlformats.org/officeDocument/2006/math">
+                    <m:oMathParaPr>
+                      <m:jc m:val="centerGroup"/>
+                    </m:oMathParaPr>
+                    <m:oMath xmlns:m="http://schemas.openxmlformats.org/officeDocument/2006/math">
+                      <m:r>
+                        <a:rPr lang="en-CA" sz="2400" b="0" i="1" smtClean="0">
+                          <a:latin typeface="Cambria Math" panose="02040503050406030204" pitchFamily="18" charset="0"/>
+                        </a:rPr>
+                        <m:t>𝜃</m:t>
+                      </m:r>
+                    </m:oMath>
+                  </m:oMathPara>
+                </a14:m>
+                <a:endParaRPr lang="en-US" sz="2400" dirty="0"/>
+              </a:p>
+            </p:txBody>
+          </p:sp>
+        </mc:Choice>
+        <mc:Fallback>
+          <p:sp>
+            <p:nvSpPr>
+              <p:cNvPr id="20" name="TextBox 19">
+                <a:extLst>
+                  <a:ext uri="{FF2B5EF4-FFF2-40B4-BE49-F238E27FC236}">
+                    <a16:creationId xmlns:a16="http://schemas.microsoft.com/office/drawing/2014/main" id="{326F303E-BE8C-F541-8FFD-30DA13607E5C}"/>
+                  </a:ext>
+                </a:extLst>
+              </p:cNvPr>
+              <p:cNvSpPr txBox="1">
+                <a:spLocks noRot="1" noChangeAspect="1" noMove="1" noResize="1" noEditPoints="1" noAdjustHandles="1" noChangeArrowheads="1" noChangeShapeType="1" noTextEdit="1"/>
+              </p:cNvSpPr>
+              <p:nvPr/>
+            </p:nvSpPr>
+            <p:spPr>
+              <a:xfrm>
+                <a:off x="5624826" y="2842984"/>
+                <a:ext cx="457200" cy="461665"/>
+              </a:xfrm>
+              <a:prstGeom prst="rect">
+                <a:avLst/>
+              </a:prstGeom>
+              <a:blipFill>
+                <a:blip r:embed="rId7"/>
+                <a:stretch>
+                  <a:fillRect/>
+                </a:stretch>
+              </a:blipFill>
+            </p:spPr>
+            <p:txBody>
+              <a:bodyPr/>
+              <a:lstStyle/>
+              <a:p>
+                <a:r>
+                  <a:rPr lang="en-US">
+                    <a:noFill/>
+                  </a:rPr>
+                  <a:t> </a:t>
+                </a:r>
+              </a:p>
+            </p:txBody>
+          </p:sp>
+        </mc:Fallback>
+      </mc:AlternateContent>
+      <p:cxnSp>
+        <p:nvCxnSpPr>
+          <p:cNvPr id="3" name="Straight Connector 2">
+            <a:extLst>
+              <a:ext uri="{FF2B5EF4-FFF2-40B4-BE49-F238E27FC236}">
+                <a16:creationId xmlns:a16="http://schemas.microsoft.com/office/drawing/2014/main" id="{DFC7B8D1-D764-BF41-BD8B-CC63D33F22C1}"/>
+              </a:ext>
+            </a:extLst>
+          </p:cNvPr>
+          <p:cNvCxnSpPr>
+            <a:cxnSpLocks/>
+          </p:cNvCxnSpPr>
+          <p:nvPr/>
+        </p:nvCxnSpPr>
+        <p:spPr>
+          <a:xfrm flipV="1">
+            <a:off x="5278822" y="3119360"/>
+            <a:ext cx="1524000" cy="690641"/>
+          </a:xfrm>
+          <a:prstGeom prst="line">
+            <a:avLst/>
+          </a:prstGeom>
+          <a:ln>
+            <a:solidFill>
+              <a:schemeClr val="bg1"/>
+            </a:solidFill>
+          </a:ln>
+        </p:spPr>
+        <p:style>
+          <a:lnRef idx="1">
+            <a:schemeClr val="dk1"/>
+          </a:lnRef>
+          <a:fillRef idx="0">
+            <a:schemeClr val="dk1"/>
+          </a:fillRef>
+          <a:effectRef idx="0">
+            <a:schemeClr val="dk1"/>
+          </a:effectRef>
+          <a:fontRef idx="minor">
+            <a:schemeClr val="tx1"/>
+          </a:fontRef>
+        </p:style>
+      </p:cxnSp>
+      <p:cxnSp>
+        <p:nvCxnSpPr>
+          <p:cNvPr id="21" name="Straight Connector 20">
+            <a:extLst>
+              <a:ext uri="{FF2B5EF4-FFF2-40B4-BE49-F238E27FC236}">
+                <a16:creationId xmlns:a16="http://schemas.microsoft.com/office/drawing/2014/main" id="{33F9E829-E24D-3042-9A4E-B0F334A9560F}"/>
+              </a:ext>
+            </a:extLst>
+          </p:cNvPr>
+          <p:cNvCxnSpPr>
+            <a:cxnSpLocks/>
+            <a:endCxn id="18" idx="4"/>
+          </p:cNvCxnSpPr>
+          <p:nvPr/>
+        </p:nvCxnSpPr>
+        <p:spPr>
+          <a:xfrm flipH="1" flipV="1">
+            <a:off x="5181600" y="2408812"/>
+            <a:ext cx="76200" cy="1401189"/>
+          </a:xfrm>
+          <a:prstGeom prst="line">
+            <a:avLst/>
+          </a:prstGeom>
+        </p:spPr>
+        <p:style>
+          <a:lnRef idx="1">
+            <a:schemeClr val="dk1"/>
+          </a:lnRef>
+          <a:fillRef idx="0">
+            <a:schemeClr val="dk1"/>
+          </a:fillRef>
+          <a:effectRef idx="0">
+            <a:schemeClr val="dk1"/>
+          </a:effectRef>
+          <a:fontRef idx="minor">
+            <a:schemeClr val="tx1"/>
+          </a:fontRef>
+        </p:style>
+      </p:cxnSp>
+      <p:sp>
+        <p:nvSpPr>
+          <p:cNvPr id="22" name="Arc 21">
+            <a:extLst>
+              <a:ext uri="{FF2B5EF4-FFF2-40B4-BE49-F238E27FC236}">
+                <a16:creationId xmlns:a16="http://schemas.microsoft.com/office/drawing/2014/main" id="{97AF302F-BC05-DF47-8DE7-87D8B74CF19A}"/>
+              </a:ext>
+            </a:extLst>
+          </p:cNvPr>
+          <p:cNvSpPr>
+            <a:spLocks noChangeAspect="1"/>
+          </p:cNvSpPr>
+          <p:nvPr/>
+        </p:nvSpPr>
+        <p:spPr>
+          <a:xfrm rot="19382250">
+            <a:off x="4486658" y="3055841"/>
+            <a:ext cx="1563307" cy="1563307"/>
+          </a:xfrm>
+          <a:prstGeom prst="arc">
+            <a:avLst>
+              <a:gd name="adj1" fmla="val 18448533"/>
+              <a:gd name="adj2" fmla="val 536910"/>
+            </a:avLst>
+          </a:prstGeom>
+          <a:ln>
+            <a:solidFill>
+              <a:schemeClr val="bg1"/>
+            </a:solidFill>
+          </a:ln>
+        </p:spPr>
+        <p:style>
+          <a:lnRef idx="1">
+            <a:schemeClr val="dk1"/>
+          </a:lnRef>
+          <a:fillRef idx="0">
+            <a:schemeClr val="dk1"/>
+          </a:fillRef>
+          <a:effectRef idx="0">
+            <a:schemeClr val="dk1"/>
+          </a:effectRef>
+          <a:fontRef idx="minor">
+            <a:schemeClr val="tx1"/>
+          </a:fontRef>
+        </p:style>
+        <p:txBody>
+          <a:bodyPr rtlCol="0" anchor="ctr"/>
+          <a:lstStyle/>
+          <a:p>
+            <a:pPr algn="ctr"/>
+            <a:endParaRPr lang="en-US"/>
+          </a:p>
+        </p:txBody>
+      </p:sp>
+      <p:sp>
+        <p:nvSpPr>
+          <p:cNvPr id="17" name="Arc 16">
+            <a:extLst>
+              <a:ext uri="{FF2B5EF4-FFF2-40B4-BE49-F238E27FC236}">
+                <a16:creationId xmlns:a16="http://schemas.microsoft.com/office/drawing/2014/main" id="{B471616C-B7C6-154B-BC15-578A870B17EC}"/>
+              </a:ext>
+            </a:extLst>
+          </p:cNvPr>
+          <p:cNvSpPr>
+            <a:spLocks noChangeAspect="1"/>
+          </p:cNvSpPr>
+          <p:nvPr/>
+        </p:nvSpPr>
+        <p:spPr>
+          <a:xfrm rot="840759">
+            <a:off x="4138086" y="1390046"/>
+            <a:ext cx="1563307" cy="1563307"/>
+          </a:xfrm>
+          <a:prstGeom prst="arc">
+            <a:avLst>
+              <a:gd name="adj1" fmla="val 18448533"/>
+              <a:gd name="adj2" fmla="val 536910"/>
+            </a:avLst>
+          </a:prstGeom>
+          <a:ln>
+            <a:solidFill>
+              <a:schemeClr val="tx1"/>
+            </a:solidFill>
+          </a:ln>
+        </p:spPr>
+        <p:style>
+          <a:lnRef idx="1">
+            <a:schemeClr val="accent1"/>
+          </a:lnRef>
+          <a:fillRef idx="0">
+            <a:schemeClr val="accent1"/>
+          </a:fillRef>
+          <a:effectRef idx="0">
+            <a:schemeClr val="accent1"/>
+          </a:effectRef>
+          <a:fontRef idx="minor">
+            <a:schemeClr val="tx1"/>
+          </a:fontRef>
+        </p:style>
+        <p:txBody>
+          <a:bodyPr rtlCol="0" anchor="ctr"/>
+          <a:lstStyle/>
+          <a:p>
+            <a:pPr algn="ctr"/>
+            <a:endParaRPr lang="en-US"/>
+          </a:p>
+        </p:txBody>
+      </p:sp>
+      <mc:AlternateContent xmlns:mc="http://schemas.openxmlformats.org/markup-compatibility/2006">
+        <mc:Choice xmlns:a14="http://schemas.microsoft.com/office/drawing/2010/main" Requires="a14">
+          <p:sp>
+            <p:nvSpPr>
+              <p:cNvPr id="23" name="TextBox 22">
+                <a:extLst>
+                  <a:ext uri="{FF2B5EF4-FFF2-40B4-BE49-F238E27FC236}">
+                    <a16:creationId xmlns:a16="http://schemas.microsoft.com/office/drawing/2014/main" id="{2FCECAD2-E68A-A04C-AE22-7369CA329341}"/>
+                  </a:ext>
+                </a:extLst>
+              </p:cNvPr>
+              <p:cNvSpPr txBox="1"/>
+              <p:nvPr/>
+            </p:nvSpPr>
+            <p:spPr>
+              <a:xfrm>
+                <a:off x="5619342" y="1871576"/>
+                <a:ext cx="457200" cy="461665"/>
+              </a:xfrm>
+              <a:prstGeom prst="rect">
+                <a:avLst/>
+              </a:prstGeom>
+              <a:noFill/>
+            </p:spPr>
+            <p:txBody>
+              <a:bodyPr wrap="square" rtlCol="0">
+                <a:spAutoFit/>
+              </a:bodyPr>
+              <a:lstStyle/>
+              <a:p>
+                <a:pPr/>
+                <a14:m>
+                  <m:oMathPara xmlns:m="http://schemas.openxmlformats.org/officeDocument/2006/math">
+                    <m:oMathParaPr>
+                      <m:jc m:val="centerGroup"/>
+                    </m:oMathParaPr>
+                    <m:oMath xmlns:m="http://schemas.openxmlformats.org/officeDocument/2006/math">
+                      <m:r>
+                        <a:rPr lang="en-CA" sz="2400" b="0" i="1" smtClean="0">
+                          <a:latin typeface="Cambria Math" panose="02040503050406030204" pitchFamily="18" charset="0"/>
+                        </a:rPr>
+                        <m:t>𝜙</m:t>
+                      </m:r>
+                    </m:oMath>
+                  </m:oMathPara>
+                </a14:m>
+                <a:endParaRPr lang="en-US" sz="2400" dirty="0"/>
+              </a:p>
+            </p:txBody>
+          </p:sp>
+        </mc:Choice>
+        <mc:Fallback>
+          <p:sp>
+            <p:nvSpPr>
+              <p:cNvPr id="23" name="TextBox 22">
+                <a:extLst>
+                  <a:ext uri="{FF2B5EF4-FFF2-40B4-BE49-F238E27FC236}">
+                    <a16:creationId xmlns:a16="http://schemas.microsoft.com/office/drawing/2014/main" id="{2FCECAD2-E68A-A04C-AE22-7369CA329341}"/>
+                  </a:ext>
+                </a:extLst>
+              </p:cNvPr>
+              <p:cNvSpPr txBox="1">
+                <a:spLocks noRot="1" noChangeAspect="1" noMove="1" noResize="1" noEditPoints="1" noAdjustHandles="1" noChangeArrowheads="1" noChangeShapeType="1" noTextEdit="1"/>
+              </p:cNvSpPr>
+              <p:nvPr/>
+            </p:nvSpPr>
+            <p:spPr>
+              <a:xfrm>
+                <a:off x="5619342" y="1871576"/>
+                <a:ext cx="457200" cy="461665"/>
+              </a:xfrm>
+              <a:prstGeom prst="rect">
+                <a:avLst/>
+              </a:prstGeom>
+              <a:blipFill>
+                <a:blip r:embed="rId8"/>
+                <a:stretch>
+                  <a:fillRect l="-2703" r="-2703" b="-16216"/>
+                </a:stretch>
+              </a:blipFill>
+            </p:spPr>
+            <p:txBody>
+              <a:bodyPr/>
+              <a:lstStyle/>
+              <a:p>
+                <a:r>
+                  <a:rPr lang="en-US">
+                    <a:noFill/>
+                  </a:rPr>
+                  <a:t> </a:t>
+                </a:r>
+              </a:p>
+            </p:txBody>
+          </p:sp>
+        </mc:Fallback>
+      </mc:AlternateContent>
+      <p:cxnSp>
+        <p:nvCxnSpPr>
+          <p:cNvPr id="24" name="Straight Connector 23">
+            <a:extLst>
+              <a:ext uri="{FF2B5EF4-FFF2-40B4-BE49-F238E27FC236}">
+                <a16:creationId xmlns:a16="http://schemas.microsoft.com/office/drawing/2014/main" id="{65E0DDD9-D487-8C43-A1B6-89D666B466D1}"/>
+              </a:ext>
+            </a:extLst>
+          </p:cNvPr>
+          <p:cNvCxnSpPr>
+            <a:cxnSpLocks/>
+          </p:cNvCxnSpPr>
+          <p:nvPr/>
+        </p:nvCxnSpPr>
+        <p:spPr>
+          <a:xfrm>
+            <a:off x="4417628" y="2171700"/>
+            <a:ext cx="1915181" cy="483317"/>
+          </a:xfrm>
+          <a:prstGeom prst="line">
+            <a:avLst/>
+          </a:prstGeom>
+        </p:spPr>
+        <p:style>
+          <a:lnRef idx="1">
+            <a:schemeClr val="dk1"/>
+          </a:lnRef>
+          <a:fillRef idx="0">
+            <a:schemeClr val="dk1"/>
+          </a:fillRef>
+          <a:effectRef idx="0">
+            <a:schemeClr val="dk1"/>
+          </a:effectRef>
+          <a:fontRef idx="minor">
+            <a:schemeClr val="tx1"/>
+          </a:fontRef>
+        </p:style>
+      </p:cxnSp>
+      <p:cxnSp>
+        <p:nvCxnSpPr>
+          <p:cNvPr id="25" name="Straight Connector 24">
+            <a:extLst>
+              <a:ext uri="{FF2B5EF4-FFF2-40B4-BE49-F238E27FC236}">
+                <a16:creationId xmlns:a16="http://schemas.microsoft.com/office/drawing/2014/main" id="{557DD2D8-276D-9645-85A1-7814BFC122B7}"/>
+              </a:ext>
+            </a:extLst>
+          </p:cNvPr>
+          <p:cNvCxnSpPr>
+            <a:cxnSpLocks/>
+          </p:cNvCxnSpPr>
+          <p:nvPr/>
+        </p:nvCxnSpPr>
+        <p:spPr>
+          <a:xfrm flipV="1">
+            <a:off x="4417628" y="1485900"/>
+            <a:ext cx="1563308" cy="685800"/>
+          </a:xfrm>
+          <a:prstGeom prst="line">
+            <a:avLst/>
+          </a:prstGeom>
+        </p:spPr>
+        <p:style>
+          <a:lnRef idx="1">
+            <a:schemeClr val="dk1"/>
+          </a:lnRef>
+          <a:fillRef idx="0">
+            <a:schemeClr val="dk1"/>
+          </a:fillRef>
+          <a:effectRef idx="0">
+            <a:schemeClr val="dk1"/>
+          </a:effectRef>
+          <a:fontRef idx="minor">
+            <a:schemeClr val="tx1"/>
+          </a:fontRef>
+        </p:style>
+      </p:cxnSp>
+    </p:spTree>
+    <p:extLst>
+      <p:ext uri="{BB962C8B-B14F-4D97-AF65-F5344CB8AC3E}">
+        <p14:creationId xmlns:p14="http://schemas.microsoft.com/office/powerpoint/2010/main" val="4034465534"/>
+      </p:ext>
+    </p:extLst>
+  </p:cSld>
+  <p:clrMapOvr>
+    <a:masterClrMapping/>
+  </p:clrMapOvr>
+</p:sld>
+</file>
+
+<file path=ppt/slides/slide2.xml><?xml version="1.0" encoding="utf-8"?>
+<p:sld xmlns:a="http://schemas.openxmlformats.org/drawingml/2006/main" xmlns:r="http://schemas.openxmlformats.org/officeDocument/2006/relationships" xmlns:p="http://schemas.openxmlformats.org/presentationml/2006/main">
+  <p:cSld>
+    <p:spTree>
+      <p:nvGrpSpPr>
+        <p:cNvPr id="1" name=""/>
+        <p:cNvGrpSpPr/>
+        <p:nvPr/>
+      </p:nvGrpSpPr>
+      <p:grpSpPr>
+        <a:xfrm>
+          <a:off x="0" y="0"/>
+          <a:ext cx="0" cy="0"/>
+          <a:chOff x="0" y="0"/>
+          <a:chExt cx="0" cy="0"/>
+        </a:xfrm>
+      </p:grpSpPr>
+      <p:sp>
+        <p:nvSpPr>
+          <p:cNvPr id="2" name="Title 1">
+            <a:extLst>
+              <a:ext uri="{FF2B5EF4-FFF2-40B4-BE49-F238E27FC236}">
+                <a16:creationId xmlns:a16="http://schemas.microsoft.com/office/drawing/2014/main" id="{6740D6C6-E653-41C0-99BA-69FD21C4DA8F}"/>
+              </a:ext>
+            </a:extLst>
+          </p:cNvPr>
+          <p:cNvSpPr>
+            <a:spLocks noGrp="1"/>
+          </p:cNvSpPr>
+          <p:nvPr>
+            <p:ph type="title"/>
+          </p:nvPr>
+        </p:nvSpPr>
+        <p:spPr/>
+        <p:txBody>
+          <a:bodyPr/>
+          <a:lstStyle/>
+          <a:p>
+            <a:r>
+              <a:rPr lang="en-US" dirty="0"/>
+              <a:t>Rigid Body Kinematics</a:t>
+            </a:r>
+          </a:p>
+        </p:txBody>
+      </p:sp>
+      <p:sp>
+        <p:nvSpPr>
+          <p:cNvPr id="3" name="Content Placeholder 2">
+            <a:extLst>
+              <a:ext uri="{FF2B5EF4-FFF2-40B4-BE49-F238E27FC236}">
+                <a16:creationId xmlns:a16="http://schemas.microsoft.com/office/drawing/2014/main" id="{940F0DA4-392D-41F0-B912-91ED10464DF0}"/>
+              </a:ext>
+            </a:extLst>
+          </p:cNvPr>
+          <p:cNvSpPr>
+            <a:spLocks noGrp="1"/>
+          </p:cNvSpPr>
+          <p:nvPr>
+            <p:ph idx="1"/>
+          </p:nvPr>
+        </p:nvSpPr>
+        <p:spPr>
+          <a:xfrm>
+            <a:off x="457200" y="1465262"/>
+            <a:ext cx="4622800" cy="4371976"/>
+          </a:xfrm>
+        </p:spPr>
+        <p:txBody>
+          <a:bodyPr>
+            <a:normAutofit fontScale="85000" lnSpcReduction="20000"/>
+          </a:bodyPr>
+          <a:lstStyle/>
+          <a:p>
+            <a:r>
+              <a:rPr lang="en-US" dirty="0"/>
+              <a:t>So far, we have talking about </a:t>
+            </a:r>
+            <a:r>
+              <a:rPr lang="en-US" b="1" dirty="0"/>
+              <a:t>particles</a:t>
+            </a:r>
+            <a:r>
+              <a:rPr lang="en-US" dirty="0"/>
+              <a:t>, where we are only concerned with the </a:t>
+            </a:r>
+            <a:r>
+              <a:rPr lang="en-US" b="1" dirty="0"/>
+              <a:t>location</a:t>
+            </a:r>
+            <a:r>
+              <a:rPr lang="en-US" dirty="0"/>
+              <a:t>, </a:t>
+            </a:r>
+            <a:r>
+              <a:rPr lang="en-US" b="1" dirty="0"/>
+              <a:t>velocity</a:t>
+            </a:r>
+            <a:r>
+              <a:rPr lang="en-US" dirty="0"/>
+              <a:t>, and </a:t>
+            </a:r>
+            <a:r>
+              <a:rPr lang="en-US" b="1" dirty="0"/>
+              <a:t>acceleration</a:t>
+            </a:r>
+            <a:r>
+              <a:rPr lang="en-US" dirty="0"/>
+              <a:t> of the particle.</a:t>
+            </a:r>
+          </a:p>
+          <a:p>
+            <a:r>
+              <a:rPr lang="en-US" dirty="0"/>
+              <a:t>If now we are going to start talking about </a:t>
+            </a:r>
+            <a:r>
+              <a:rPr lang="en-US" b="1" dirty="0"/>
+              <a:t>rigid bodies</a:t>
+            </a:r>
+            <a:r>
+              <a:rPr lang="en-US" dirty="0"/>
+              <a:t>, where we will be concerned with the </a:t>
+            </a:r>
+            <a:r>
+              <a:rPr lang="en-US" b="1" dirty="0"/>
+              <a:t>orientation</a:t>
+            </a:r>
+            <a:r>
+              <a:rPr lang="en-US" dirty="0"/>
+              <a:t>, </a:t>
+            </a:r>
+            <a:r>
+              <a:rPr lang="en-US" b="1" dirty="0"/>
+              <a:t>angular velocity</a:t>
+            </a:r>
+            <a:r>
+              <a:rPr lang="en-US" dirty="0"/>
+              <a:t>, and </a:t>
+            </a:r>
+            <a:r>
+              <a:rPr lang="en-US" b="1" dirty="0"/>
+              <a:t>angular acceleration</a:t>
+            </a:r>
+            <a:r>
+              <a:rPr lang="en-US" dirty="0"/>
+              <a:t> of the object as well.</a:t>
+            </a:r>
+          </a:p>
+        </p:txBody>
+      </p:sp>
+      <p:pic>
+        <p:nvPicPr>
+          <p:cNvPr id="1026" name="Picture 2" descr="Baseball, Hit, Batter, Game, Competition, Player, Home">
+            <a:extLst>
+              <a:ext uri="{FF2B5EF4-FFF2-40B4-BE49-F238E27FC236}">
+                <a16:creationId xmlns:a16="http://schemas.microsoft.com/office/drawing/2014/main" id="{E6849D5F-C055-432E-8527-6F67BF4806DD}"/>
+              </a:ext>
+            </a:extLst>
+          </p:cNvPr>
+          <p:cNvPicPr>
+            <a:picLocks noChangeAspect="1" noChangeArrowheads="1"/>
+          </p:cNvPicPr>
+          <p:nvPr/>
+        </p:nvPicPr>
+        <p:blipFill>
+          <a:blip r:embed="rId2">
+            <a:extLst>
+              <a:ext uri="{28A0092B-C50C-407E-A947-70E740481C1C}">
+                <a14:useLocalDpi xmlns:a14="http://schemas.microsoft.com/office/drawing/2010/main" val="0"/>
+              </a:ext>
+            </a:extLst>
+          </a:blip>
+          <a:srcRect/>
+          <a:stretch>
+            <a:fillRect/>
+          </a:stretch>
+        </p:blipFill>
+        <p:spPr bwMode="auto">
+          <a:xfrm>
+            <a:off x="5410200" y="1417638"/>
+            <a:ext cx="2946400" cy="4419600"/>
+          </a:xfrm>
+          <a:prstGeom prst="rect">
+            <a:avLst/>
+          </a:prstGeom>
+          <a:noFill/>
+          <a:extLst>
+            <a:ext uri="{909E8E84-426E-40DD-AFC4-6F175D3DCCD1}">
+              <a14:hiddenFill xmlns:a14="http://schemas.microsoft.com/office/drawing/2010/main">
+                <a:solidFill>
+                  <a:srgbClr val="FFFFFF"/>
+                </a:solidFill>
+              </a14:hiddenFill>
+            </a:ext>
+          </a:extLst>
+        </p:spPr>
+      </p:pic>
+    </p:spTree>
+    <p:extLst>
+      <p:ext uri="{BB962C8B-B14F-4D97-AF65-F5344CB8AC3E}">
+        <p14:creationId xmlns:p14="http://schemas.microsoft.com/office/powerpoint/2010/main" val="4131815369"/>
+      </p:ext>
+    </p:extLst>
+  </p:cSld>
+  <p:clrMapOvr>
+    <a:masterClrMapping/>
+  </p:clrMapOvr>
+  <p:timing>
+    <p:tnLst>
+      <p:par>
+        <p:cTn id="1" dur="indefinite" restart="never" nodeType="tmRoot">
+          <p:childTnLst>
+            <p:seq concurrent="1" nextAc="seek">
+              <p:cTn id="2" dur="indefinite" nodeType="mainSeq">
+                <p:childTnLst>
+                  <p:par>
+                    <p:cTn id="3" fill="hold">
+                      <p:stCondLst>
+                        <p:cond delay="indefinite"/>
+                      </p:stCondLst>
+                      <p:childTnLst>
+                        <p:par>
+                          <p:cTn id="4" fill="hold">
+                            <p:stCondLst>
+                              <p:cond delay="0"/>
+                            </p:stCondLst>
+                            <p:childTnLst>
+                              <p:par>
+                                <p:cTn id="5" presetID="1" presetClass="entr" presetSubtype="0" fill="hold" grpId="0" nodeType="clickEffect">
+                                  <p:stCondLst>
+                                    <p:cond delay="0"/>
+                                  </p:stCondLst>
+                                  <p:childTnLst>
+                                    <p:set>
+                                      <p:cBhvr>
+                                        <p:cTn id="6" dur="1" fill="hold">
+                                          <p:stCondLst>
+                                            <p:cond delay="0"/>
+                                          </p:stCondLst>
+                                        </p:cTn>
+                                        <p:tgtEl>
+                                          <p:spTgt spid="3">
+                                            <p:txEl>
+                                              <p:pRg st="0" end="0"/>
+                                            </p:txEl>
+                                          </p:spTgt>
+                                        </p:tgtEl>
+                                        <p:attrNameLst>
+                                          <p:attrName>style.visibility</p:attrName>
+                                        </p:attrNameLst>
+                                      </p:cBhvr>
+                                      <p:to>
+                                        <p:strVal val="visible"/>
+                                      </p:to>
+                                    </p:set>
+                                  </p:childTnLst>
+                                </p:cTn>
+                              </p:par>
+                            </p:childTnLst>
+                          </p:cTn>
+                        </p:par>
+                      </p:childTnLst>
+                    </p:cTn>
+                  </p:par>
+                  <p:par>
+                    <p:cTn id="7" fill="hold">
+                      <p:stCondLst>
+                        <p:cond delay="indefinite"/>
+                      </p:stCondLst>
+                      <p:childTnLst>
+                        <p:par>
+                          <p:cTn id="8" fill="hold">
+                            <p:stCondLst>
+                              <p:cond delay="0"/>
+                            </p:stCondLst>
+                            <p:childTnLst>
+                              <p:par>
+                                <p:cTn id="9" presetID="1" presetClass="entr" presetSubtype="0" fill="hold" grpId="0" nodeType="clickEffect">
+                                  <p:stCondLst>
+                                    <p:cond delay="0"/>
+                                  </p:stCondLst>
+                                  <p:childTnLst>
+                                    <p:set>
+                                      <p:cBhvr>
+                                        <p:cTn id="10" dur="1" fill="hold">
+                                          <p:stCondLst>
+                                            <p:cond delay="0"/>
+                                          </p:stCondLst>
+                                        </p:cTn>
+                                        <p:tgtEl>
+                                          <p:spTgt spid="3">
+                                            <p:txEl>
+                                              <p:pRg st="1" end="1"/>
+                                            </p:txEl>
+                                          </p:spTgt>
+                                        </p:tgtEl>
+                                        <p:attrNameLst>
+                                          <p:attrName>style.visibility</p:attrName>
+                                        </p:attrNameLst>
+                                      </p:cBhvr>
+                                      <p:to>
+                                        <p:strVal val="visible"/>
+                                      </p:to>
+                                    </p:set>
+                                  </p:childTnLst>
+                                </p:cTn>
+                              </p:par>
+                            </p:childTnLst>
+                          </p:cTn>
+                        </p:par>
+                      </p:childTnLst>
+                    </p:cTn>
+                  </p:par>
+                  <p:par>
+                    <p:cTn id="11" fill="hold">
+                      <p:stCondLst>
+                        <p:cond delay="indefinite"/>
+                      </p:stCondLst>
+                      <p:childTnLst>
+                        <p:par>
+                          <p:cTn id="12" fill="hold">
+                            <p:stCondLst>
+                              <p:cond delay="0"/>
+                            </p:stCondLst>
+                            <p:childTnLst>
+                              <p:par>
+                                <p:cTn id="13" presetID="10" presetClass="entr" presetSubtype="0" fill="hold" nodeType="clickEffect">
+                                  <p:stCondLst>
+                                    <p:cond delay="0"/>
+                                  </p:stCondLst>
+                                  <p:childTnLst>
+                                    <p:set>
+                                      <p:cBhvr>
+                                        <p:cTn id="14" dur="1" fill="hold">
+                                          <p:stCondLst>
+                                            <p:cond delay="0"/>
+                                          </p:stCondLst>
+                                        </p:cTn>
+                                        <p:tgtEl>
+                                          <p:spTgt spid="1026"/>
+                                        </p:tgtEl>
+                                        <p:attrNameLst>
+                                          <p:attrName>style.visibility</p:attrName>
+                                        </p:attrNameLst>
+                                      </p:cBhvr>
+                                      <p:to>
+                                        <p:strVal val="visible"/>
+                                      </p:to>
+                                    </p:set>
+                                    <p:animEffect transition="in" filter="fade">
+                                      <p:cBhvr>
+                                        <p:cTn id="15" dur="500"/>
+                                        <p:tgtEl>
+                                          <p:spTgt spid="1026"/>
+                                        </p:tgtEl>
+                                      </p:cBhvr>
+                                    </p:animEffect>
+                                  </p:childTnLst>
+                                </p:cTn>
+                              </p:par>
+                            </p:childTnLst>
+                          </p:cTn>
+                        </p:par>
+                      </p:childTnLst>
+                    </p:cTn>
+                  </p:par>
+                </p:childTnLst>
+              </p:cTn>
+              <p:prevCondLst>
+                <p:cond evt="onPrev" delay="0">
+                  <p:tgtEl>
+                    <p:sldTgt/>
+                  </p:tgtEl>
+                </p:cond>
+              </p:prevCondLst>
+              <p:nextCondLst>
+                <p:cond evt="onNext" delay="0">
+                  <p:tgtEl>
+                    <p:sldTgt/>
+                  </p:tgtEl>
+                </p:cond>
+              </p:nextCondLst>
+            </p:seq>
+          </p:childTnLst>
+        </p:cTn>
+      </p:par>
+    </p:tnLst>
+    <p:bldLst>
+      <p:bldP spid="3" grpId="0" uiExpand="1" build="p"/>
+    </p:bldLst>
+  </p:timing>
+</p:sld>
+</file>
+
+<file path=ppt/slides/slide20.xml><?xml version="1.0" encoding="utf-8"?>
+<p:sld xmlns:a="http://schemas.openxmlformats.org/drawingml/2006/main" xmlns:r="http://schemas.openxmlformats.org/officeDocument/2006/relationships" xmlns:p="http://schemas.openxmlformats.org/presentationml/2006/main">
+  <p:cSld>
+    <p:spTree>
+      <p:nvGrpSpPr>
+        <p:cNvPr id="1" name=""/>
+        <p:cNvGrpSpPr/>
+        <p:nvPr/>
+      </p:nvGrpSpPr>
+      <p:grpSpPr>
+        <a:xfrm>
+          <a:off x="0" y="0"/>
+          <a:ext cx="0" cy="0"/>
+          <a:chOff x="0" y="0"/>
+          <a:chExt cx="0" cy="0"/>
+        </a:xfrm>
+      </p:grpSpPr>
       <p:sp>
         <p:nvSpPr>
           <p:cNvPr id="5" name="Oval 4">
@@ -12922,7 +16861,7 @@
 </p:sld>
 </file>
 
-<file path=ppt/slides/slide2.xml><?xml version="1.0" encoding="utf-8"?>
+<file path=ppt/slides/slide21.xml><?xml version="1.0" encoding="utf-8"?>
 <p:sld xmlns:a="http://schemas.openxmlformats.org/drawingml/2006/main" xmlns:r="http://schemas.openxmlformats.org/officeDocument/2006/relationships" xmlns:p="http://schemas.openxmlformats.org/presentationml/2006/main">
   <p:cSld>
     <p:spTree>
@@ -12941,378 +16880,1946 @@
       </p:grpSpPr>
       <p:sp>
         <p:nvSpPr>
-          <p:cNvPr id="2" name="Title 1">
+          <p:cNvPr id="5" name="Oval 4">
             <a:extLst>
               <a:ext uri="{FF2B5EF4-FFF2-40B4-BE49-F238E27FC236}">
-                <a16:creationId xmlns:a16="http://schemas.microsoft.com/office/drawing/2014/main" id="{6740D6C6-E653-41C0-99BA-69FD21C4DA8F}"/>
+                <a16:creationId xmlns:a16="http://schemas.microsoft.com/office/drawing/2014/main" id="{5E90DF06-FE80-294A-B381-0C293EDF09B1}"/>
               </a:ext>
             </a:extLst>
           </p:cNvPr>
-          <p:cNvSpPr>
-            <a:spLocks noGrp="1"/>
-          </p:cNvSpPr>
-          <p:nvPr>
-            <p:ph type="title"/>
-          </p:nvPr>
+          <p:cNvSpPr/>
+          <p:nvPr/>
         </p:nvSpPr>
-        <p:spPr/>
+        <p:spPr>
+          <a:xfrm>
+            <a:off x="2743200" y="1600200"/>
+            <a:ext cx="3810000" cy="3810000"/>
+          </a:xfrm>
+          <a:prstGeom prst="ellipse">
+            <a:avLst/>
+          </a:prstGeom>
+        </p:spPr>
+        <p:style>
+          <a:lnRef idx="1">
+            <a:schemeClr val="dk1"/>
+          </a:lnRef>
+          <a:fillRef idx="2">
+            <a:schemeClr val="dk1"/>
+          </a:fillRef>
+          <a:effectRef idx="1">
+            <a:schemeClr val="dk1"/>
+          </a:effectRef>
+          <a:fontRef idx="minor">
+            <a:schemeClr val="dk1"/>
+          </a:fontRef>
+        </p:style>
         <p:txBody>
-          <a:bodyPr/>
+          <a:bodyPr rtlCol="0" anchor="ctr"/>
           <a:lstStyle/>
           <a:p>
-            <a:r>
-              <a:rPr lang="en-US" dirty="0"/>
-              <a:t>Rigid Body Kinematics</a:t>
-            </a:r>
+            <a:pPr algn="ctr"/>
+            <a:endParaRPr lang="en-US"/>
           </a:p>
         </p:txBody>
       </p:sp>
       <p:sp>
         <p:nvSpPr>
-          <p:cNvPr id="3" name="Content Placeholder 2">
+          <p:cNvPr id="6" name="Oval 5">
             <a:extLst>
               <a:ext uri="{FF2B5EF4-FFF2-40B4-BE49-F238E27FC236}">
-                <a16:creationId xmlns:a16="http://schemas.microsoft.com/office/drawing/2014/main" id="{940F0DA4-392D-41F0-B912-91ED10464DF0}"/>
+                <a16:creationId xmlns:a16="http://schemas.microsoft.com/office/drawing/2014/main" id="{8C6310F3-572E-D34F-8734-01AB5E4ADC2A}"/>
+              </a:ext>
+            </a:extLst>
+          </p:cNvPr>
+          <p:cNvSpPr/>
+          <p:nvPr/>
+        </p:nvSpPr>
+        <p:spPr>
+          <a:xfrm>
+            <a:off x="4556760" y="3413760"/>
+            <a:ext cx="182880" cy="182880"/>
+          </a:xfrm>
+          <a:prstGeom prst="ellipse">
+            <a:avLst/>
+          </a:prstGeom>
+        </p:spPr>
+        <p:style>
+          <a:lnRef idx="2">
+            <a:schemeClr val="dk1">
+              <a:shade val="50000"/>
+            </a:schemeClr>
+          </a:lnRef>
+          <a:fillRef idx="1">
+            <a:schemeClr val="dk1"/>
+          </a:fillRef>
+          <a:effectRef idx="0">
+            <a:schemeClr val="dk1"/>
+          </a:effectRef>
+          <a:fontRef idx="minor">
+            <a:schemeClr val="lt1"/>
+          </a:fontRef>
+        </p:style>
+        <p:txBody>
+          <a:bodyPr rtlCol="0" anchor="ctr"/>
+          <a:lstStyle/>
+          <a:p>
+            <a:pPr algn="ctr"/>
+            <a:endParaRPr lang="en-US"/>
+          </a:p>
+        </p:txBody>
+      </p:sp>
+      <p:cxnSp>
+        <p:nvCxnSpPr>
+          <p:cNvPr id="8" name="Straight Connector 7">
+            <a:extLst>
+              <a:ext uri="{FF2B5EF4-FFF2-40B4-BE49-F238E27FC236}">
+                <a16:creationId xmlns:a16="http://schemas.microsoft.com/office/drawing/2014/main" id="{F042113E-D136-8D45-B25B-062D354A8103}"/>
+              </a:ext>
+            </a:extLst>
+          </p:cNvPr>
+          <p:cNvCxnSpPr>
+            <a:cxnSpLocks/>
+          </p:cNvCxnSpPr>
+          <p:nvPr/>
+        </p:nvCxnSpPr>
+        <p:spPr>
+          <a:xfrm flipV="1">
+            <a:off x="4658139" y="2683566"/>
+            <a:ext cx="904461" cy="839524"/>
+          </a:xfrm>
+          <a:prstGeom prst="line">
+            <a:avLst/>
+          </a:prstGeom>
+          <a:ln>
+            <a:headEnd type="none" w="med" len="med"/>
+            <a:tailEnd type="triangle" w="lg" len="lg"/>
+          </a:ln>
+        </p:spPr>
+        <p:style>
+          <a:lnRef idx="2">
+            <a:schemeClr val="dk1"/>
+          </a:lnRef>
+          <a:fillRef idx="0">
+            <a:schemeClr val="dk1"/>
+          </a:fillRef>
+          <a:effectRef idx="1">
+            <a:schemeClr val="dk1"/>
+          </a:effectRef>
+          <a:fontRef idx="minor">
+            <a:schemeClr val="tx1"/>
+          </a:fontRef>
+        </p:style>
+      </p:cxnSp>
+      <mc:AlternateContent xmlns:mc="http://schemas.openxmlformats.org/markup-compatibility/2006">
+        <mc:Choice xmlns:a14="http://schemas.microsoft.com/office/drawing/2010/main" Requires="a14">
+          <p:sp>
+            <p:nvSpPr>
+              <p:cNvPr id="9" name="TextBox 8">
+                <a:extLst>
+                  <a:ext uri="{FF2B5EF4-FFF2-40B4-BE49-F238E27FC236}">
+                    <a16:creationId xmlns:a16="http://schemas.microsoft.com/office/drawing/2014/main" id="{1DB1F40C-C126-E745-B0E3-3163F943A057}"/>
+                  </a:ext>
+                </a:extLst>
+              </p:cNvPr>
+              <p:cNvSpPr txBox="1"/>
+              <p:nvPr/>
+            </p:nvSpPr>
+            <p:spPr>
+              <a:xfrm>
+                <a:off x="4608586" y="2962930"/>
+                <a:ext cx="457200" cy="369332"/>
+              </a:xfrm>
+              <a:prstGeom prst="rect">
+                <a:avLst/>
+              </a:prstGeom>
+              <a:noFill/>
+            </p:spPr>
+            <p:txBody>
+              <a:bodyPr wrap="square" rtlCol="0">
+                <a:spAutoFit/>
+              </a:bodyPr>
+              <a:lstStyle/>
+              <a:p>
+                <a:pPr/>
+                <a14:m>
+                  <m:oMathPara xmlns:m="http://schemas.openxmlformats.org/officeDocument/2006/math">
+                    <m:oMathParaPr>
+                      <m:jc m:val="centerGroup"/>
+                    </m:oMathParaPr>
+                    <m:oMath xmlns:m="http://schemas.openxmlformats.org/officeDocument/2006/math">
+                      <m:acc>
+                        <m:accPr>
+                          <m:chr m:val="⃗"/>
+                          <m:ctrlPr>
+                            <a:rPr lang="en-CA" b="0" i="1" smtClean="0">
+                              <a:latin typeface="Cambria Math" panose="02040503050406030204" pitchFamily="18" charset="0"/>
+                            </a:rPr>
+                          </m:ctrlPr>
+                        </m:accPr>
+                        <m:e>
+                          <m:sSub>
+                            <m:sSubPr>
+                              <m:ctrlPr>
+                                <a:rPr lang="en-CA" b="0" i="1" smtClean="0">
+                                  <a:latin typeface="Cambria Math" panose="02040503050406030204" pitchFamily="18" charset="0"/>
+                                </a:rPr>
+                              </m:ctrlPr>
+                            </m:sSubPr>
+                            <m:e>
+                              <m:r>
+                                <a:rPr lang="en-CA" b="0" i="1" smtClean="0">
+                                  <a:latin typeface="Cambria Math" panose="02040503050406030204" pitchFamily="18" charset="0"/>
+                                </a:rPr>
+                                <m:t>𝑟</m:t>
+                              </m:r>
+                            </m:e>
+                            <m:sub>
+                              <m:r>
+                                <a:rPr lang="en-CA" b="0" i="1" smtClean="0">
+                                  <a:latin typeface="Cambria Math" panose="02040503050406030204" pitchFamily="18" charset="0"/>
+                                </a:rPr>
+                                <m:t>𝑃</m:t>
+                              </m:r>
+                            </m:sub>
+                          </m:sSub>
+                        </m:e>
+                      </m:acc>
+                    </m:oMath>
+                  </m:oMathPara>
+                </a14:m>
+                <a:endParaRPr lang="en-US" dirty="0"/>
+              </a:p>
+            </p:txBody>
+          </p:sp>
+        </mc:Choice>
+        <mc:Fallback>
+          <p:sp>
+            <p:nvSpPr>
+              <p:cNvPr id="9" name="TextBox 8">
+                <a:extLst>
+                  <a:ext uri="{FF2B5EF4-FFF2-40B4-BE49-F238E27FC236}">
+                    <a16:creationId xmlns:a16="http://schemas.microsoft.com/office/drawing/2014/main" id="{1DB1F40C-C126-E745-B0E3-3163F943A057}"/>
+                  </a:ext>
+                </a:extLst>
+              </p:cNvPr>
+              <p:cNvSpPr txBox="1">
+                <a:spLocks noRot="1" noChangeAspect="1" noMove="1" noResize="1" noEditPoints="1" noAdjustHandles="1" noChangeArrowheads="1" noChangeShapeType="1" noTextEdit="1"/>
+              </p:cNvSpPr>
+              <p:nvPr/>
+            </p:nvSpPr>
+            <p:spPr>
+              <a:xfrm>
+                <a:off x="4608586" y="2962930"/>
+                <a:ext cx="457200" cy="369332"/>
+              </a:xfrm>
+              <a:prstGeom prst="rect">
+                <a:avLst/>
+              </a:prstGeom>
+              <a:blipFill>
+                <a:blip r:embed="rId2"/>
+                <a:stretch>
+                  <a:fillRect/>
+                </a:stretch>
+              </a:blipFill>
+            </p:spPr>
+            <p:txBody>
+              <a:bodyPr/>
+              <a:lstStyle/>
+              <a:p>
+                <a:r>
+                  <a:rPr lang="en-US">
+                    <a:noFill/>
+                  </a:rPr>
+                  <a:t> </a:t>
+                </a:r>
+              </a:p>
+            </p:txBody>
+          </p:sp>
+        </mc:Fallback>
+      </mc:AlternateContent>
+      <p:sp>
+        <p:nvSpPr>
+          <p:cNvPr id="10" name="Arc 9">
+            <a:extLst>
+              <a:ext uri="{FF2B5EF4-FFF2-40B4-BE49-F238E27FC236}">
+                <a16:creationId xmlns:a16="http://schemas.microsoft.com/office/drawing/2014/main" id="{81365A0F-EABB-044B-8335-FA4DAF1116DE}"/>
+              </a:ext>
+            </a:extLst>
+          </p:cNvPr>
+          <p:cNvSpPr/>
+          <p:nvPr/>
+        </p:nvSpPr>
+        <p:spPr>
+          <a:xfrm>
+            <a:off x="3286539" y="2133600"/>
+            <a:ext cx="2743200" cy="2743200"/>
+          </a:xfrm>
+          <a:prstGeom prst="arc">
+            <a:avLst>
+              <a:gd name="adj1" fmla="val 12839167"/>
+              <a:gd name="adj2" fmla="val 17940345"/>
+            </a:avLst>
+          </a:prstGeom>
+          <a:ln>
+            <a:headEnd type="arrow" w="med" len="med"/>
+            <a:tailEnd type="none" w="med" len="med"/>
+          </a:ln>
+        </p:spPr>
+        <p:style>
+          <a:lnRef idx="2">
+            <a:schemeClr val="accent1"/>
+          </a:lnRef>
+          <a:fillRef idx="0">
+            <a:schemeClr val="accent1"/>
+          </a:fillRef>
+          <a:effectRef idx="1">
+            <a:schemeClr val="accent1"/>
+          </a:effectRef>
+          <a:fontRef idx="minor">
+            <a:schemeClr val="tx1"/>
+          </a:fontRef>
+        </p:style>
+        <p:txBody>
+          <a:bodyPr rtlCol="0" anchor="ctr"/>
+          <a:lstStyle/>
+          <a:p>
+            <a:pPr algn="ctr"/>
+            <a:endParaRPr lang="en-US"/>
+          </a:p>
+        </p:txBody>
+      </p:sp>
+      <mc:AlternateContent xmlns:mc="http://schemas.openxmlformats.org/markup-compatibility/2006">
+        <mc:Choice xmlns:a14="http://schemas.microsoft.com/office/drawing/2010/main" Requires="a14">
+          <p:sp>
+            <p:nvSpPr>
+              <p:cNvPr id="11" name="Rectangle 10">
+                <a:extLst>
+                  <a:ext uri="{FF2B5EF4-FFF2-40B4-BE49-F238E27FC236}">
+                    <a16:creationId xmlns:a16="http://schemas.microsoft.com/office/drawing/2014/main" id="{C90ECC08-5356-E242-9C05-E81710DB237B}"/>
+                  </a:ext>
+                </a:extLst>
+              </p:cNvPr>
+              <p:cNvSpPr/>
+              <p:nvPr/>
+            </p:nvSpPr>
+            <p:spPr>
+              <a:xfrm>
+                <a:off x="3209181" y="2787270"/>
+                <a:ext cx="421910" cy="369332"/>
+              </a:xfrm>
+              <a:prstGeom prst="rect">
+                <a:avLst/>
+              </a:prstGeom>
+            </p:spPr>
+            <p:txBody>
+              <a:bodyPr wrap="none">
+                <a:spAutoFit/>
+              </a:bodyPr>
+              <a:lstStyle/>
+              <a:p>
+                <a:pPr/>
+                <a14:m>
+                  <m:oMathPara xmlns:m="http://schemas.openxmlformats.org/officeDocument/2006/math">
+                    <m:oMathParaPr>
+                      <m:jc m:val="centerGroup"/>
+                    </m:oMathParaPr>
+                    <m:oMath xmlns:m="http://schemas.openxmlformats.org/officeDocument/2006/math">
+                      <m:acc>
+                        <m:accPr>
+                          <m:chr m:val="⃗"/>
+                          <m:ctrlPr>
+                            <a:rPr lang="en-CA" i="1" smtClean="0">
+                              <a:solidFill>
+                                <a:srgbClr val="4F81BD"/>
+                              </a:solidFill>
+                              <a:latin typeface="Cambria Math" panose="02040503050406030204" pitchFamily="18" charset="0"/>
+                            </a:rPr>
+                          </m:ctrlPr>
+                        </m:accPr>
+                        <m:e>
+                          <m:r>
+                            <a:rPr lang="en-CA" b="0" i="1" smtClean="0">
+                              <a:solidFill>
+                                <a:srgbClr val="4F81BD"/>
+                              </a:solidFill>
+                              <a:latin typeface="Cambria Math" panose="02040503050406030204" pitchFamily="18" charset="0"/>
+                            </a:rPr>
+                            <m:t>𝜔</m:t>
+                          </m:r>
+                        </m:e>
+                      </m:acc>
+                    </m:oMath>
+                  </m:oMathPara>
+                </a14:m>
+                <a:endParaRPr lang="en-CA" dirty="0">
+                  <a:solidFill>
+                    <a:srgbClr val="4F81BD"/>
+                  </a:solidFill>
+                </a:endParaRPr>
+              </a:p>
+            </p:txBody>
+          </p:sp>
+        </mc:Choice>
+        <mc:Fallback>
+          <p:sp>
+            <p:nvSpPr>
+              <p:cNvPr id="11" name="Rectangle 10">
+                <a:extLst>
+                  <a:ext uri="{FF2B5EF4-FFF2-40B4-BE49-F238E27FC236}">
+                    <a16:creationId xmlns:a16="http://schemas.microsoft.com/office/drawing/2014/main" id="{C90ECC08-5356-E242-9C05-E81710DB237B}"/>
+                  </a:ext>
+                </a:extLst>
+              </p:cNvPr>
+              <p:cNvSpPr>
+                <a:spLocks noRot="1" noChangeAspect="1" noMove="1" noResize="1" noEditPoints="1" noAdjustHandles="1" noChangeArrowheads="1" noChangeShapeType="1" noTextEdit="1"/>
+              </p:cNvSpPr>
+              <p:nvPr/>
+            </p:nvSpPr>
+            <p:spPr>
+              <a:xfrm>
+                <a:off x="3209181" y="2787270"/>
+                <a:ext cx="421910" cy="369332"/>
+              </a:xfrm>
+              <a:prstGeom prst="rect">
+                <a:avLst/>
+              </a:prstGeom>
+              <a:blipFill>
+                <a:blip r:embed="rId3"/>
+                <a:stretch>
+                  <a:fillRect/>
+                </a:stretch>
+              </a:blipFill>
+            </p:spPr>
+            <p:txBody>
+              <a:bodyPr/>
+              <a:lstStyle/>
+              <a:p>
+                <a:r>
+                  <a:rPr lang="en-US">
+                    <a:noFill/>
+                  </a:rPr>
+                  <a:t> </a:t>
+                </a:r>
+              </a:p>
+            </p:txBody>
+          </p:sp>
+        </mc:Fallback>
+      </mc:AlternateContent>
+      <mc:AlternateContent xmlns:mc="http://schemas.openxmlformats.org/markup-compatibility/2006">
+        <mc:Choice xmlns:a14="http://schemas.microsoft.com/office/drawing/2010/main" Requires="a14">
+          <p:sp>
+            <p:nvSpPr>
+              <p:cNvPr id="12" name="Rectangle 11">
+                <a:extLst>
+                  <a:ext uri="{FF2B5EF4-FFF2-40B4-BE49-F238E27FC236}">
+                    <a16:creationId xmlns:a16="http://schemas.microsoft.com/office/drawing/2014/main" id="{C8EDD208-F3A7-D64E-8268-240DE294AC45}"/>
+                  </a:ext>
+                </a:extLst>
+              </p:cNvPr>
+              <p:cNvSpPr/>
+              <p:nvPr/>
+            </p:nvSpPr>
+            <p:spPr>
+              <a:xfrm>
+                <a:off x="2955235" y="2604032"/>
+                <a:ext cx="393056" cy="369332"/>
+              </a:xfrm>
+              <a:prstGeom prst="rect">
+                <a:avLst/>
+              </a:prstGeom>
+            </p:spPr>
+            <p:txBody>
+              <a:bodyPr wrap="none">
+                <a:spAutoFit/>
+              </a:bodyPr>
+              <a:lstStyle/>
+              <a:p>
+                <a:pPr/>
+                <a14:m>
+                  <m:oMathPara xmlns:m="http://schemas.openxmlformats.org/officeDocument/2006/math">
+                    <m:oMathParaPr>
+                      <m:jc m:val="centerGroup"/>
+                    </m:oMathParaPr>
+                    <m:oMath xmlns:m="http://schemas.openxmlformats.org/officeDocument/2006/math">
+                      <m:acc>
+                        <m:accPr>
+                          <m:chr m:val="⃗"/>
+                          <m:ctrlPr>
+                            <a:rPr lang="en-CA" i="1" smtClean="0">
+                              <a:solidFill>
+                                <a:schemeClr val="accent1"/>
+                              </a:solidFill>
+                              <a:latin typeface="Cambria Math" panose="02040503050406030204" pitchFamily="18" charset="0"/>
+                              <a:ea typeface="Cambria Math"/>
+                            </a:rPr>
+                          </m:ctrlPr>
+                        </m:accPr>
+                        <m:e>
+                          <m:r>
+                            <a:rPr lang="en-CA" b="0" i="1" smtClean="0">
+                              <a:solidFill>
+                                <a:schemeClr val="accent1"/>
+                              </a:solidFill>
+                              <a:latin typeface="Cambria Math" panose="02040503050406030204" pitchFamily="18" charset="0"/>
+                              <a:ea typeface="Cambria Math"/>
+                            </a:rPr>
+                            <m:t>𝛼</m:t>
+                          </m:r>
+                        </m:e>
+                      </m:acc>
+                    </m:oMath>
+                  </m:oMathPara>
+                </a14:m>
+                <a:endParaRPr lang="en-US" dirty="0"/>
+              </a:p>
+            </p:txBody>
+          </p:sp>
+        </mc:Choice>
+        <mc:Fallback>
+          <p:sp>
+            <p:nvSpPr>
+              <p:cNvPr id="12" name="Rectangle 11">
+                <a:extLst>
+                  <a:ext uri="{FF2B5EF4-FFF2-40B4-BE49-F238E27FC236}">
+                    <a16:creationId xmlns:a16="http://schemas.microsoft.com/office/drawing/2014/main" id="{C8EDD208-F3A7-D64E-8268-240DE294AC45}"/>
+                  </a:ext>
+                </a:extLst>
+              </p:cNvPr>
+              <p:cNvSpPr>
+                <a:spLocks noRot="1" noChangeAspect="1" noMove="1" noResize="1" noEditPoints="1" noAdjustHandles="1" noChangeArrowheads="1" noChangeShapeType="1" noTextEdit="1"/>
+              </p:cNvSpPr>
+              <p:nvPr/>
+            </p:nvSpPr>
+            <p:spPr>
+              <a:xfrm>
+                <a:off x="2955235" y="2604032"/>
+                <a:ext cx="393056" cy="369332"/>
+              </a:xfrm>
+              <a:prstGeom prst="rect">
+                <a:avLst/>
+              </a:prstGeom>
+              <a:blipFill>
+                <a:blip r:embed="rId4"/>
+                <a:stretch>
+                  <a:fillRect t="-9677"/>
+                </a:stretch>
+              </a:blipFill>
+            </p:spPr>
+            <p:txBody>
+              <a:bodyPr/>
+              <a:lstStyle/>
+              <a:p>
+                <a:r>
+                  <a:rPr lang="en-US">
+                    <a:noFill/>
+                  </a:rPr>
+                  <a:t> </a:t>
+                </a:r>
+              </a:p>
+            </p:txBody>
+          </p:sp>
+        </mc:Fallback>
+      </mc:AlternateContent>
+      <p:sp>
+        <p:nvSpPr>
+          <p:cNvPr id="13" name="Arc 12">
+            <a:extLst>
+              <a:ext uri="{FF2B5EF4-FFF2-40B4-BE49-F238E27FC236}">
+                <a16:creationId xmlns:a16="http://schemas.microsoft.com/office/drawing/2014/main" id="{F9545E32-30E8-1A49-BDCC-6B8F7D22145D}"/>
+              </a:ext>
+            </a:extLst>
+          </p:cNvPr>
+          <p:cNvSpPr/>
+          <p:nvPr/>
+        </p:nvSpPr>
+        <p:spPr>
+          <a:xfrm>
+            <a:off x="3057939" y="1905000"/>
+            <a:ext cx="3200400" cy="3200400"/>
+          </a:xfrm>
+          <a:prstGeom prst="arc">
+            <a:avLst>
+              <a:gd name="adj1" fmla="val 12839167"/>
+              <a:gd name="adj2" fmla="val 17940345"/>
+            </a:avLst>
+          </a:prstGeom>
+          <a:ln>
+            <a:headEnd type="arrow" w="med" len="med"/>
+            <a:tailEnd type="none" w="med" len="med"/>
+          </a:ln>
+        </p:spPr>
+        <p:style>
+          <a:lnRef idx="2">
+            <a:schemeClr val="accent1"/>
+          </a:lnRef>
+          <a:fillRef idx="0">
+            <a:schemeClr val="accent1"/>
+          </a:fillRef>
+          <a:effectRef idx="1">
+            <a:schemeClr val="accent1"/>
+          </a:effectRef>
+          <a:fontRef idx="minor">
+            <a:schemeClr val="tx1"/>
+          </a:fontRef>
+        </p:style>
+        <p:txBody>
+          <a:bodyPr rtlCol="0" anchor="ctr"/>
+          <a:lstStyle/>
+          <a:p>
+            <a:pPr algn="ctr"/>
+            <a:endParaRPr lang="en-US"/>
+          </a:p>
+        </p:txBody>
+      </p:sp>
+      <mc:AlternateContent xmlns:mc="http://schemas.openxmlformats.org/markup-compatibility/2006">
+        <mc:Choice xmlns:a14="http://schemas.microsoft.com/office/drawing/2010/main" Requires="a14">
+          <p:sp>
+            <p:nvSpPr>
+              <p:cNvPr id="14" name="TextBox 13">
+                <a:extLst>
+                  <a:ext uri="{FF2B5EF4-FFF2-40B4-BE49-F238E27FC236}">
+                    <a16:creationId xmlns:a16="http://schemas.microsoft.com/office/drawing/2014/main" id="{BDC08E2C-73B1-C140-91FB-8F6CF629C611}"/>
+                  </a:ext>
+                </a:extLst>
+              </p:cNvPr>
+              <p:cNvSpPr txBox="1"/>
+              <p:nvPr/>
+            </p:nvSpPr>
+            <p:spPr>
+              <a:xfrm>
+                <a:off x="4419600" y="3660800"/>
+                <a:ext cx="457200" cy="369332"/>
+              </a:xfrm>
+              <a:prstGeom prst="rect">
+                <a:avLst/>
+              </a:prstGeom>
+              <a:noFill/>
+            </p:spPr>
+            <p:txBody>
+              <a:bodyPr wrap="square" rtlCol="0">
+                <a:spAutoFit/>
+              </a:bodyPr>
+              <a:lstStyle/>
+              <a:p>
+                <a:pPr/>
+                <a14:m>
+                  <m:oMathPara xmlns:m="http://schemas.openxmlformats.org/officeDocument/2006/math">
+                    <m:oMathParaPr>
+                      <m:jc m:val="centerGroup"/>
+                    </m:oMathParaPr>
+                    <m:oMath xmlns:m="http://schemas.openxmlformats.org/officeDocument/2006/math">
+                      <m:r>
+                        <a:rPr lang="en-US" b="0" i="1" smtClean="0">
+                          <a:latin typeface="Cambria Math" panose="02040503050406030204" pitchFamily="18" charset="0"/>
+                        </a:rPr>
+                        <m:t>𝑂</m:t>
+                      </m:r>
+                    </m:oMath>
+                  </m:oMathPara>
+                </a14:m>
+                <a:endParaRPr lang="en-US" dirty="0"/>
+              </a:p>
+            </p:txBody>
+          </p:sp>
+        </mc:Choice>
+        <mc:Fallback>
+          <p:sp>
+            <p:nvSpPr>
+              <p:cNvPr id="14" name="TextBox 13">
+                <a:extLst>
+                  <a:ext uri="{FF2B5EF4-FFF2-40B4-BE49-F238E27FC236}">
+                    <a16:creationId xmlns:a16="http://schemas.microsoft.com/office/drawing/2014/main" id="{BDC08E2C-73B1-C140-91FB-8F6CF629C611}"/>
+                  </a:ext>
+                </a:extLst>
+              </p:cNvPr>
+              <p:cNvSpPr txBox="1">
+                <a:spLocks noRot="1" noChangeAspect="1" noMove="1" noResize="1" noEditPoints="1" noAdjustHandles="1" noChangeArrowheads="1" noChangeShapeType="1" noTextEdit="1"/>
+              </p:cNvSpPr>
+              <p:nvPr/>
+            </p:nvSpPr>
+            <p:spPr>
+              <a:xfrm>
+                <a:off x="4419600" y="3660800"/>
+                <a:ext cx="457200" cy="369332"/>
+              </a:xfrm>
+              <a:prstGeom prst="rect">
+                <a:avLst/>
+              </a:prstGeom>
+              <a:blipFill>
+                <a:blip r:embed="rId5"/>
+                <a:stretch>
+                  <a:fillRect/>
+                </a:stretch>
+              </a:blipFill>
+            </p:spPr>
+            <p:txBody>
+              <a:bodyPr/>
+              <a:lstStyle/>
+              <a:p>
+                <a:r>
+                  <a:rPr lang="en-US">
+                    <a:noFill/>
+                  </a:rPr>
+                  <a:t> </a:t>
+                </a:r>
+              </a:p>
+            </p:txBody>
+          </p:sp>
+        </mc:Fallback>
+      </mc:AlternateContent>
+      <mc:AlternateContent xmlns:mc="http://schemas.openxmlformats.org/markup-compatibility/2006">
+        <mc:Choice xmlns:a14="http://schemas.microsoft.com/office/drawing/2010/main" Requires="a14">
+          <p:sp>
+            <p:nvSpPr>
+              <p:cNvPr id="15" name="TextBox 14">
+                <a:extLst>
+                  <a:ext uri="{FF2B5EF4-FFF2-40B4-BE49-F238E27FC236}">
+                    <a16:creationId xmlns:a16="http://schemas.microsoft.com/office/drawing/2014/main" id="{FEF7EAA5-57EF-7042-9FCE-5D02204FD494}"/>
+                  </a:ext>
+                </a:extLst>
+              </p:cNvPr>
+              <p:cNvSpPr txBox="1"/>
+              <p:nvPr/>
+            </p:nvSpPr>
+            <p:spPr>
+              <a:xfrm>
+                <a:off x="5703422" y="2632675"/>
+                <a:ext cx="457200" cy="369332"/>
+              </a:xfrm>
+              <a:prstGeom prst="rect">
+                <a:avLst/>
+              </a:prstGeom>
+              <a:noFill/>
+            </p:spPr>
+            <p:txBody>
+              <a:bodyPr wrap="square" rtlCol="0">
+                <a:spAutoFit/>
+              </a:bodyPr>
+              <a:lstStyle/>
+              <a:p>
+                <a:pPr/>
+                <a14:m>
+                  <m:oMathPara xmlns:m="http://schemas.openxmlformats.org/officeDocument/2006/math">
+                    <m:oMathParaPr>
+                      <m:jc m:val="centerGroup"/>
+                    </m:oMathParaPr>
+                    <m:oMath xmlns:m="http://schemas.openxmlformats.org/officeDocument/2006/math">
+                      <m:r>
+                        <a:rPr lang="en-US" b="0" i="1" smtClean="0">
+                          <a:latin typeface="Cambria Math" panose="02040503050406030204" pitchFamily="18" charset="0"/>
+                        </a:rPr>
+                        <m:t>𝑃</m:t>
+                      </m:r>
+                    </m:oMath>
+                  </m:oMathPara>
+                </a14:m>
+                <a:endParaRPr lang="en-US" dirty="0"/>
+              </a:p>
+            </p:txBody>
+          </p:sp>
+        </mc:Choice>
+        <mc:Fallback>
+          <p:sp>
+            <p:nvSpPr>
+              <p:cNvPr id="15" name="TextBox 14">
+                <a:extLst>
+                  <a:ext uri="{FF2B5EF4-FFF2-40B4-BE49-F238E27FC236}">
+                    <a16:creationId xmlns:a16="http://schemas.microsoft.com/office/drawing/2014/main" id="{FEF7EAA5-57EF-7042-9FCE-5D02204FD494}"/>
+                  </a:ext>
+                </a:extLst>
+              </p:cNvPr>
+              <p:cNvSpPr txBox="1">
+                <a:spLocks noRot="1" noChangeAspect="1" noMove="1" noResize="1" noEditPoints="1" noAdjustHandles="1" noChangeArrowheads="1" noChangeShapeType="1" noTextEdit="1"/>
+              </p:cNvSpPr>
+              <p:nvPr/>
+            </p:nvSpPr>
+            <p:spPr>
+              <a:xfrm>
+                <a:off x="5703422" y="2632675"/>
+                <a:ext cx="457200" cy="369332"/>
+              </a:xfrm>
+              <a:prstGeom prst="rect">
+                <a:avLst/>
+              </a:prstGeom>
+              <a:blipFill>
+                <a:blip r:embed="rId6"/>
+                <a:stretch>
+                  <a:fillRect/>
+                </a:stretch>
+              </a:blipFill>
+            </p:spPr>
+            <p:txBody>
+              <a:bodyPr/>
+              <a:lstStyle/>
+              <a:p>
+                <a:r>
+                  <a:rPr lang="en-US">
+                    <a:noFill/>
+                  </a:rPr>
+                  <a:t> </a:t>
+                </a:r>
+              </a:p>
+            </p:txBody>
+          </p:sp>
+        </mc:Fallback>
+      </mc:AlternateContent>
+      <p:cxnSp>
+        <p:nvCxnSpPr>
+          <p:cNvPr id="16" name="Straight Arrow Connector 15">
+            <a:extLst>
+              <a:ext uri="{FF2B5EF4-FFF2-40B4-BE49-F238E27FC236}">
+                <a16:creationId xmlns:a16="http://schemas.microsoft.com/office/drawing/2014/main" id="{DA2A4CF9-14C6-1E44-AEAC-59DC610A4D2C}"/>
+              </a:ext>
+            </a:extLst>
+          </p:cNvPr>
+          <p:cNvCxnSpPr/>
+          <p:nvPr/>
+        </p:nvCxnSpPr>
+        <p:spPr>
+          <a:xfrm flipV="1">
+            <a:off x="4627881" y="2570481"/>
+            <a:ext cx="0" cy="934719"/>
+          </a:xfrm>
+          <a:prstGeom prst="straightConnector1">
+            <a:avLst/>
+          </a:prstGeom>
+          <a:ln w="19050">
+            <a:tailEnd type="triangle"/>
+          </a:ln>
+        </p:spPr>
+        <p:style>
+          <a:lnRef idx="1">
+            <a:schemeClr val="dk1"/>
+          </a:lnRef>
+          <a:fillRef idx="0">
+            <a:schemeClr val="dk1"/>
+          </a:fillRef>
+          <a:effectRef idx="0">
+            <a:schemeClr val="dk1"/>
+          </a:effectRef>
+          <a:fontRef idx="minor">
+            <a:schemeClr val="tx1"/>
+          </a:fontRef>
+        </p:style>
+      </p:cxnSp>
+      <p:cxnSp>
+        <p:nvCxnSpPr>
+          <p:cNvPr id="17" name="Straight Arrow Connector 16">
+            <a:extLst>
+              <a:ext uri="{FF2B5EF4-FFF2-40B4-BE49-F238E27FC236}">
+                <a16:creationId xmlns:a16="http://schemas.microsoft.com/office/drawing/2014/main" id="{70518A6C-0402-AA4C-97DF-BBDAC0686496}"/>
+              </a:ext>
+            </a:extLst>
+          </p:cNvPr>
+          <p:cNvCxnSpPr>
+            <a:cxnSpLocks/>
+          </p:cNvCxnSpPr>
+          <p:nvPr/>
+        </p:nvCxnSpPr>
+        <p:spPr>
+          <a:xfrm rot="5400000" flipV="1">
+            <a:off x="5095241" y="3037841"/>
+            <a:ext cx="0" cy="934719"/>
+          </a:xfrm>
+          <a:prstGeom prst="straightConnector1">
+            <a:avLst/>
+          </a:prstGeom>
+          <a:ln w="19050">
+            <a:tailEnd type="triangle"/>
+          </a:ln>
+        </p:spPr>
+        <p:style>
+          <a:lnRef idx="1">
+            <a:schemeClr val="dk1"/>
+          </a:lnRef>
+          <a:fillRef idx="0">
+            <a:schemeClr val="dk1"/>
+          </a:fillRef>
+          <a:effectRef idx="0">
+            <a:schemeClr val="dk1"/>
+          </a:effectRef>
+          <a:fontRef idx="minor">
+            <a:schemeClr val="tx1"/>
+          </a:fontRef>
+        </p:style>
+      </p:cxnSp>
+      <mc:AlternateContent xmlns:mc="http://schemas.openxmlformats.org/markup-compatibility/2006">
+        <mc:Choice xmlns:a14="http://schemas.microsoft.com/office/drawing/2010/main" Requires="a14">
+          <p:sp>
+            <p:nvSpPr>
+              <p:cNvPr id="18" name="TextBox 17">
+                <a:extLst>
+                  <a:ext uri="{FF2B5EF4-FFF2-40B4-BE49-F238E27FC236}">
+                    <a16:creationId xmlns:a16="http://schemas.microsoft.com/office/drawing/2014/main" id="{9DF8269F-7FEB-6C4B-A48D-81A280CDD638}"/>
+                  </a:ext>
+                </a:extLst>
+              </p:cNvPr>
+              <p:cNvSpPr txBox="1"/>
+              <p:nvPr/>
+            </p:nvSpPr>
+            <p:spPr>
+              <a:xfrm>
+                <a:off x="5432505" y="3298336"/>
+                <a:ext cx="457200" cy="369332"/>
+              </a:xfrm>
+              <a:prstGeom prst="rect">
+                <a:avLst/>
+              </a:prstGeom>
+              <a:noFill/>
+            </p:spPr>
+            <p:txBody>
+              <a:bodyPr wrap="square" rtlCol="0">
+                <a:spAutoFit/>
+              </a:bodyPr>
+              <a:lstStyle/>
+              <a:p>
+                <a:pPr/>
+                <a14:m>
+                  <m:oMathPara xmlns:m="http://schemas.openxmlformats.org/officeDocument/2006/math">
+                    <m:oMathParaPr>
+                      <m:jc m:val="centerGroup"/>
+                    </m:oMathParaPr>
+                    <m:oMath xmlns:m="http://schemas.openxmlformats.org/officeDocument/2006/math">
+                      <m:r>
+                        <a:rPr lang="en-CA" b="0" i="1" smtClean="0">
+                          <a:latin typeface="Cambria Math" panose="02040503050406030204" pitchFamily="18" charset="0"/>
+                        </a:rPr>
+                        <m:t>𝑥</m:t>
+                      </m:r>
+                    </m:oMath>
+                  </m:oMathPara>
+                </a14:m>
+                <a:endParaRPr lang="en-US" dirty="0"/>
+              </a:p>
+            </p:txBody>
+          </p:sp>
+        </mc:Choice>
+        <mc:Fallback>
+          <p:sp>
+            <p:nvSpPr>
+              <p:cNvPr id="18" name="TextBox 17">
+                <a:extLst>
+                  <a:ext uri="{FF2B5EF4-FFF2-40B4-BE49-F238E27FC236}">
+                    <a16:creationId xmlns:a16="http://schemas.microsoft.com/office/drawing/2014/main" id="{9DF8269F-7FEB-6C4B-A48D-81A280CDD638}"/>
+                  </a:ext>
+                </a:extLst>
+              </p:cNvPr>
+              <p:cNvSpPr txBox="1">
+                <a:spLocks noRot="1" noChangeAspect="1" noMove="1" noResize="1" noEditPoints="1" noAdjustHandles="1" noChangeArrowheads="1" noChangeShapeType="1" noTextEdit="1"/>
+              </p:cNvSpPr>
+              <p:nvPr/>
+            </p:nvSpPr>
+            <p:spPr>
+              <a:xfrm>
+                <a:off x="5432505" y="3298336"/>
+                <a:ext cx="457200" cy="369332"/>
+              </a:xfrm>
+              <a:prstGeom prst="rect">
+                <a:avLst/>
+              </a:prstGeom>
+              <a:blipFill>
+                <a:blip r:embed="rId7"/>
+                <a:stretch>
+                  <a:fillRect/>
+                </a:stretch>
+              </a:blipFill>
+            </p:spPr>
+            <p:txBody>
+              <a:bodyPr/>
+              <a:lstStyle/>
+              <a:p>
+                <a:r>
+                  <a:rPr lang="en-US">
+                    <a:noFill/>
+                  </a:rPr>
+                  <a:t> </a:t>
+                </a:r>
+              </a:p>
+            </p:txBody>
+          </p:sp>
+        </mc:Fallback>
+      </mc:AlternateContent>
+      <mc:AlternateContent xmlns:mc="http://schemas.openxmlformats.org/markup-compatibility/2006">
+        <mc:Choice xmlns:a14="http://schemas.microsoft.com/office/drawing/2010/main" Requires="a14">
+          <p:sp>
+            <p:nvSpPr>
+              <p:cNvPr id="19" name="TextBox 18">
+                <a:extLst>
+                  <a:ext uri="{FF2B5EF4-FFF2-40B4-BE49-F238E27FC236}">
+                    <a16:creationId xmlns:a16="http://schemas.microsoft.com/office/drawing/2014/main" id="{FC565698-02A9-0F47-8960-310CEE9BAEBF}"/>
+                  </a:ext>
+                </a:extLst>
+              </p:cNvPr>
+              <p:cNvSpPr txBox="1"/>
+              <p:nvPr/>
+            </p:nvSpPr>
+            <p:spPr>
+              <a:xfrm>
+                <a:off x="4382716" y="2201150"/>
+                <a:ext cx="457200" cy="369332"/>
+              </a:xfrm>
+              <a:prstGeom prst="rect">
+                <a:avLst/>
+              </a:prstGeom>
+              <a:noFill/>
+            </p:spPr>
+            <p:txBody>
+              <a:bodyPr wrap="square" rtlCol="0">
+                <a:spAutoFit/>
+              </a:bodyPr>
+              <a:lstStyle/>
+              <a:p>
+                <a:pPr/>
+                <a14:m>
+                  <m:oMathPara xmlns:m="http://schemas.openxmlformats.org/officeDocument/2006/math">
+                    <m:oMathParaPr>
+                      <m:jc m:val="centerGroup"/>
+                    </m:oMathParaPr>
+                    <m:oMath xmlns:m="http://schemas.openxmlformats.org/officeDocument/2006/math">
+                      <m:r>
+                        <a:rPr lang="en-CA" b="0" i="1" smtClean="0">
+                          <a:latin typeface="Cambria Math" panose="02040503050406030204" pitchFamily="18" charset="0"/>
+                        </a:rPr>
+                        <m:t>𝑦</m:t>
+                      </m:r>
+                    </m:oMath>
+                  </m:oMathPara>
+                </a14:m>
+                <a:endParaRPr lang="en-US" dirty="0"/>
+              </a:p>
+            </p:txBody>
+          </p:sp>
+        </mc:Choice>
+        <mc:Fallback>
+          <p:sp>
+            <p:nvSpPr>
+              <p:cNvPr id="19" name="TextBox 18">
+                <a:extLst>
+                  <a:ext uri="{FF2B5EF4-FFF2-40B4-BE49-F238E27FC236}">
+                    <a16:creationId xmlns:a16="http://schemas.microsoft.com/office/drawing/2014/main" id="{FC565698-02A9-0F47-8960-310CEE9BAEBF}"/>
+                  </a:ext>
+                </a:extLst>
+              </p:cNvPr>
+              <p:cNvSpPr txBox="1">
+                <a:spLocks noRot="1" noChangeAspect="1" noMove="1" noResize="1" noEditPoints="1" noAdjustHandles="1" noChangeArrowheads="1" noChangeShapeType="1" noTextEdit="1"/>
+              </p:cNvSpPr>
+              <p:nvPr/>
+            </p:nvSpPr>
+            <p:spPr>
+              <a:xfrm>
+                <a:off x="4382716" y="2201150"/>
+                <a:ext cx="457200" cy="369332"/>
+              </a:xfrm>
+              <a:prstGeom prst="rect">
+                <a:avLst/>
+              </a:prstGeom>
+              <a:blipFill>
+                <a:blip r:embed="rId8"/>
+                <a:stretch>
+                  <a:fillRect b="-6667"/>
+                </a:stretch>
+              </a:blipFill>
+            </p:spPr>
+            <p:txBody>
+              <a:bodyPr/>
+              <a:lstStyle/>
+              <a:p>
+                <a:r>
+                  <a:rPr lang="en-US">
+                    <a:noFill/>
+                  </a:rPr>
+                  <a:t> </a:t>
+                </a:r>
+              </a:p>
+            </p:txBody>
+          </p:sp>
+        </mc:Fallback>
+      </mc:AlternateContent>
+      <p:sp>
+        <p:nvSpPr>
+          <p:cNvPr id="20" name="Arc 19">
+            <a:extLst>
+              <a:ext uri="{FF2B5EF4-FFF2-40B4-BE49-F238E27FC236}">
+                <a16:creationId xmlns:a16="http://schemas.microsoft.com/office/drawing/2014/main" id="{B8A58486-6B95-F14B-9271-504FFDEDB8A4}"/>
               </a:ext>
             </a:extLst>
           </p:cNvPr>
           <p:cNvSpPr>
-            <a:spLocks noGrp="1"/>
+            <a:spLocks noChangeAspect="1"/>
           </p:cNvSpPr>
-          <p:nvPr>
-            <p:ph idx="1"/>
-          </p:nvPr>
+          <p:nvPr/>
         </p:nvSpPr>
         <p:spPr>
           <a:xfrm>
-            <a:off x="457200" y="1465262"/>
-            <a:ext cx="4622800" cy="4371976"/>
+            <a:off x="4277010" y="2950971"/>
+            <a:ext cx="1108458" cy="1108458"/>
           </a:xfrm>
+          <a:prstGeom prst="arc">
+            <a:avLst>
+              <a:gd name="adj1" fmla="val 18448533"/>
+              <a:gd name="adj2" fmla="val 0"/>
+            </a:avLst>
+          </a:prstGeom>
+          <a:ln>
+            <a:solidFill>
+              <a:schemeClr val="tx1"/>
+            </a:solidFill>
+          </a:ln>
         </p:spPr>
+        <p:style>
+          <a:lnRef idx="1">
+            <a:schemeClr val="accent1"/>
+          </a:lnRef>
+          <a:fillRef idx="0">
+            <a:schemeClr val="accent1"/>
+          </a:fillRef>
+          <a:effectRef idx="0">
+            <a:schemeClr val="accent1"/>
+          </a:effectRef>
+          <a:fontRef idx="minor">
+            <a:schemeClr val="tx1"/>
+          </a:fontRef>
+        </p:style>
         <p:txBody>
-          <a:bodyPr>
-            <a:normAutofit fontScale="85000" lnSpcReduction="20000"/>
-          </a:bodyPr>
+          <a:bodyPr rtlCol="0" anchor="ctr"/>
           <a:lstStyle/>
           <a:p>
-            <a:r>
-              <a:rPr lang="en-US" dirty="0"/>
-              <a:t>So far, we have talking about </a:t>
-            </a:r>
-            <a:r>
-              <a:rPr lang="en-US" b="1" dirty="0"/>
-              <a:t>particles</a:t>
-            </a:r>
-            <a:r>
-              <a:rPr lang="en-US" dirty="0"/>
-              <a:t>, where we are only concerned with the </a:t>
-            </a:r>
-            <a:r>
-              <a:rPr lang="en-US" b="1" dirty="0"/>
-              <a:t>location</a:t>
-            </a:r>
-            <a:r>
-              <a:rPr lang="en-US" dirty="0"/>
-              <a:t>, </a:t>
-            </a:r>
-            <a:r>
-              <a:rPr lang="en-US" b="1" dirty="0"/>
-              <a:t>velocity</a:t>
-            </a:r>
-            <a:r>
-              <a:rPr lang="en-US" dirty="0"/>
-              <a:t>, and </a:t>
-            </a:r>
-            <a:r>
-              <a:rPr lang="en-US" b="1" dirty="0"/>
-              <a:t>acceleration</a:t>
-            </a:r>
-            <a:r>
-              <a:rPr lang="en-US" dirty="0"/>
-              <a:t> of the particle.</a:t>
-            </a:r>
-          </a:p>
-          <a:p>
-            <a:r>
-              <a:rPr lang="en-US" dirty="0"/>
-              <a:t>If now we are going to start talking about </a:t>
-            </a:r>
-            <a:r>
-              <a:rPr lang="en-US" b="1" dirty="0"/>
-              <a:t>rigid bodies</a:t>
-            </a:r>
-            <a:r>
-              <a:rPr lang="en-US" dirty="0"/>
-              <a:t>, where we will be concerned with the </a:t>
-            </a:r>
-            <a:r>
-              <a:rPr lang="en-US" b="1" dirty="0"/>
-              <a:t>orientation</a:t>
-            </a:r>
-            <a:r>
-              <a:rPr lang="en-US" dirty="0"/>
-              <a:t>, </a:t>
-            </a:r>
-            <a:r>
-              <a:rPr lang="en-US" b="1" dirty="0"/>
-              <a:t>angular velocity</a:t>
-            </a:r>
-            <a:r>
-              <a:rPr lang="en-US" dirty="0"/>
-              <a:t>, and </a:t>
-            </a:r>
-            <a:r>
-              <a:rPr lang="en-US" b="1" dirty="0"/>
-              <a:t>angular acceleration</a:t>
-            </a:r>
-            <a:r>
-              <a:rPr lang="en-US" dirty="0"/>
-              <a:t> of the object as well.</a:t>
-            </a:r>
+            <a:pPr algn="ctr"/>
+            <a:endParaRPr lang="en-US"/>
           </a:p>
         </p:txBody>
       </p:sp>
-      <p:pic>
-        <p:nvPicPr>
-          <p:cNvPr id="1026" name="Picture 2" descr="Baseball, Hit, Batter, Game, Competition, Player, Home">
+      <mc:AlternateContent xmlns:mc="http://schemas.openxmlformats.org/markup-compatibility/2006">
+        <mc:Choice xmlns:a14="http://schemas.microsoft.com/office/drawing/2010/main" Requires="a14">
+          <p:sp>
+            <p:nvSpPr>
+              <p:cNvPr id="21" name="TextBox 20">
+                <a:extLst>
+                  <a:ext uri="{FF2B5EF4-FFF2-40B4-BE49-F238E27FC236}">
+                    <a16:creationId xmlns:a16="http://schemas.microsoft.com/office/drawing/2014/main" id="{CE0ED6FE-6384-3E4D-8A28-10F2D0CDADBD}"/>
+                  </a:ext>
+                </a:extLst>
+              </p:cNvPr>
+              <p:cNvSpPr txBox="1"/>
+              <p:nvPr/>
+            </p:nvSpPr>
+            <p:spPr>
+              <a:xfrm>
+                <a:off x="5254433" y="3054747"/>
+                <a:ext cx="457200" cy="369332"/>
+              </a:xfrm>
+              <a:prstGeom prst="rect">
+                <a:avLst/>
+              </a:prstGeom>
+              <a:noFill/>
+            </p:spPr>
+            <p:txBody>
+              <a:bodyPr wrap="square" rtlCol="0">
+                <a:spAutoFit/>
+              </a:bodyPr>
+              <a:lstStyle/>
+              <a:p>
+                <a:pPr/>
+                <a14:m>
+                  <m:oMathPara xmlns:m="http://schemas.openxmlformats.org/officeDocument/2006/math">
+                    <m:oMathParaPr>
+                      <m:jc m:val="centerGroup"/>
+                    </m:oMathParaPr>
+                    <m:oMath xmlns:m="http://schemas.openxmlformats.org/officeDocument/2006/math">
+                      <m:r>
+                        <a:rPr lang="en-CA" b="0" i="1" smtClean="0">
+                          <a:latin typeface="Cambria Math" panose="02040503050406030204" pitchFamily="18" charset="0"/>
+                        </a:rPr>
+                        <m:t>𝜃</m:t>
+                      </m:r>
+                    </m:oMath>
+                  </m:oMathPara>
+                </a14:m>
+                <a:endParaRPr lang="en-US" dirty="0"/>
+              </a:p>
+            </p:txBody>
+          </p:sp>
+        </mc:Choice>
+        <mc:Fallback>
+          <p:sp>
+            <p:nvSpPr>
+              <p:cNvPr id="21" name="TextBox 20">
+                <a:extLst>
+                  <a:ext uri="{FF2B5EF4-FFF2-40B4-BE49-F238E27FC236}">
+                    <a16:creationId xmlns:a16="http://schemas.microsoft.com/office/drawing/2014/main" id="{CE0ED6FE-6384-3E4D-8A28-10F2D0CDADBD}"/>
+                  </a:ext>
+                </a:extLst>
+              </p:cNvPr>
+              <p:cNvSpPr txBox="1">
+                <a:spLocks noRot="1" noChangeAspect="1" noMove="1" noResize="1" noEditPoints="1" noAdjustHandles="1" noChangeArrowheads="1" noChangeShapeType="1" noTextEdit="1"/>
+              </p:cNvSpPr>
+              <p:nvPr/>
+            </p:nvSpPr>
+            <p:spPr>
+              <a:xfrm>
+                <a:off x="5254433" y="3054747"/>
+                <a:ext cx="457200" cy="369332"/>
+              </a:xfrm>
+              <a:prstGeom prst="rect">
+                <a:avLst/>
+              </a:prstGeom>
+              <a:blipFill>
+                <a:blip r:embed="rId9"/>
+                <a:stretch>
+                  <a:fillRect/>
+                </a:stretch>
+              </a:blipFill>
+            </p:spPr>
+            <p:txBody>
+              <a:bodyPr/>
+              <a:lstStyle/>
+              <a:p>
+                <a:r>
+                  <a:rPr lang="en-US">
+                    <a:noFill/>
+                  </a:rPr>
+                  <a:t> </a:t>
+                </a:r>
+              </a:p>
+            </p:txBody>
+          </p:sp>
+        </mc:Fallback>
+      </mc:AlternateContent>
+      <p:cxnSp>
+        <p:nvCxnSpPr>
+          <p:cNvPr id="26" name="Straight Connector 25">
             <a:extLst>
               <a:ext uri="{FF2B5EF4-FFF2-40B4-BE49-F238E27FC236}">
-                <a16:creationId xmlns:a16="http://schemas.microsoft.com/office/drawing/2014/main" id="{E6849D5F-C055-432E-8527-6F67BF4806DD}"/>
+                <a16:creationId xmlns:a16="http://schemas.microsoft.com/office/drawing/2014/main" id="{07994D26-B6C8-D643-8432-0EDA940DBBA3}"/>
               </a:ext>
             </a:extLst>
           </p:cNvPr>
-          <p:cNvPicPr>
-            <a:picLocks noChangeAspect="1" noChangeArrowheads="1"/>
-          </p:cNvPicPr>
+          <p:cNvCxnSpPr>
+            <a:cxnSpLocks/>
+          </p:cNvCxnSpPr>
           <p:nvPr/>
-        </p:nvPicPr>
-        <p:blipFill>
-          <a:blip r:embed="rId2">
+        </p:nvCxnSpPr>
+        <p:spPr>
+          <a:xfrm flipH="1">
+            <a:off x="5063020" y="2644549"/>
+            <a:ext cx="518689" cy="503659"/>
+          </a:xfrm>
+          <a:prstGeom prst="line">
+            <a:avLst/>
+          </a:prstGeom>
+          <a:ln>
+            <a:headEnd type="none" w="med" len="med"/>
+            <a:tailEnd type="triangle" w="lg" len="lg"/>
+          </a:ln>
+        </p:spPr>
+        <p:style>
+          <a:lnRef idx="2">
+            <a:schemeClr val="dk1"/>
+          </a:lnRef>
+          <a:fillRef idx="0">
+            <a:schemeClr val="dk1"/>
+          </a:fillRef>
+          <a:effectRef idx="1">
+            <a:schemeClr val="dk1"/>
+          </a:effectRef>
+          <a:fontRef idx="minor">
+            <a:schemeClr val="tx1"/>
+          </a:fontRef>
+        </p:style>
+      </p:cxnSp>
+      <mc:AlternateContent xmlns:mc="http://schemas.openxmlformats.org/markup-compatibility/2006">
+        <mc:Choice xmlns:a14="http://schemas.microsoft.com/office/drawing/2010/main" Requires="a14">
+          <p:sp>
+            <p:nvSpPr>
+              <p:cNvPr id="28" name="TextBox 27">
+                <a:extLst>
+                  <a:ext uri="{FF2B5EF4-FFF2-40B4-BE49-F238E27FC236}">
+                    <a16:creationId xmlns:a16="http://schemas.microsoft.com/office/drawing/2014/main" id="{20D38367-1E2B-2A45-A0AC-7FB9CE9B9C3F}"/>
+                  </a:ext>
+                </a:extLst>
+              </p:cNvPr>
+              <p:cNvSpPr txBox="1"/>
+              <p:nvPr/>
+            </p:nvSpPr>
+            <p:spPr>
+              <a:xfrm>
+                <a:off x="4849434" y="2523104"/>
+                <a:ext cx="457200" cy="381515"/>
+              </a:xfrm>
+              <a:prstGeom prst="rect">
+                <a:avLst/>
+              </a:prstGeom>
+              <a:noFill/>
+            </p:spPr>
+            <p:txBody>
+              <a:bodyPr wrap="square" rtlCol="0">
+                <a:spAutoFit/>
+              </a:bodyPr>
+              <a:lstStyle/>
+              <a:p>
+                <a:pPr/>
+                <a14:m>
+                  <m:oMathPara xmlns:m="http://schemas.openxmlformats.org/officeDocument/2006/math">
+                    <m:oMathParaPr>
+                      <m:jc m:val="centerGroup"/>
+                    </m:oMathParaPr>
+                    <m:oMath xmlns:m="http://schemas.openxmlformats.org/officeDocument/2006/math">
+                      <m:acc>
+                        <m:accPr>
+                          <m:chr m:val="⃗"/>
+                          <m:ctrlPr>
+                            <a:rPr lang="en-CA" b="0" i="1" smtClean="0">
+                              <a:latin typeface="Cambria Math" panose="02040503050406030204" pitchFamily="18" charset="0"/>
+                            </a:rPr>
+                          </m:ctrlPr>
+                        </m:accPr>
+                        <m:e>
+                          <m:sSub>
+                            <m:sSubPr>
+                              <m:ctrlPr>
+                                <a:rPr lang="en-CA" b="0" i="1" smtClean="0">
+                                  <a:latin typeface="Cambria Math" panose="02040503050406030204" pitchFamily="18" charset="0"/>
+                                </a:rPr>
+                              </m:ctrlPr>
+                            </m:sSubPr>
+                            <m:e>
+                              <m:r>
+                                <a:rPr lang="en-CA" b="0" i="1" smtClean="0">
+                                  <a:latin typeface="Cambria Math" panose="02040503050406030204" pitchFamily="18" charset="0"/>
+                                </a:rPr>
+                                <m:t>𝑎</m:t>
+                              </m:r>
+                            </m:e>
+                            <m:sub>
+                              <m:r>
+                                <a:rPr lang="en-CA" b="0" i="1" smtClean="0">
+                                  <a:latin typeface="Cambria Math" panose="02040503050406030204" pitchFamily="18" charset="0"/>
+                                </a:rPr>
+                                <m:t>𝑃</m:t>
+                              </m:r>
+                              <m:r>
+                                <a:rPr lang="en-CA" b="0" i="1" smtClean="0">
+                                  <a:latin typeface="Cambria Math" panose="02040503050406030204" pitchFamily="18" charset="0"/>
+                                </a:rPr>
+                                <m:t>,</m:t>
+                              </m:r>
+                              <m:r>
+                                <a:rPr lang="en-CA" b="0" i="1" smtClean="0">
+                                  <a:latin typeface="Cambria Math" panose="02040503050406030204" pitchFamily="18" charset="0"/>
+                                </a:rPr>
+                                <m:t>𝑛</m:t>
+                              </m:r>
+                            </m:sub>
+                          </m:sSub>
+                        </m:e>
+                      </m:acc>
+                    </m:oMath>
+                  </m:oMathPara>
+                </a14:m>
+                <a:endParaRPr lang="en-US" dirty="0"/>
+              </a:p>
+            </p:txBody>
+          </p:sp>
+        </mc:Choice>
+        <mc:Fallback>
+          <p:sp>
+            <p:nvSpPr>
+              <p:cNvPr id="28" name="TextBox 27">
+                <a:extLst>
+                  <a:ext uri="{FF2B5EF4-FFF2-40B4-BE49-F238E27FC236}">
+                    <a16:creationId xmlns:a16="http://schemas.microsoft.com/office/drawing/2014/main" id="{20D38367-1E2B-2A45-A0AC-7FB9CE9B9C3F}"/>
+                  </a:ext>
+                </a:extLst>
+              </p:cNvPr>
+              <p:cNvSpPr txBox="1">
+                <a:spLocks noRot="1" noChangeAspect="1" noMove="1" noResize="1" noEditPoints="1" noAdjustHandles="1" noChangeArrowheads="1" noChangeShapeType="1" noTextEdit="1"/>
+              </p:cNvSpPr>
+              <p:nvPr/>
+            </p:nvSpPr>
+            <p:spPr>
+              <a:xfrm>
+                <a:off x="4849434" y="2523104"/>
+                <a:ext cx="457200" cy="381515"/>
+              </a:xfrm>
+              <a:prstGeom prst="rect">
+                <a:avLst/>
+              </a:prstGeom>
+              <a:blipFill>
+                <a:blip r:embed="rId10"/>
+                <a:stretch>
+                  <a:fillRect r="-10811"/>
+                </a:stretch>
+              </a:blipFill>
+            </p:spPr>
+            <p:txBody>
+              <a:bodyPr/>
+              <a:lstStyle/>
+              <a:p>
+                <a:r>
+                  <a:rPr lang="en-US">
+                    <a:noFill/>
+                  </a:rPr>
+                  <a:t> </a:t>
+                </a:r>
+              </a:p>
+            </p:txBody>
+          </p:sp>
+        </mc:Fallback>
+      </mc:AlternateContent>
+      <p:grpSp>
+        <p:nvGrpSpPr>
+          <p:cNvPr id="35" name="Group 34">
             <a:extLst>
-              <a:ext uri="{28A0092B-C50C-407E-A947-70E740481C1C}">
-                <a14:useLocalDpi xmlns:a14="http://schemas.microsoft.com/office/drawing/2010/main" val="0"/>
+              <a:ext uri="{FF2B5EF4-FFF2-40B4-BE49-F238E27FC236}">
+                <a16:creationId xmlns:a16="http://schemas.microsoft.com/office/drawing/2014/main" id="{FB983F77-F109-EA41-AFD7-CD4ED524D0BB}"/>
               </a:ext>
             </a:extLst>
-          </a:blip>
-          <a:srcRect/>
-          <a:stretch>
-            <a:fillRect/>
-          </a:stretch>
-        </p:blipFill>
-        <p:spPr bwMode="auto">
+          </p:cNvPr>
+          <p:cNvGrpSpPr/>
+          <p:nvPr/>
+        </p:nvGrpSpPr>
+        <p:grpSpPr>
+          <a:xfrm rot="19037392">
+            <a:off x="4754030" y="1000540"/>
+            <a:ext cx="1599801" cy="1646521"/>
+            <a:chOff x="6880704" y="2153228"/>
+            <a:chExt cx="1599801" cy="1646521"/>
+          </a:xfrm>
+        </p:grpSpPr>
+        <p:cxnSp>
+          <p:nvCxnSpPr>
+            <p:cNvPr id="31" name="Straight Arrow Connector 30">
+              <a:extLst>
+                <a:ext uri="{FF2B5EF4-FFF2-40B4-BE49-F238E27FC236}">
+                  <a16:creationId xmlns:a16="http://schemas.microsoft.com/office/drawing/2014/main" id="{C0230889-7EA8-2C43-B576-1B10EBE1CA60}"/>
+                </a:ext>
+              </a:extLst>
+            </p:cNvPr>
+            <p:cNvCxnSpPr/>
+            <p:nvPr/>
+          </p:nvCxnSpPr>
+          <p:spPr>
+            <a:xfrm flipV="1">
+              <a:off x="7217932" y="2360018"/>
+              <a:ext cx="0" cy="1260000"/>
+            </a:xfrm>
+            <a:prstGeom prst="straightConnector1">
+              <a:avLst/>
+            </a:prstGeom>
+            <a:ln w="19050">
+              <a:solidFill>
+                <a:schemeClr val="tx1">
+                  <a:lumMod val="50000"/>
+                  <a:lumOff val="50000"/>
+                </a:schemeClr>
+              </a:solidFill>
+              <a:tailEnd type="triangle"/>
+            </a:ln>
+          </p:spPr>
+          <p:style>
+            <a:lnRef idx="1">
+              <a:schemeClr val="dk1"/>
+            </a:lnRef>
+            <a:fillRef idx="0">
+              <a:schemeClr val="dk1"/>
+            </a:fillRef>
+            <a:effectRef idx="0">
+              <a:schemeClr val="dk1"/>
+            </a:effectRef>
+            <a:fontRef idx="minor">
+              <a:schemeClr val="tx1"/>
+            </a:fontRef>
+          </p:style>
+        </p:cxnSp>
+        <p:cxnSp>
+          <p:nvCxnSpPr>
+            <p:cNvPr id="32" name="Straight Arrow Connector 31">
+              <a:extLst>
+                <a:ext uri="{FF2B5EF4-FFF2-40B4-BE49-F238E27FC236}">
+                  <a16:creationId xmlns:a16="http://schemas.microsoft.com/office/drawing/2014/main" id="{0B2BA515-C79B-4348-8D65-4E6597BAAA5D}"/>
+                </a:ext>
+              </a:extLst>
+            </p:cNvPr>
+            <p:cNvCxnSpPr>
+              <a:cxnSpLocks/>
+            </p:cNvCxnSpPr>
+            <p:nvPr/>
+          </p:nvCxnSpPr>
+          <p:spPr>
+            <a:xfrm rot="5400000" flipV="1">
+              <a:off x="7686041" y="3169922"/>
+              <a:ext cx="0" cy="934719"/>
+            </a:xfrm>
+            <a:prstGeom prst="straightConnector1">
+              <a:avLst/>
+            </a:prstGeom>
+            <a:ln w="19050">
+              <a:solidFill>
+                <a:schemeClr val="tx1">
+                  <a:lumMod val="50000"/>
+                  <a:lumOff val="50000"/>
+                </a:schemeClr>
+              </a:solidFill>
+              <a:tailEnd type="triangle"/>
+            </a:ln>
+          </p:spPr>
+          <p:style>
+            <a:lnRef idx="1">
+              <a:schemeClr val="dk1"/>
+            </a:lnRef>
+            <a:fillRef idx="0">
+              <a:schemeClr val="dk1"/>
+            </a:fillRef>
+            <a:effectRef idx="0">
+              <a:schemeClr val="dk1"/>
+            </a:effectRef>
+            <a:fontRef idx="minor">
+              <a:schemeClr val="tx1"/>
+            </a:fontRef>
+          </p:style>
+        </p:cxnSp>
+        <mc:AlternateContent xmlns:mc="http://schemas.openxmlformats.org/markup-compatibility/2006" xmlns:a14="http://schemas.microsoft.com/office/drawing/2010/main">
+          <mc:Choice Requires="a14">
+            <p:sp>
+              <p:nvSpPr>
+                <p:cNvPr id="33" name="TextBox 32">
+                  <a:extLst>
+                    <a:ext uri="{FF2B5EF4-FFF2-40B4-BE49-F238E27FC236}">
+                      <a16:creationId xmlns:a16="http://schemas.microsoft.com/office/drawing/2014/main" id="{07F76872-4888-274A-9F81-43AE594A1E35}"/>
+                    </a:ext>
+                  </a:extLst>
+                </p:cNvPr>
+                <p:cNvSpPr txBox="1"/>
+                <p:nvPr/>
+              </p:nvSpPr>
+              <p:spPr>
+                <a:xfrm>
+                  <a:off x="8023305" y="3430417"/>
+                  <a:ext cx="457200" cy="369332"/>
+                </a:xfrm>
+                <a:prstGeom prst="rect">
+                  <a:avLst/>
+                </a:prstGeom>
+                <a:noFill/>
+                <a:ln>
+                  <a:noFill/>
+                </a:ln>
+              </p:spPr>
+              <p:txBody>
+                <a:bodyPr wrap="square" rtlCol="0">
+                  <a:spAutoFit/>
+                </a:bodyPr>
+                <a:lstStyle/>
+                <a:p>
+                  <a:pPr/>
+                  <a14:m>
+                    <m:oMathPara xmlns:m="http://schemas.openxmlformats.org/officeDocument/2006/math">
+                      <m:oMathParaPr>
+                        <m:jc m:val="centerGroup"/>
+                      </m:oMathParaPr>
+                      <m:oMath xmlns:m="http://schemas.openxmlformats.org/officeDocument/2006/math">
+                        <m:r>
+                          <a:rPr lang="en-CA" b="0" i="1" smtClean="0">
+                            <a:latin typeface="Cambria Math" panose="02040503050406030204" pitchFamily="18" charset="0"/>
+                          </a:rPr>
+                          <m:t>𝑛</m:t>
+                        </m:r>
+                      </m:oMath>
+                    </m:oMathPara>
+                  </a14:m>
+                  <a:endParaRPr lang="en-US" dirty="0"/>
+                </a:p>
+              </p:txBody>
+            </p:sp>
+          </mc:Choice>
+          <mc:Fallback xmlns="">
+            <p:sp>
+              <p:nvSpPr>
+                <p:cNvPr id="33" name="TextBox 32">
+                  <a:extLst>
+                    <a:ext uri="{FF2B5EF4-FFF2-40B4-BE49-F238E27FC236}">
+                      <a16:creationId xmlns:a16="http://schemas.microsoft.com/office/drawing/2014/main" id="{07F76872-4888-274A-9F81-43AE594A1E35}"/>
+                    </a:ext>
+                  </a:extLst>
+                </p:cNvPr>
+                <p:cNvSpPr txBox="1">
+                  <a:spLocks noRot="1" noChangeAspect="1" noMove="1" noResize="1" noEditPoints="1" noAdjustHandles="1" noChangeArrowheads="1" noChangeShapeType="1" noTextEdit="1"/>
+                </p:cNvSpPr>
+                <p:nvPr/>
+              </p:nvSpPr>
+              <p:spPr>
+                <a:xfrm>
+                  <a:off x="8023305" y="3430417"/>
+                  <a:ext cx="457200" cy="369332"/>
+                </a:xfrm>
+                <a:prstGeom prst="rect">
+                  <a:avLst/>
+                </a:prstGeom>
+                <a:blipFill>
+                  <a:blip r:embed="rId13"/>
+                  <a:stretch>
+                    <a:fillRect/>
+                  </a:stretch>
+                </a:blipFill>
+                <a:ln>
+                  <a:noFill/>
+                </a:ln>
+              </p:spPr>
+              <p:txBody>
+                <a:bodyPr/>
+                <a:lstStyle/>
+                <a:p>
+                  <a:r>
+                    <a:rPr lang="en-US">
+                      <a:noFill/>
+                    </a:rPr>
+                    <a:t> </a:t>
+                  </a:r>
+                </a:p>
+              </p:txBody>
+            </p:sp>
+          </mc:Fallback>
+        </mc:AlternateContent>
+        <mc:AlternateContent xmlns:mc="http://schemas.openxmlformats.org/markup-compatibility/2006" xmlns:a14="http://schemas.microsoft.com/office/drawing/2010/main">
+          <mc:Choice Requires="a14">
+            <p:sp>
+              <p:nvSpPr>
+                <p:cNvPr id="34" name="TextBox 33">
+                  <a:extLst>
+                    <a:ext uri="{FF2B5EF4-FFF2-40B4-BE49-F238E27FC236}">
+                      <a16:creationId xmlns:a16="http://schemas.microsoft.com/office/drawing/2014/main" id="{1D39C184-DE54-5748-AAA3-ECC39CCB3828}"/>
+                    </a:ext>
+                  </a:extLst>
+                </p:cNvPr>
+                <p:cNvSpPr txBox="1"/>
+                <p:nvPr/>
+              </p:nvSpPr>
+              <p:spPr>
+                <a:xfrm>
+                  <a:off x="6880704" y="2153228"/>
+                  <a:ext cx="457200" cy="369332"/>
+                </a:xfrm>
+                <a:prstGeom prst="rect">
+                  <a:avLst/>
+                </a:prstGeom>
+                <a:noFill/>
+                <a:ln>
+                  <a:noFill/>
+                </a:ln>
+              </p:spPr>
+              <p:txBody>
+                <a:bodyPr wrap="square" rtlCol="0">
+                  <a:spAutoFit/>
+                </a:bodyPr>
+                <a:lstStyle/>
+                <a:p>
+                  <a:pPr/>
+                  <a14:m>
+                    <m:oMathPara xmlns:m="http://schemas.openxmlformats.org/officeDocument/2006/math">
+                      <m:oMathParaPr>
+                        <m:jc m:val="centerGroup"/>
+                      </m:oMathParaPr>
+                      <m:oMath xmlns:m="http://schemas.openxmlformats.org/officeDocument/2006/math">
+                        <m:r>
+                          <a:rPr lang="en-CA" b="0" i="1" smtClean="0">
+                            <a:latin typeface="Cambria Math" panose="02040503050406030204" pitchFamily="18" charset="0"/>
+                          </a:rPr>
+                          <m:t>𝑡</m:t>
+                        </m:r>
+                      </m:oMath>
+                    </m:oMathPara>
+                  </a14:m>
+                  <a:endParaRPr lang="en-US" dirty="0"/>
+                </a:p>
+              </p:txBody>
+            </p:sp>
+          </mc:Choice>
+          <mc:Fallback xmlns="">
+            <p:sp>
+              <p:nvSpPr>
+                <p:cNvPr id="34" name="TextBox 33">
+                  <a:extLst>
+                    <a:ext uri="{FF2B5EF4-FFF2-40B4-BE49-F238E27FC236}">
+                      <a16:creationId xmlns:a16="http://schemas.microsoft.com/office/drawing/2014/main" id="{1D39C184-DE54-5748-AAA3-ECC39CCB3828}"/>
+                    </a:ext>
+                  </a:extLst>
+                </p:cNvPr>
+                <p:cNvSpPr txBox="1">
+                  <a:spLocks noRot="1" noChangeAspect="1" noMove="1" noResize="1" noEditPoints="1" noAdjustHandles="1" noChangeArrowheads="1" noChangeShapeType="1" noTextEdit="1"/>
+                </p:cNvSpPr>
+                <p:nvPr/>
+              </p:nvSpPr>
+              <p:spPr>
+                <a:xfrm>
+                  <a:off x="6880704" y="2153228"/>
+                  <a:ext cx="457200" cy="369332"/>
+                </a:xfrm>
+                <a:prstGeom prst="rect">
+                  <a:avLst/>
+                </a:prstGeom>
+                <a:blipFill>
+                  <a:blip r:embed="rId14"/>
+                  <a:stretch>
+                    <a:fillRect/>
+                  </a:stretch>
+                </a:blipFill>
+                <a:ln>
+                  <a:noFill/>
+                </a:ln>
+              </p:spPr>
+              <p:txBody>
+                <a:bodyPr/>
+                <a:lstStyle/>
+                <a:p>
+                  <a:r>
+                    <a:rPr lang="en-US">
+                      <a:noFill/>
+                    </a:rPr>
+                    <a:t> </a:t>
+                  </a:r>
+                </a:p>
+              </p:txBody>
+            </p:sp>
+          </mc:Fallback>
+        </mc:AlternateContent>
+      </p:grpSp>
+      <mc:AlternateContent xmlns:mc="http://schemas.openxmlformats.org/markup-compatibility/2006">
+        <mc:Choice xmlns:a14="http://schemas.microsoft.com/office/drawing/2010/main" Requires="a14">
+          <p:sp>
+            <p:nvSpPr>
+              <p:cNvPr id="29" name="TextBox 28">
+                <a:extLst>
+                  <a:ext uri="{FF2B5EF4-FFF2-40B4-BE49-F238E27FC236}">
+                    <a16:creationId xmlns:a16="http://schemas.microsoft.com/office/drawing/2014/main" id="{315B6D55-EB55-244A-9E9A-F216A8B4748B}"/>
+                  </a:ext>
+                </a:extLst>
+              </p:cNvPr>
+              <p:cNvSpPr txBox="1"/>
+              <p:nvPr/>
+            </p:nvSpPr>
+            <p:spPr>
+              <a:xfrm>
+                <a:off x="5396655" y="2032377"/>
+                <a:ext cx="457200" cy="381515"/>
+              </a:xfrm>
+              <a:prstGeom prst="rect">
+                <a:avLst/>
+              </a:prstGeom>
+              <a:noFill/>
+            </p:spPr>
+            <p:txBody>
+              <a:bodyPr wrap="square" rtlCol="0">
+                <a:spAutoFit/>
+              </a:bodyPr>
+              <a:lstStyle/>
+              <a:p>
+                <a:pPr/>
+                <a14:m>
+                  <m:oMathPara xmlns:m="http://schemas.openxmlformats.org/officeDocument/2006/math">
+                    <m:oMathParaPr>
+                      <m:jc m:val="centerGroup"/>
+                    </m:oMathParaPr>
+                    <m:oMath xmlns:m="http://schemas.openxmlformats.org/officeDocument/2006/math">
+                      <m:acc>
+                        <m:accPr>
+                          <m:chr m:val="⃗"/>
+                          <m:ctrlPr>
+                            <a:rPr lang="en-CA" b="0" i="1" smtClean="0">
+                              <a:latin typeface="Cambria Math" panose="02040503050406030204" pitchFamily="18" charset="0"/>
+                            </a:rPr>
+                          </m:ctrlPr>
+                        </m:accPr>
+                        <m:e>
+                          <m:sSub>
+                            <m:sSubPr>
+                              <m:ctrlPr>
+                                <a:rPr lang="en-CA" b="0" i="1" smtClean="0">
+                                  <a:latin typeface="Cambria Math" panose="02040503050406030204" pitchFamily="18" charset="0"/>
+                                </a:rPr>
+                              </m:ctrlPr>
+                            </m:sSubPr>
+                            <m:e>
+                              <m:r>
+                                <a:rPr lang="en-CA" b="0" i="1" smtClean="0">
+                                  <a:latin typeface="Cambria Math" panose="02040503050406030204" pitchFamily="18" charset="0"/>
+                                </a:rPr>
+                                <m:t>𝑎</m:t>
+                              </m:r>
+                            </m:e>
+                            <m:sub>
+                              <m:r>
+                                <a:rPr lang="en-CA" b="0" i="1" smtClean="0">
+                                  <a:latin typeface="Cambria Math" panose="02040503050406030204" pitchFamily="18" charset="0"/>
+                                </a:rPr>
+                                <m:t>𝑃</m:t>
+                              </m:r>
+                              <m:r>
+                                <a:rPr lang="en-CA" b="0" i="1" smtClean="0">
+                                  <a:latin typeface="Cambria Math" panose="02040503050406030204" pitchFamily="18" charset="0"/>
+                                </a:rPr>
+                                <m:t>,</m:t>
+                              </m:r>
+                              <m:r>
+                                <a:rPr lang="en-CA" b="0" i="1" smtClean="0">
+                                  <a:latin typeface="Cambria Math" panose="02040503050406030204" pitchFamily="18" charset="0"/>
+                                </a:rPr>
+                                <m:t>𝑡</m:t>
+                              </m:r>
+                            </m:sub>
+                          </m:sSub>
+                        </m:e>
+                      </m:acc>
+                    </m:oMath>
+                  </m:oMathPara>
+                </a14:m>
+                <a:endParaRPr lang="en-US" dirty="0"/>
+              </a:p>
+            </p:txBody>
+          </p:sp>
+        </mc:Choice>
+        <mc:Fallback>
+          <p:sp>
+            <p:nvSpPr>
+              <p:cNvPr id="29" name="TextBox 28">
+                <a:extLst>
+                  <a:ext uri="{FF2B5EF4-FFF2-40B4-BE49-F238E27FC236}">
+                    <a16:creationId xmlns:a16="http://schemas.microsoft.com/office/drawing/2014/main" id="{315B6D55-EB55-244A-9E9A-F216A8B4748B}"/>
+                  </a:ext>
+                </a:extLst>
+              </p:cNvPr>
+              <p:cNvSpPr txBox="1">
+                <a:spLocks noRot="1" noChangeAspect="1" noMove="1" noResize="1" noEditPoints="1" noAdjustHandles="1" noChangeArrowheads="1" noChangeShapeType="1" noTextEdit="1"/>
+              </p:cNvSpPr>
+              <p:nvPr/>
+            </p:nvSpPr>
+            <p:spPr>
+              <a:xfrm>
+                <a:off x="5396655" y="2032377"/>
+                <a:ext cx="457200" cy="381515"/>
+              </a:xfrm>
+              <a:prstGeom prst="rect">
+                <a:avLst/>
+              </a:prstGeom>
+              <a:blipFill>
+                <a:blip r:embed="rId15"/>
+                <a:stretch>
+                  <a:fillRect r="-8108"/>
+                </a:stretch>
+              </a:blipFill>
+            </p:spPr>
+            <p:txBody>
+              <a:bodyPr/>
+              <a:lstStyle/>
+              <a:p>
+                <a:r>
+                  <a:rPr lang="en-US">
+                    <a:noFill/>
+                  </a:rPr>
+                  <a:t> </a:t>
+                </a:r>
+              </a:p>
+            </p:txBody>
+          </p:sp>
+        </mc:Fallback>
+      </mc:AlternateContent>
+      <p:sp>
+        <p:nvSpPr>
+          <p:cNvPr id="7" name="Oval 6">
+            <a:extLst>
+              <a:ext uri="{FF2B5EF4-FFF2-40B4-BE49-F238E27FC236}">
+                <a16:creationId xmlns:a16="http://schemas.microsoft.com/office/drawing/2014/main" id="{D3C96516-03EC-6740-AB52-157CF093CC14}"/>
+              </a:ext>
+            </a:extLst>
+          </p:cNvPr>
+          <p:cNvSpPr/>
+          <p:nvPr/>
+        </p:nvSpPr>
+        <p:spPr>
           <a:xfrm>
-            <a:off x="5410200" y="1417638"/>
-            <a:ext cx="2946400" cy="4419600"/>
+            <a:off x="5562600" y="2542431"/>
+            <a:ext cx="182880" cy="182880"/>
           </a:xfrm>
-          <a:prstGeom prst="rect">
+          <a:prstGeom prst="ellipse">
             <a:avLst/>
           </a:prstGeom>
-          <a:noFill/>
-          <a:extLst>
-            <a:ext uri="{909E8E84-426E-40DD-AFC4-6F175D3DCCD1}">
-              <a14:hiddenFill xmlns:a14="http://schemas.microsoft.com/office/drawing/2010/main">
-                <a:solidFill>
-                  <a:srgbClr val="FFFFFF"/>
-                </a:solidFill>
-              </a14:hiddenFill>
-            </a:ext>
-          </a:extLst>
         </p:spPr>
-      </p:pic>
+        <p:style>
+          <a:lnRef idx="2">
+            <a:schemeClr val="dk1">
+              <a:shade val="50000"/>
+            </a:schemeClr>
+          </a:lnRef>
+          <a:fillRef idx="1">
+            <a:schemeClr val="dk1"/>
+          </a:fillRef>
+          <a:effectRef idx="0">
+            <a:schemeClr val="dk1"/>
+          </a:effectRef>
+          <a:fontRef idx="minor">
+            <a:schemeClr val="lt1"/>
+          </a:fontRef>
+        </p:style>
+        <p:txBody>
+          <a:bodyPr rtlCol="0" anchor="ctr"/>
+          <a:lstStyle/>
+          <a:p>
+            <a:pPr algn="ctr"/>
+            <a:endParaRPr lang="en-US"/>
+          </a:p>
+        </p:txBody>
+      </p:sp>
+      <p:cxnSp>
+        <p:nvCxnSpPr>
+          <p:cNvPr id="22" name="Straight Connector 21">
+            <a:extLst>
+              <a:ext uri="{FF2B5EF4-FFF2-40B4-BE49-F238E27FC236}">
+                <a16:creationId xmlns:a16="http://schemas.microsoft.com/office/drawing/2014/main" id="{626E9A23-BBA0-754D-B312-4BB126DD40D9}"/>
+              </a:ext>
+            </a:extLst>
+          </p:cNvPr>
+          <p:cNvCxnSpPr>
+            <a:cxnSpLocks/>
+          </p:cNvCxnSpPr>
+          <p:nvPr/>
+        </p:nvCxnSpPr>
+        <p:spPr>
+          <a:xfrm flipH="1" flipV="1">
+            <a:off x="4985470" y="1899956"/>
+            <a:ext cx="641737" cy="682485"/>
+          </a:xfrm>
+          <a:prstGeom prst="line">
+            <a:avLst/>
+          </a:prstGeom>
+          <a:ln>
+            <a:headEnd type="none" w="med" len="med"/>
+            <a:tailEnd type="triangle" w="lg" len="lg"/>
+          </a:ln>
+        </p:spPr>
+        <p:style>
+          <a:lnRef idx="2">
+            <a:schemeClr val="dk1"/>
+          </a:lnRef>
+          <a:fillRef idx="0">
+            <a:schemeClr val="dk1"/>
+          </a:fillRef>
+          <a:effectRef idx="1">
+            <a:schemeClr val="dk1"/>
+          </a:effectRef>
+          <a:fontRef idx="minor">
+            <a:schemeClr val="tx1"/>
+          </a:fontRef>
+        </p:style>
+      </p:cxnSp>
     </p:spTree>
     <p:extLst>
       <p:ext uri="{BB962C8B-B14F-4D97-AF65-F5344CB8AC3E}">
-        <p14:creationId xmlns:p14="http://schemas.microsoft.com/office/powerpoint/2010/main" val="4131815369"/>
+        <p14:creationId xmlns:p14="http://schemas.microsoft.com/office/powerpoint/2010/main" val="3591506207"/>
       </p:ext>
     </p:extLst>
   </p:cSld>
   <p:clrMapOvr>
     <a:masterClrMapping/>
   </p:clrMapOvr>
-  <p:timing>
-    <p:tnLst>
-      <p:par>
-        <p:cTn id="1" dur="indefinite" restart="never" nodeType="tmRoot">
-          <p:childTnLst>
-            <p:seq concurrent="1" nextAc="seek">
-              <p:cTn id="2" dur="indefinite" nodeType="mainSeq">
-                <p:childTnLst>
-                  <p:par>
-                    <p:cTn id="3" fill="hold">
-                      <p:stCondLst>
-                        <p:cond delay="indefinite"/>
-                      </p:stCondLst>
-                      <p:childTnLst>
-                        <p:par>
-                          <p:cTn id="4" fill="hold">
-                            <p:stCondLst>
-                              <p:cond delay="0"/>
-                            </p:stCondLst>
-                            <p:childTnLst>
-                              <p:par>
-                                <p:cTn id="5" presetID="1" presetClass="entr" presetSubtype="0" fill="hold" grpId="0" nodeType="clickEffect">
-                                  <p:stCondLst>
-                                    <p:cond delay="0"/>
-                                  </p:stCondLst>
-                                  <p:childTnLst>
-                                    <p:set>
-                                      <p:cBhvr>
-                                        <p:cTn id="6" dur="1" fill="hold">
-                                          <p:stCondLst>
-                                            <p:cond delay="0"/>
-                                          </p:stCondLst>
-                                        </p:cTn>
-                                        <p:tgtEl>
-                                          <p:spTgt spid="3">
-                                            <p:txEl>
-                                              <p:pRg st="0" end="0"/>
-                                            </p:txEl>
-                                          </p:spTgt>
-                                        </p:tgtEl>
-                                        <p:attrNameLst>
-                                          <p:attrName>style.visibility</p:attrName>
-                                        </p:attrNameLst>
-                                      </p:cBhvr>
-                                      <p:to>
-                                        <p:strVal val="visible"/>
-                                      </p:to>
-                                    </p:set>
-                                  </p:childTnLst>
-                                </p:cTn>
-                              </p:par>
-                            </p:childTnLst>
-                          </p:cTn>
-                        </p:par>
-                      </p:childTnLst>
-                    </p:cTn>
-                  </p:par>
-                  <p:par>
-                    <p:cTn id="7" fill="hold">
-                      <p:stCondLst>
-                        <p:cond delay="indefinite"/>
-                      </p:stCondLst>
-                      <p:childTnLst>
-                        <p:par>
-                          <p:cTn id="8" fill="hold">
-                            <p:stCondLst>
-                              <p:cond delay="0"/>
-                            </p:stCondLst>
-                            <p:childTnLst>
-                              <p:par>
-                                <p:cTn id="9" presetID="1" presetClass="entr" presetSubtype="0" fill="hold" grpId="0" nodeType="clickEffect">
-                                  <p:stCondLst>
-                                    <p:cond delay="0"/>
-                                  </p:stCondLst>
-                                  <p:childTnLst>
-                                    <p:set>
-                                      <p:cBhvr>
-                                        <p:cTn id="10" dur="1" fill="hold">
-                                          <p:stCondLst>
-                                            <p:cond delay="0"/>
-                                          </p:stCondLst>
-                                        </p:cTn>
-                                        <p:tgtEl>
-                                          <p:spTgt spid="3">
-                                            <p:txEl>
-                                              <p:pRg st="1" end="1"/>
-                                            </p:txEl>
-                                          </p:spTgt>
-                                        </p:tgtEl>
-                                        <p:attrNameLst>
-                                          <p:attrName>style.visibility</p:attrName>
-                                        </p:attrNameLst>
-                                      </p:cBhvr>
-                                      <p:to>
-                                        <p:strVal val="visible"/>
-                                      </p:to>
-                                    </p:set>
-                                  </p:childTnLst>
-                                </p:cTn>
-                              </p:par>
-                            </p:childTnLst>
-                          </p:cTn>
-                        </p:par>
-                      </p:childTnLst>
-                    </p:cTn>
-                  </p:par>
-                  <p:par>
-                    <p:cTn id="11" fill="hold">
-                      <p:stCondLst>
-                        <p:cond delay="indefinite"/>
-                      </p:stCondLst>
-                      <p:childTnLst>
-                        <p:par>
-                          <p:cTn id="12" fill="hold">
-                            <p:stCondLst>
-                              <p:cond delay="0"/>
-                            </p:stCondLst>
-                            <p:childTnLst>
-                              <p:par>
-                                <p:cTn id="13" presetID="10" presetClass="entr" presetSubtype="0" fill="hold" nodeType="clickEffect">
-                                  <p:stCondLst>
-                                    <p:cond delay="0"/>
-                                  </p:stCondLst>
-                                  <p:childTnLst>
-                                    <p:set>
-                                      <p:cBhvr>
-                                        <p:cTn id="14" dur="1" fill="hold">
-                                          <p:stCondLst>
-                                            <p:cond delay="0"/>
-                                          </p:stCondLst>
-                                        </p:cTn>
-                                        <p:tgtEl>
-                                          <p:spTgt spid="1026"/>
-                                        </p:tgtEl>
-                                        <p:attrNameLst>
-                                          <p:attrName>style.visibility</p:attrName>
-                                        </p:attrNameLst>
-                                      </p:cBhvr>
-                                      <p:to>
-                                        <p:strVal val="visible"/>
-                                      </p:to>
-                                    </p:set>
-                                    <p:animEffect transition="in" filter="fade">
-                                      <p:cBhvr>
-                                        <p:cTn id="15" dur="500"/>
-                                        <p:tgtEl>
-                                          <p:spTgt spid="1026"/>
-                                        </p:tgtEl>
-                                      </p:cBhvr>
-                                    </p:animEffect>
-                                  </p:childTnLst>
-                                </p:cTn>
-                              </p:par>
-                            </p:childTnLst>
-                          </p:cTn>
-                        </p:par>
-                      </p:childTnLst>
-                    </p:cTn>
-                  </p:par>
-                </p:childTnLst>
-              </p:cTn>
-              <p:prevCondLst>
-                <p:cond evt="onPrev" delay="0">
-                  <p:tgtEl>
-                    <p:sldTgt/>
-                  </p:tgtEl>
-                </p:cond>
-              </p:prevCondLst>
-              <p:nextCondLst>
-                <p:cond evt="onNext" delay="0">
-                  <p:tgtEl>
-                    <p:sldTgt/>
-                  </p:tgtEl>
-                </p:cond>
-              </p:nextCondLst>
-            </p:seq>
-          </p:childTnLst>
-        </p:cTn>
-      </p:par>
-    </p:tnLst>
-    <p:bldLst>
-      <p:bldP spid="3" grpId="0" uiExpand="1" build="p"/>
-    </p:bldLst>
-  </p:timing>
 </p:sld>
 </file>
 
